--- a/slide/Icons.pptx
+++ b/slide/Icons.pptx
@@ -193,7 +193,7 @@
           <a:p>
             <a:fld id="{8C69D028-04FB-4CAD-A94B-4DBC502A77F9}" type="datetimeFigureOut">
               <a:rPr lang="pt-BR" smtClean="0"/>
-              <a:t>03/04/2019</a:t>
+              <a:t>10/04/2019</a:t>
             </a:fld>
             <a:endParaRPr lang="pt-BR"/>
           </a:p>
@@ -726,7 +726,7 @@
           <a:p>
             <a:fld id="{0D12B9E4-E3E1-48A3-A42F-75EB1CD8D0EF}" type="datetimeFigureOut">
               <a:rPr lang="pt-BR" smtClean="0"/>
-              <a:t>03/04/2019</a:t>
+              <a:t>10/04/2019</a:t>
             </a:fld>
             <a:endParaRPr lang="pt-BR"/>
           </a:p>
@@ -896,7 +896,7 @@
           <a:p>
             <a:fld id="{0D12B9E4-E3E1-48A3-A42F-75EB1CD8D0EF}" type="datetimeFigureOut">
               <a:rPr lang="pt-BR" smtClean="0"/>
-              <a:t>03/04/2019</a:t>
+              <a:t>10/04/2019</a:t>
             </a:fld>
             <a:endParaRPr lang="pt-BR"/>
           </a:p>
@@ -1076,7 +1076,7 @@
           <a:p>
             <a:fld id="{0D12B9E4-E3E1-48A3-A42F-75EB1CD8D0EF}" type="datetimeFigureOut">
               <a:rPr lang="pt-BR" smtClean="0"/>
-              <a:t>03/04/2019</a:t>
+              <a:t>10/04/2019</a:t>
             </a:fld>
             <a:endParaRPr lang="pt-BR"/>
           </a:p>
@@ -1246,7 +1246,7 @@
           <a:p>
             <a:fld id="{0D12B9E4-E3E1-48A3-A42F-75EB1CD8D0EF}" type="datetimeFigureOut">
               <a:rPr lang="pt-BR" smtClean="0"/>
-              <a:t>03/04/2019</a:t>
+              <a:t>10/04/2019</a:t>
             </a:fld>
             <a:endParaRPr lang="pt-BR"/>
           </a:p>
@@ -1492,7 +1492,7 @@
           <a:p>
             <a:fld id="{0D12B9E4-E3E1-48A3-A42F-75EB1CD8D0EF}" type="datetimeFigureOut">
               <a:rPr lang="pt-BR" smtClean="0"/>
-              <a:t>03/04/2019</a:t>
+              <a:t>10/04/2019</a:t>
             </a:fld>
             <a:endParaRPr lang="pt-BR"/>
           </a:p>
@@ -1780,7 +1780,7 @@
           <a:p>
             <a:fld id="{0D12B9E4-E3E1-48A3-A42F-75EB1CD8D0EF}" type="datetimeFigureOut">
               <a:rPr lang="pt-BR" smtClean="0"/>
-              <a:t>03/04/2019</a:t>
+              <a:t>10/04/2019</a:t>
             </a:fld>
             <a:endParaRPr lang="pt-BR"/>
           </a:p>
@@ -2202,7 +2202,7 @@
           <a:p>
             <a:fld id="{0D12B9E4-E3E1-48A3-A42F-75EB1CD8D0EF}" type="datetimeFigureOut">
               <a:rPr lang="pt-BR" smtClean="0"/>
-              <a:t>03/04/2019</a:t>
+              <a:t>10/04/2019</a:t>
             </a:fld>
             <a:endParaRPr lang="pt-BR"/>
           </a:p>
@@ -2320,7 +2320,7 @@
           <a:p>
             <a:fld id="{0D12B9E4-E3E1-48A3-A42F-75EB1CD8D0EF}" type="datetimeFigureOut">
               <a:rPr lang="pt-BR" smtClean="0"/>
-              <a:t>03/04/2019</a:t>
+              <a:t>10/04/2019</a:t>
             </a:fld>
             <a:endParaRPr lang="pt-BR"/>
           </a:p>
@@ -2415,7 +2415,7 @@
           <a:p>
             <a:fld id="{0D12B9E4-E3E1-48A3-A42F-75EB1CD8D0EF}" type="datetimeFigureOut">
               <a:rPr lang="pt-BR" smtClean="0"/>
-              <a:t>03/04/2019</a:t>
+              <a:t>10/04/2019</a:t>
             </a:fld>
             <a:endParaRPr lang="pt-BR"/>
           </a:p>
@@ -2692,7 +2692,7 @@
           <a:p>
             <a:fld id="{0D12B9E4-E3E1-48A3-A42F-75EB1CD8D0EF}" type="datetimeFigureOut">
               <a:rPr lang="pt-BR" smtClean="0"/>
-              <a:t>03/04/2019</a:t>
+              <a:t>10/04/2019</a:t>
             </a:fld>
             <a:endParaRPr lang="pt-BR"/>
           </a:p>
@@ -2945,7 +2945,7 @@
           <a:p>
             <a:fld id="{0D12B9E4-E3E1-48A3-A42F-75EB1CD8D0EF}" type="datetimeFigureOut">
               <a:rPr lang="pt-BR" smtClean="0"/>
-              <a:t>03/04/2019</a:t>
+              <a:t>10/04/2019</a:t>
             </a:fld>
             <a:endParaRPr lang="pt-BR"/>
           </a:p>
@@ -3158,7 +3158,7 @@
           <a:p>
             <a:fld id="{0D12B9E4-E3E1-48A3-A42F-75EB1CD8D0EF}" type="datetimeFigureOut">
               <a:rPr lang="pt-BR" smtClean="0"/>
-              <a:t>03/04/2019</a:t>
+              <a:t>10/04/2019</a:t>
             </a:fld>
             <a:endParaRPr lang="pt-BR"/>
           </a:p>
@@ -4324,18 +4324,12 @@
             </a:avLst>
           </a:prstGeom>
           <a:solidFill>
-            <a:srgbClr val="F2F711"/>
+            <a:srgbClr val="F6E612"/>
           </a:solidFill>
           <a:ln>
             <a:noFill/>
           </a:ln>
-          <a:effectLst>
-            <a:outerShdw blurRad="50800" dist="38100" dir="10800000" algn="r" rotWithShape="0">
-              <a:prstClr val="black">
-                <a:alpha val="40000"/>
-              </a:prstClr>
-            </a:outerShdw>
-          </a:effectLst>
+          <a:effectLst/>
         </p:spPr>
         <p:style>
           <a:lnRef idx="2">
@@ -5090,7 +5084,7 @@
           <p:cNvPr id="42" name="Agrupar 9">
             <a:extLst>
               <a:ext uri="{FF2B5EF4-FFF2-40B4-BE49-F238E27FC236}">
-                <a16:creationId xmlns="" xmlns:a16="http://schemas.microsoft.com/office/drawing/2014/main" id="{CED1955D-3D0B-487D-AA3A-3B4047A0210A}"/>
+                <a16:creationId xmlns:a16="http://schemas.microsoft.com/office/drawing/2014/main" xmlns="" id="{CED1955D-3D0B-487D-AA3A-3B4047A0210A}"/>
               </a:ext>
             </a:extLst>
           </p:cNvPr>
@@ -5110,7 +5104,7 @@
             <p:cNvPr id="43" name="Imagem 42" descr="Uma imagem contendo objeto&#10;&#10;Descrição gerada automaticamente">
               <a:extLst>
                 <a:ext uri="{FF2B5EF4-FFF2-40B4-BE49-F238E27FC236}">
-                  <a16:creationId xmlns="" xmlns:a16="http://schemas.microsoft.com/office/drawing/2014/main" id="{1B9BA244-B9AA-4917-B819-488CA49DB1E2}"/>
+                  <a16:creationId xmlns:a16="http://schemas.microsoft.com/office/drawing/2014/main" xmlns="" id="{1B9BA244-B9AA-4917-B819-488CA49DB1E2}"/>
                 </a:ext>
               </a:extLst>
             </p:cNvPr>
@@ -5156,7 +5150,7 @@
             <p:cNvPr id="44" name="Gráfico 8" descr="Folha">
               <a:extLst>
                 <a:ext uri="{FF2B5EF4-FFF2-40B4-BE49-F238E27FC236}">
-                  <a16:creationId xmlns="" xmlns:a16="http://schemas.microsoft.com/office/drawing/2014/main" id="{D7B239DE-0B7B-4BDF-93B8-A09B4D198DF4}"/>
+                  <a16:creationId xmlns:a16="http://schemas.microsoft.com/office/drawing/2014/main" xmlns="" id="{D7B239DE-0B7B-4BDF-93B8-A09B4D198DF4}"/>
                 </a:ext>
               </a:extLst>
             </p:cNvPr>
@@ -5172,7 +5166,7 @@
                   <a14:useLocalDpi xmlns:a14="http://schemas.microsoft.com/office/drawing/2010/main" val="0"/>
                 </a:ext>
                 <a:ext uri="{96DAC541-7B7A-43D3-8B79-37D633B846F1}">
-                  <asvg:svgBlip xmlns="" xmlns:asvg="http://schemas.microsoft.com/office/drawing/2016/SVG/main" r:embed="rId6"/>
+                  <asvg:svgBlip xmlns:asvg="http://schemas.microsoft.com/office/drawing/2016/SVG/main" xmlns="" r:embed="rId6"/>
                 </a:ext>
               </a:extLst>
             </a:blip>
@@ -5568,6 +5562,221 @@
             </a:p>
           </p:txBody>
         </p:sp>
+      </p:grpSp>
+      <p:grpSp>
+        <p:nvGrpSpPr>
+          <p:cNvPr id="37" name="Grupo 36"/>
+          <p:cNvGrpSpPr/>
+          <p:nvPr/>
+        </p:nvGrpSpPr>
+        <p:grpSpPr>
+          <a:xfrm>
+            <a:off x="6425201" y="2440478"/>
+            <a:ext cx="1388067" cy="930004"/>
+            <a:chOff x="2093045" y="3356992"/>
+            <a:chExt cx="991827" cy="664524"/>
+          </a:xfrm>
+        </p:grpSpPr>
+        <p:sp>
+          <p:nvSpPr>
+            <p:cNvPr id="38" name="Texto explicativo retangular com cantos arredondados 37"/>
+            <p:cNvSpPr/>
+            <p:nvPr/>
+          </p:nvSpPr>
+          <p:spPr>
+            <a:xfrm>
+              <a:off x="2093045" y="3356992"/>
+              <a:ext cx="991827" cy="664524"/>
+            </a:xfrm>
+            <a:prstGeom prst="wedgeRoundRectCallout">
+              <a:avLst>
+                <a:gd name="adj1" fmla="val -38357"/>
+                <a:gd name="adj2" fmla="val 64878"/>
+                <a:gd name="adj3" fmla="val 16667"/>
+              </a:avLst>
+            </a:prstGeom>
+            <a:solidFill>
+              <a:srgbClr val="00B3F2"/>
+            </a:solidFill>
+            <a:ln>
+              <a:noFill/>
+            </a:ln>
+          </p:spPr>
+          <p:style>
+            <a:lnRef idx="2">
+              <a:schemeClr val="accent1">
+                <a:shade val="50000"/>
+              </a:schemeClr>
+            </a:lnRef>
+            <a:fillRef idx="1">
+              <a:schemeClr val="accent1"/>
+            </a:fillRef>
+            <a:effectRef idx="0">
+              <a:schemeClr val="accent1"/>
+            </a:effectRef>
+            <a:fontRef idx="minor">
+              <a:schemeClr val="lt1"/>
+            </a:fontRef>
+          </p:style>
+          <p:txBody>
+            <a:bodyPr rtlCol="0" anchor="ctr"/>
+            <a:lstStyle/>
+            <a:p>
+              <a:pPr algn="ctr"/>
+              <a:endParaRPr lang="pt-BR"/>
+            </a:p>
+          </p:txBody>
+        </p:sp>
+        <p:grpSp>
+          <p:nvGrpSpPr>
+            <p:cNvPr id="45" name="Grupo 44"/>
+            <p:cNvGrpSpPr/>
+            <p:nvPr/>
+          </p:nvGrpSpPr>
+          <p:grpSpPr>
+            <a:xfrm flipV="1">
+              <a:off x="2260813" y="3620948"/>
+              <a:ext cx="656290" cy="173892"/>
+              <a:chOff x="2915816" y="2307481"/>
+              <a:chExt cx="1904784" cy="504696"/>
+            </a:xfrm>
+            <a:solidFill>
+              <a:schemeClr val="bg1"/>
+            </a:solidFill>
+          </p:grpSpPr>
+          <p:sp>
+            <p:nvSpPr>
+              <p:cNvPr id="47" name="Elipse 46"/>
+              <p:cNvSpPr/>
+              <p:nvPr/>
+            </p:nvSpPr>
+            <p:spPr>
+              <a:xfrm>
+                <a:off x="2915816" y="2307481"/>
+                <a:ext cx="504056" cy="504056"/>
+              </a:xfrm>
+              <a:prstGeom prst="ellipse">
+                <a:avLst/>
+              </a:prstGeom>
+              <a:grpFill/>
+              <a:ln>
+                <a:noFill/>
+              </a:ln>
+            </p:spPr>
+            <p:style>
+              <a:lnRef idx="2">
+                <a:schemeClr val="accent1">
+                  <a:shade val="50000"/>
+                </a:schemeClr>
+              </a:lnRef>
+              <a:fillRef idx="1">
+                <a:schemeClr val="accent1"/>
+              </a:fillRef>
+              <a:effectRef idx="0">
+                <a:schemeClr val="accent1"/>
+              </a:effectRef>
+              <a:fontRef idx="minor">
+                <a:schemeClr val="lt1"/>
+              </a:fontRef>
+            </p:style>
+            <p:txBody>
+              <a:bodyPr rtlCol="0" anchor="ctr"/>
+              <a:lstStyle/>
+              <a:p>
+                <a:pPr algn="ctr"/>
+                <a:endParaRPr lang="pt-BR"/>
+              </a:p>
+            </p:txBody>
+          </p:sp>
+          <p:sp>
+            <p:nvSpPr>
+              <p:cNvPr id="48" name="Elipse 47"/>
+              <p:cNvSpPr/>
+              <p:nvPr/>
+            </p:nvSpPr>
+            <p:spPr>
+              <a:xfrm>
+                <a:off x="3616180" y="2308121"/>
+                <a:ext cx="504056" cy="504056"/>
+              </a:xfrm>
+              <a:prstGeom prst="ellipse">
+                <a:avLst/>
+              </a:prstGeom>
+              <a:grpFill/>
+              <a:ln>
+                <a:noFill/>
+              </a:ln>
+            </p:spPr>
+            <p:style>
+              <a:lnRef idx="2">
+                <a:schemeClr val="accent1">
+                  <a:shade val="50000"/>
+                </a:schemeClr>
+              </a:lnRef>
+              <a:fillRef idx="1">
+                <a:schemeClr val="accent1"/>
+              </a:fillRef>
+              <a:effectRef idx="0">
+                <a:schemeClr val="accent1"/>
+              </a:effectRef>
+              <a:fontRef idx="minor">
+                <a:schemeClr val="lt1"/>
+              </a:fontRef>
+            </p:style>
+            <p:txBody>
+              <a:bodyPr rtlCol="0" anchor="ctr"/>
+              <a:lstStyle/>
+              <a:p>
+                <a:pPr algn="ctr"/>
+                <a:endParaRPr lang="pt-BR"/>
+              </a:p>
+            </p:txBody>
+          </p:sp>
+          <p:sp>
+            <p:nvSpPr>
+              <p:cNvPr id="49" name="Elipse 48"/>
+              <p:cNvSpPr/>
+              <p:nvPr/>
+            </p:nvSpPr>
+            <p:spPr>
+              <a:xfrm>
+                <a:off x="4316544" y="2307801"/>
+                <a:ext cx="504056" cy="504056"/>
+              </a:xfrm>
+              <a:prstGeom prst="ellipse">
+                <a:avLst/>
+              </a:prstGeom>
+              <a:grpFill/>
+              <a:ln>
+                <a:noFill/>
+              </a:ln>
+            </p:spPr>
+            <p:style>
+              <a:lnRef idx="2">
+                <a:schemeClr val="accent1">
+                  <a:shade val="50000"/>
+                </a:schemeClr>
+              </a:lnRef>
+              <a:fillRef idx="1">
+                <a:schemeClr val="accent1"/>
+              </a:fillRef>
+              <a:effectRef idx="0">
+                <a:schemeClr val="accent1"/>
+              </a:effectRef>
+              <a:fontRef idx="minor">
+                <a:schemeClr val="lt1"/>
+              </a:fontRef>
+            </p:style>
+            <p:txBody>
+              <a:bodyPr rtlCol="0" anchor="ctr"/>
+              <a:lstStyle/>
+              <a:p>
+                <a:pPr algn="ctr"/>
+                <a:endParaRPr lang="pt-BR"/>
+              </a:p>
+            </p:txBody>
+          </p:sp>
+        </p:grpSp>
       </p:grpSp>
     </p:spTree>
     <p:extLst>

--- a/slide/Icons.pptx
+++ b/slide/Icons.pptx
@@ -193,7 +193,7 @@
           <a:p>
             <a:fld id="{8C69D028-04FB-4CAD-A94B-4DBC502A77F9}" type="datetimeFigureOut">
               <a:rPr lang="pt-BR" smtClean="0"/>
-              <a:t>10/04/2019</a:t>
+              <a:t>12/04/2019</a:t>
             </a:fld>
             <a:endParaRPr lang="pt-BR"/>
           </a:p>
@@ -726,7 +726,7 @@
           <a:p>
             <a:fld id="{0D12B9E4-E3E1-48A3-A42F-75EB1CD8D0EF}" type="datetimeFigureOut">
               <a:rPr lang="pt-BR" smtClean="0"/>
-              <a:t>10/04/2019</a:t>
+              <a:t>12/04/2019</a:t>
             </a:fld>
             <a:endParaRPr lang="pt-BR"/>
           </a:p>
@@ -896,7 +896,7 @@
           <a:p>
             <a:fld id="{0D12B9E4-E3E1-48A3-A42F-75EB1CD8D0EF}" type="datetimeFigureOut">
               <a:rPr lang="pt-BR" smtClean="0"/>
-              <a:t>10/04/2019</a:t>
+              <a:t>12/04/2019</a:t>
             </a:fld>
             <a:endParaRPr lang="pt-BR"/>
           </a:p>
@@ -1076,7 +1076,7 @@
           <a:p>
             <a:fld id="{0D12B9E4-E3E1-48A3-A42F-75EB1CD8D0EF}" type="datetimeFigureOut">
               <a:rPr lang="pt-BR" smtClean="0"/>
-              <a:t>10/04/2019</a:t>
+              <a:t>12/04/2019</a:t>
             </a:fld>
             <a:endParaRPr lang="pt-BR"/>
           </a:p>
@@ -1246,7 +1246,7 @@
           <a:p>
             <a:fld id="{0D12B9E4-E3E1-48A3-A42F-75EB1CD8D0EF}" type="datetimeFigureOut">
               <a:rPr lang="pt-BR" smtClean="0"/>
-              <a:t>10/04/2019</a:t>
+              <a:t>12/04/2019</a:t>
             </a:fld>
             <a:endParaRPr lang="pt-BR"/>
           </a:p>
@@ -1492,7 +1492,7 @@
           <a:p>
             <a:fld id="{0D12B9E4-E3E1-48A3-A42F-75EB1CD8D0EF}" type="datetimeFigureOut">
               <a:rPr lang="pt-BR" smtClean="0"/>
-              <a:t>10/04/2019</a:t>
+              <a:t>12/04/2019</a:t>
             </a:fld>
             <a:endParaRPr lang="pt-BR"/>
           </a:p>
@@ -1780,7 +1780,7 @@
           <a:p>
             <a:fld id="{0D12B9E4-E3E1-48A3-A42F-75EB1CD8D0EF}" type="datetimeFigureOut">
               <a:rPr lang="pt-BR" smtClean="0"/>
-              <a:t>10/04/2019</a:t>
+              <a:t>12/04/2019</a:t>
             </a:fld>
             <a:endParaRPr lang="pt-BR"/>
           </a:p>
@@ -2202,7 +2202,7 @@
           <a:p>
             <a:fld id="{0D12B9E4-E3E1-48A3-A42F-75EB1CD8D0EF}" type="datetimeFigureOut">
               <a:rPr lang="pt-BR" smtClean="0"/>
-              <a:t>10/04/2019</a:t>
+              <a:t>12/04/2019</a:t>
             </a:fld>
             <a:endParaRPr lang="pt-BR"/>
           </a:p>
@@ -2320,7 +2320,7 @@
           <a:p>
             <a:fld id="{0D12B9E4-E3E1-48A3-A42F-75EB1CD8D0EF}" type="datetimeFigureOut">
               <a:rPr lang="pt-BR" smtClean="0"/>
-              <a:t>10/04/2019</a:t>
+              <a:t>12/04/2019</a:t>
             </a:fld>
             <a:endParaRPr lang="pt-BR"/>
           </a:p>
@@ -2415,7 +2415,7 @@
           <a:p>
             <a:fld id="{0D12B9E4-E3E1-48A3-A42F-75EB1CD8D0EF}" type="datetimeFigureOut">
               <a:rPr lang="pt-BR" smtClean="0"/>
-              <a:t>10/04/2019</a:t>
+              <a:t>12/04/2019</a:t>
             </a:fld>
             <a:endParaRPr lang="pt-BR"/>
           </a:p>
@@ -2692,7 +2692,7 @@
           <a:p>
             <a:fld id="{0D12B9E4-E3E1-48A3-A42F-75EB1CD8D0EF}" type="datetimeFigureOut">
               <a:rPr lang="pt-BR" smtClean="0"/>
-              <a:t>10/04/2019</a:t>
+              <a:t>12/04/2019</a:t>
             </a:fld>
             <a:endParaRPr lang="pt-BR"/>
           </a:p>
@@ -2945,7 +2945,7 @@
           <a:p>
             <a:fld id="{0D12B9E4-E3E1-48A3-A42F-75EB1CD8D0EF}" type="datetimeFigureOut">
               <a:rPr lang="pt-BR" smtClean="0"/>
-              <a:t>10/04/2019</a:t>
+              <a:t>12/04/2019</a:t>
             </a:fld>
             <a:endParaRPr lang="pt-BR"/>
           </a:p>
@@ -3158,7 +3158,7 @@
           <a:p>
             <a:fld id="{0D12B9E4-E3E1-48A3-A42F-75EB1CD8D0EF}" type="datetimeFigureOut">
               <a:rPr lang="pt-BR" smtClean="0"/>
-              <a:t>10/04/2019</a:t>
+              <a:t>12/04/2019</a:t>
             </a:fld>
             <a:endParaRPr lang="pt-BR"/>
           </a:p>
@@ -4313,7 +4313,7 @@
         </p:nvSpPr>
         <p:spPr>
           <a:xfrm>
-            <a:off x="1949766" y="250251"/>
+            <a:off x="815948" y="1246244"/>
             <a:ext cx="738782" cy="738782"/>
           </a:xfrm>
           <a:prstGeom prst="star5">
@@ -4326,7 +4326,7 @@
           <a:solidFill>
             <a:srgbClr val="F6E612"/>
           </a:solidFill>
-          <a:ln>
+          <a:ln w="28575">
             <a:noFill/>
           </a:ln>
           <a:effectLst/>
@@ -4353,10 +4353,10 @@
           <a:p>
             <a:pPr algn="ctr"/>
             <a:r>
-              <a:rPr lang="pt-BR" dirty="0" smtClean="0"/>
+              <a:rPr lang="pt-BR" u="sng" dirty="0" smtClean="0"/>
               <a:t> </a:t>
             </a:r>
-            <a:endParaRPr lang="pt-BR" dirty="0"/>
+            <a:endParaRPr lang="pt-BR" u="sng" dirty="0"/>
           </a:p>
         </p:txBody>
       </p:sp>
@@ -5084,7 +5084,7 @@
           <p:cNvPr id="42" name="Agrupar 9">
             <a:extLst>
               <a:ext uri="{FF2B5EF4-FFF2-40B4-BE49-F238E27FC236}">
-                <a16:creationId xmlns:a16="http://schemas.microsoft.com/office/drawing/2014/main" xmlns="" id="{CED1955D-3D0B-487D-AA3A-3B4047A0210A}"/>
+                <a16:creationId xmlns="" xmlns:a16="http://schemas.microsoft.com/office/drawing/2014/main" id="{CED1955D-3D0B-487D-AA3A-3B4047A0210A}"/>
               </a:ext>
             </a:extLst>
           </p:cNvPr>
@@ -5104,7 +5104,7 @@
             <p:cNvPr id="43" name="Imagem 42" descr="Uma imagem contendo objeto&#10;&#10;Descrição gerada automaticamente">
               <a:extLst>
                 <a:ext uri="{FF2B5EF4-FFF2-40B4-BE49-F238E27FC236}">
-                  <a16:creationId xmlns:a16="http://schemas.microsoft.com/office/drawing/2014/main" xmlns="" id="{1B9BA244-B9AA-4917-B819-488CA49DB1E2}"/>
+                  <a16:creationId xmlns="" xmlns:a16="http://schemas.microsoft.com/office/drawing/2014/main" id="{1B9BA244-B9AA-4917-B819-488CA49DB1E2}"/>
                 </a:ext>
               </a:extLst>
             </p:cNvPr>
@@ -5150,7 +5150,7 @@
             <p:cNvPr id="44" name="Gráfico 8" descr="Folha">
               <a:extLst>
                 <a:ext uri="{FF2B5EF4-FFF2-40B4-BE49-F238E27FC236}">
-                  <a16:creationId xmlns:a16="http://schemas.microsoft.com/office/drawing/2014/main" xmlns="" id="{D7B239DE-0B7B-4BDF-93B8-A09B4D198DF4}"/>
+                  <a16:creationId xmlns="" xmlns:a16="http://schemas.microsoft.com/office/drawing/2014/main" id="{D7B239DE-0B7B-4BDF-93B8-A09B4D198DF4}"/>
                 </a:ext>
               </a:extLst>
             </p:cNvPr>
@@ -5166,7 +5166,7 @@
                   <a14:useLocalDpi xmlns:a14="http://schemas.microsoft.com/office/drawing/2010/main" val="0"/>
                 </a:ext>
                 <a:ext uri="{96DAC541-7B7A-43D3-8B79-37D633B846F1}">
-                  <asvg:svgBlip xmlns:asvg="http://schemas.microsoft.com/office/drawing/2016/SVG/main" xmlns="" r:embed="rId6"/>
+                  <asvg:svgBlip xmlns="" xmlns:asvg="http://schemas.microsoft.com/office/drawing/2016/SVG/main" r:embed="rId6"/>
                 </a:ext>
               </a:extLst>
             </a:blip>
@@ -5778,6 +5778,157 @@
           </p:sp>
         </p:grpSp>
       </p:grpSp>
+      <p:sp>
+        <p:nvSpPr>
+          <p:cNvPr id="4" name="Retângulo de cantos arredondados 3"/>
+          <p:cNvSpPr/>
+          <p:nvPr/>
+        </p:nvSpPr>
+        <p:spPr>
+          <a:xfrm>
+            <a:off x="996004" y="2477778"/>
+            <a:ext cx="2488797" cy="707785"/>
+          </a:xfrm>
+          <a:prstGeom prst="roundRect">
+            <a:avLst>
+              <a:gd name="adj" fmla="val 23866"/>
+            </a:avLst>
+          </a:prstGeom>
+          <a:solidFill>
+            <a:srgbClr val="DCDCDC"/>
+          </a:solidFill>
+          <a:ln>
+            <a:noFill/>
+          </a:ln>
+        </p:spPr>
+        <p:style>
+          <a:lnRef idx="2">
+            <a:schemeClr val="accent1">
+              <a:shade val="50000"/>
+            </a:schemeClr>
+          </a:lnRef>
+          <a:fillRef idx="1">
+            <a:schemeClr val="accent1"/>
+          </a:fillRef>
+          <a:effectRef idx="0">
+            <a:schemeClr val="accent1"/>
+          </a:effectRef>
+          <a:fontRef idx="minor">
+            <a:schemeClr val="lt1"/>
+          </a:fontRef>
+        </p:style>
+        <p:txBody>
+          <a:bodyPr rtlCol="0" anchor="ctr"/>
+          <a:lstStyle/>
+          <a:p>
+            <a:pPr algn="ctr"/>
+            <a:endParaRPr lang="pt-BR"/>
+          </a:p>
+        </p:txBody>
+      </p:sp>
+      <p:sp>
+        <p:nvSpPr>
+          <p:cNvPr id="13" name="Elipse 12"/>
+          <p:cNvSpPr/>
+          <p:nvPr/>
+        </p:nvSpPr>
+        <p:spPr>
+          <a:xfrm>
+            <a:off x="405013" y="2340023"/>
+            <a:ext cx="983296" cy="983296"/>
+          </a:xfrm>
+          <a:prstGeom prst="ellipse">
+            <a:avLst/>
+          </a:prstGeom>
+          <a:solidFill>
+            <a:schemeClr val="bg1">
+              <a:lumMod val="95000"/>
+            </a:schemeClr>
+          </a:solidFill>
+          <a:ln>
+            <a:noFill/>
+          </a:ln>
+        </p:spPr>
+        <p:style>
+          <a:lnRef idx="2">
+            <a:schemeClr val="accent1">
+              <a:shade val="50000"/>
+            </a:schemeClr>
+          </a:lnRef>
+          <a:fillRef idx="1">
+            <a:schemeClr val="accent1"/>
+          </a:fillRef>
+          <a:effectRef idx="0">
+            <a:schemeClr val="accent1"/>
+          </a:effectRef>
+          <a:fontRef idx="minor">
+            <a:schemeClr val="lt1"/>
+          </a:fontRef>
+        </p:style>
+        <p:txBody>
+          <a:bodyPr rtlCol="0" anchor="ctr"/>
+          <a:lstStyle/>
+          <a:p>
+            <a:pPr algn="ctr"/>
+            <a:endParaRPr lang="pt-BR"/>
+          </a:p>
+        </p:txBody>
+      </p:sp>
+      <p:sp>
+        <p:nvSpPr>
+          <p:cNvPr id="50" name="Estrela de 5 pontas 49"/>
+          <p:cNvSpPr/>
+          <p:nvPr/>
+        </p:nvSpPr>
+        <p:spPr>
+          <a:xfrm>
+            <a:off x="1658140" y="1648239"/>
+            <a:ext cx="673575" cy="673575"/>
+          </a:xfrm>
+          <a:prstGeom prst="star5">
+            <a:avLst>
+              <a:gd name="adj" fmla="val 18934"/>
+              <a:gd name="hf" fmla="val 105146"/>
+              <a:gd name="vf" fmla="val 110557"/>
+            </a:avLst>
+          </a:prstGeom>
+          <a:solidFill>
+            <a:srgbClr val="3D4D00"/>
+          </a:solidFill>
+          <a:ln>
+            <a:noFill/>
+          </a:ln>
+          <a:effectLst/>
+        </p:spPr>
+        <p:style>
+          <a:lnRef idx="2">
+            <a:schemeClr val="accent1">
+              <a:shade val="50000"/>
+            </a:schemeClr>
+          </a:lnRef>
+          <a:fillRef idx="1">
+            <a:schemeClr val="accent1"/>
+          </a:fillRef>
+          <a:effectRef idx="0">
+            <a:schemeClr val="accent1"/>
+          </a:effectRef>
+          <a:fontRef idx="minor">
+            <a:schemeClr val="lt1"/>
+          </a:fontRef>
+        </p:style>
+        <p:txBody>
+          <a:bodyPr rtlCol="0" anchor="ctr"/>
+          <a:lstStyle/>
+          <a:p>
+            <a:pPr algn="ctr"/>
+            <a:r>
+              <a:rPr lang="pt-BR" dirty="0" smtClean="0"/>
+              <a:t> </a:t>
+            </a:r>
+            <a:endParaRPr lang="pt-BR" dirty="0"/>
+          </a:p>
+        </p:txBody>
+      </p:sp>
     </p:spTree>
     <p:extLst>
       <p:ext uri="{BB962C8B-B14F-4D97-AF65-F5344CB8AC3E}">

--- a/slide/Icons.pptx
+++ b/slide/Icons.pptx
@@ -5,11 +5,12 @@
     <p:sldMasterId id="2147483648" r:id="rId1"/>
   </p:sldMasterIdLst>
   <p:notesMasterIdLst>
-    <p:notesMasterId r:id="rId4"/>
+    <p:notesMasterId r:id="rId5"/>
   </p:notesMasterIdLst>
   <p:sldIdLst>
     <p:sldId id="256" r:id="rId2"/>
     <p:sldId id="257" r:id="rId3"/>
+    <p:sldId id="258" r:id="rId4"/>
   </p:sldIdLst>
   <p:sldSz cx="9144000" cy="6858000" type="screen4x3"/>
   <p:notesSz cx="6858000" cy="9144000"/>
@@ -108,6 +109,22 @@
       </a:defRPr>
     </a:lvl9pPr>
   </p:defaultTextStyle>
+  <p:extLst>
+    <p:ext uri="{EFAFB233-063F-42B5-8137-9DF3F51BA10A}">
+      <p15:sldGuideLst xmlns:p15="http://schemas.microsoft.com/office/powerpoint/2012/main">
+        <p15:guide id="1" orient="horz" pos="2160">
+          <p15:clr>
+            <a:srgbClr val="A4A3A4"/>
+          </p15:clr>
+        </p15:guide>
+        <p15:guide id="2" pos="2880">
+          <p15:clr>
+            <a:srgbClr val="A4A3A4"/>
+          </p15:clr>
+        </p15:guide>
+      </p15:sldGuideLst>
+    </p:ext>
+  </p:extLst>
 </p:presentation>
 </file>
 
@@ -193,7 +210,7 @@
           <a:p>
             <a:fld id="{8C69D028-04FB-4CAD-A94B-4DBC502A77F9}" type="datetimeFigureOut">
               <a:rPr lang="pt-BR" smtClean="0"/>
-              <a:t>12/04/2019</a:t>
+              <a:t>14/04/2019</a:t>
             </a:fld>
             <a:endParaRPr lang="pt-BR"/>
           </a:p>
@@ -257,38 +274,37 @@
           <a:p>
             <a:pPr lvl="0"/>
             <a:r>
-              <a:rPr lang="pt-BR" smtClean="0"/>
+              <a:rPr lang="pt-BR"/>
               <a:t>Clique para editar o texto mestre</a:t>
             </a:r>
           </a:p>
           <a:p>
             <a:pPr lvl="1"/>
             <a:r>
-              <a:rPr lang="pt-BR" smtClean="0"/>
+              <a:rPr lang="pt-BR"/>
               <a:t>Segundo nível</a:t>
             </a:r>
           </a:p>
           <a:p>
             <a:pPr lvl="2"/>
             <a:r>
-              <a:rPr lang="pt-BR" smtClean="0"/>
+              <a:rPr lang="pt-BR"/>
               <a:t>Terceiro nível</a:t>
             </a:r>
           </a:p>
           <a:p>
             <a:pPr lvl="3"/>
             <a:r>
-              <a:rPr lang="pt-BR" smtClean="0"/>
+              <a:rPr lang="pt-BR"/>
               <a:t>Quarto nível</a:t>
             </a:r>
           </a:p>
           <a:p>
             <a:pPr lvl="4"/>
             <a:r>
-              <a:rPr lang="pt-BR" smtClean="0"/>
+              <a:rPr lang="pt-BR"/>
               <a:t>Quinto nível</a:t>
             </a:r>
-            <a:endParaRPr lang="pt-BR"/>
           </a:p>
         </p:txBody>
       </p:sp>
@@ -583,10 +599,9 @@
           <a:lstStyle/>
           <a:p>
             <a:r>
-              <a:rPr lang="pt-BR" smtClean="0"/>
+              <a:rPr lang="pt-BR"/>
               <a:t>Clique para editar o título mestre</a:t>
             </a:r>
-            <a:endParaRPr lang="pt-BR"/>
           </a:p>
         </p:txBody>
       </p:sp>
@@ -702,10 +717,9 @@
           </a:lstStyle>
           <a:p>
             <a:r>
-              <a:rPr lang="pt-BR" smtClean="0"/>
+              <a:rPr lang="pt-BR"/>
               <a:t>Clique para editar o estilo do subtítulo mestre</a:t>
             </a:r>
-            <a:endParaRPr lang="pt-BR"/>
           </a:p>
         </p:txBody>
       </p:sp>
@@ -726,7 +740,7 @@
           <a:p>
             <a:fld id="{0D12B9E4-E3E1-48A3-A42F-75EB1CD8D0EF}" type="datetimeFigureOut">
               <a:rPr lang="pt-BR" smtClean="0"/>
-              <a:t>12/04/2019</a:t>
+              <a:t>14/04/2019</a:t>
             </a:fld>
             <a:endParaRPr lang="pt-BR"/>
           </a:p>
@@ -820,10 +834,9 @@
           <a:lstStyle/>
           <a:p>
             <a:r>
-              <a:rPr lang="pt-BR" smtClean="0"/>
+              <a:rPr lang="pt-BR"/>
               <a:t>Clique para editar o título mestre</a:t>
             </a:r>
-            <a:endParaRPr lang="pt-BR"/>
           </a:p>
         </p:txBody>
       </p:sp>
@@ -844,38 +857,37 @@
           <a:p>
             <a:pPr lvl="0"/>
             <a:r>
-              <a:rPr lang="pt-BR" smtClean="0"/>
+              <a:rPr lang="pt-BR"/>
               <a:t>Clique para editar o texto mestre</a:t>
             </a:r>
           </a:p>
           <a:p>
             <a:pPr lvl="1"/>
             <a:r>
-              <a:rPr lang="pt-BR" smtClean="0"/>
+              <a:rPr lang="pt-BR"/>
               <a:t>Segundo nível</a:t>
             </a:r>
           </a:p>
           <a:p>
             <a:pPr lvl="2"/>
             <a:r>
-              <a:rPr lang="pt-BR" smtClean="0"/>
+              <a:rPr lang="pt-BR"/>
               <a:t>Terceiro nível</a:t>
             </a:r>
           </a:p>
           <a:p>
             <a:pPr lvl="3"/>
             <a:r>
-              <a:rPr lang="pt-BR" smtClean="0"/>
+              <a:rPr lang="pt-BR"/>
               <a:t>Quarto nível</a:t>
             </a:r>
           </a:p>
           <a:p>
             <a:pPr lvl="4"/>
             <a:r>
-              <a:rPr lang="pt-BR" smtClean="0"/>
+              <a:rPr lang="pt-BR"/>
               <a:t>Quinto nível</a:t>
             </a:r>
-            <a:endParaRPr lang="pt-BR"/>
           </a:p>
         </p:txBody>
       </p:sp>
@@ -896,7 +908,7 @@
           <a:p>
             <a:fld id="{0D12B9E4-E3E1-48A3-A42F-75EB1CD8D0EF}" type="datetimeFigureOut">
               <a:rPr lang="pt-BR" smtClean="0"/>
-              <a:t>12/04/2019</a:t>
+              <a:t>14/04/2019</a:t>
             </a:fld>
             <a:endParaRPr lang="pt-BR"/>
           </a:p>
@@ -995,10 +1007,9 @@
           <a:lstStyle/>
           <a:p>
             <a:r>
-              <a:rPr lang="pt-BR" smtClean="0"/>
+              <a:rPr lang="pt-BR"/>
               <a:t>Clique para editar o título mestre</a:t>
             </a:r>
-            <a:endParaRPr lang="pt-BR"/>
           </a:p>
         </p:txBody>
       </p:sp>
@@ -1024,38 +1035,37 @@
           <a:p>
             <a:pPr lvl="0"/>
             <a:r>
-              <a:rPr lang="pt-BR" smtClean="0"/>
+              <a:rPr lang="pt-BR"/>
               <a:t>Clique para editar o texto mestre</a:t>
             </a:r>
           </a:p>
           <a:p>
             <a:pPr lvl="1"/>
             <a:r>
-              <a:rPr lang="pt-BR" smtClean="0"/>
+              <a:rPr lang="pt-BR"/>
               <a:t>Segundo nível</a:t>
             </a:r>
           </a:p>
           <a:p>
             <a:pPr lvl="2"/>
             <a:r>
-              <a:rPr lang="pt-BR" smtClean="0"/>
+              <a:rPr lang="pt-BR"/>
               <a:t>Terceiro nível</a:t>
             </a:r>
           </a:p>
           <a:p>
             <a:pPr lvl="3"/>
             <a:r>
-              <a:rPr lang="pt-BR" smtClean="0"/>
+              <a:rPr lang="pt-BR"/>
               <a:t>Quarto nível</a:t>
             </a:r>
           </a:p>
           <a:p>
             <a:pPr lvl="4"/>
             <a:r>
-              <a:rPr lang="pt-BR" smtClean="0"/>
+              <a:rPr lang="pt-BR"/>
               <a:t>Quinto nível</a:t>
             </a:r>
-            <a:endParaRPr lang="pt-BR"/>
           </a:p>
         </p:txBody>
       </p:sp>
@@ -1076,7 +1086,7 @@
           <a:p>
             <a:fld id="{0D12B9E4-E3E1-48A3-A42F-75EB1CD8D0EF}" type="datetimeFigureOut">
               <a:rPr lang="pt-BR" smtClean="0"/>
-              <a:t>12/04/2019</a:t>
+              <a:t>14/04/2019</a:t>
             </a:fld>
             <a:endParaRPr lang="pt-BR"/>
           </a:p>
@@ -1170,10 +1180,9 @@
           <a:lstStyle/>
           <a:p>
             <a:r>
-              <a:rPr lang="pt-BR" smtClean="0"/>
+              <a:rPr lang="pt-BR"/>
               <a:t>Clique para editar o título mestre</a:t>
             </a:r>
-            <a:endParaRPr lang="pt-BR"/>
           </a:p>
         </p:txBody>
       </p:sp>
@@ -1194,38 +1203,37 @@
           <a:p>
             <a:pPr lvl="0"/>
             <a:r>
-              <a:rPr lang="pt-BR" smtClean="0"/>
+              <a:rPr lang="pt-BR"/>
               <a:t>Clique para editar o texto mestre</a:t>
             </a:r>
           </a:p>
           <a:p>
             <a:pPr lvl="1"/>
             <a:r>
-              <a:rPr lang="pt-BR" smtClean="0"/>
+              <a:rPr lang="pt-BR"/>
               <a:t>Segundo nível</a:t>
             </a:r>
           </a:p>
           <a:p>
             <a:pPr lvl="2"/>
             <a:r>
-              <a:rPr lang="pt-BR" smtClean="0"/>
+              <a:rPr lang="pt-BR"/>
               <a:t>Terceiro nível</a:t>
             </a:r>
           </a:p>
           <a:p>
             <a:pPr lvl="3"/>
             <a:r>
-              <a:rPr lang="pt-BR" smtClean="0"/>
+              <a:rPr lang="pt-BR"/>
               <a:t>Quarto nível</a:t>
             </a:r>
           </a:p>
           <a:p>
             <a:pPr lvl="4"/>
             <a:r>
-              <a:rPr lang="pt-BR" smtClean="0"/>
+              <a:rPr lang="pt-BR"/>
               <a:t>Quinto nível</a:t>
             </a:r>
-            <a:endParaRPr lang="pt-BR"/>
           </a:p>
         </p:txBody>
       </p:sp>
@@ -1246,7 +1254,7 @@
           <a:p>
             <a:fld id="{0D12B9E4-E3E1-48A3-A42F-75EB1CD8D0EF}" type="datetimeFigureOut">
               <a:rPr lang="pt-BR" smtClean="0"/>
-              <a:t>12/04/2019</a:t>
+              <a:t>14/04/2019</a:t>
             </a:fld>
             <a:endParaRPr lang="pt-BR"/>
           </a:p>
@@ -1349,10 +1357,9 @@
           </a:lstStyle>
           <a:p>
             <a:r>
-              <a:rPr lang="pt-BR" smtClean="0"/>
+              <a:rPr lang="pt-BR"/>
               <a:t>Clique para editar o título mestre</a:t>
             </a:r>
-            <a:endParaRPr lang="pt-BR"/>
           </a:p>
         </p:txBody>
       </p:sp>
@@ -1469,7 +1476,7 @@
           <a:p>
             <a:pPr lvl="0"/>
             <a:r>
-              <a:rPr lang="pt-BR" smtClean="0"/>
+              <a:rPr lang="pt-BR"/>
               <a:t>Clique para editar o texto mestre</a:t>
             </a:r>
           </a:p>
@@ -1492,7 +1499,7 @@
           <a:p>
             <a:fld id="{0D12B9E4-E3E1-48A3-A42F-75EB1CD8D0EF}" type="datetimeFigureOut">
               <a:rPr lang="pt-BR" smtClean="0"/>
-              <a:t>12/04/2019</a:t>
+              <a:t>14/04/2019</a:t>
             </a:fld>
             <a:endParaRPr lang="pt-BR"/>
           </a:p>
@@ -1586,10 +1593,9 @@
           <a:lstStyle/>
           <a:p>
             <a:r>
-              <a:rPr lang="pt-BR" smtClean="0"/>
+              <a:rPr lang="pt-BR"/>
               <a:t>Clique para editar o título mestre</a:t>
             </a:r>
-            <a:endParaRPr lang="pt-BR"/>
           </a:p>
         </p:txBody>
       </p:sp>
@@ -1643,38 +1649,37 @@
           <a:p>
             <a:pPr lvl="0"/>
             <a:r>
-              <a:rPr lang="pt-BR" smtClean="0"/>
+              <a:rPr lang="pt-BR"/>
               <a:t>Clique para editar o texto mestre</a:t>
             </a:r>
           </a:p>
           <a:p>
             <a:pPr lvl="1"/>
             <a:r>
-              <a:rPr lang="pt-BR" smtClean="0"/>
+              <a:rPr lang="pt-BR"/>
               <a:t>Segundo nível</a:t>
             </a:r>
           </a:p>
           <a:p>
             <a:pPr lvl="2"/>
             <a:r>
-              <a:rPr lang="pt-BR" smtClean="0"/>
+              <a:rPr lang="pt-BR"/>
               <a:t>Terceiro nível</a:t>
             </a:r>
           </a:p>
           <a:p>
             <a:pPr lvl="3"/>
             <a:r>
-              <a:rPr lang="pt-BR" smtClean="0"/>
+              <a:rPr lang="pt-BR"/>
               <a:t>Quarto nível</a:t>
             </a:r>
           </a:p>
           <a:p>
             <a:pPr lvl="4"/>
             <a:r>
-              <a:rPr lang="pt-BR" smtClean="0"/>
+              <a:rPr lang="pt-BR"/>
               <a:t>Quinto nível</a:t>
             </a:r>
-            <a:endParaRPr lang="pt-BR"/>
           </a:p>
         </p:txBody>
       </p:sp>
@@ -1728,38 +1733,37 @@
           <a:p>
             <a:pPr lvl="0"/>
             <a:r>
-              <a:rPr lang="pt-BR" smtClean="0"/>
+              <a:rPr lang="pt-BR"/>
               <a:t>Clique para editar o texto mestre</a:t>
             </a:r>
           </a:p>
           <a:p>
             <a:pPr lvl="1"/>
             <a:r>
-              <a:rPr lang="pt-BR" smtClean="0"/>
+              <a:rPr lang="pt-BR"/>
               <a:t>Segundo nível</a:t>
             </a:r>
           </a:p>
           <a:p>
             <a:pPr lvl="2"/>
             <a:r>
-              <a:rPr lang="pt-BR" smtClean="0"/>
+              <a:rPr lang="pt-BR"/>
               <a:t>Terceiro nível</a:t>
             </a:r>
           </a:p>
           <a:p>
             <a:pPr lvl="3"/>
             <a:r>
-              <a:rPr lang="pt-BR" smtClean="0"/>
+              <a:rPr lang="pt-BR"/>
               <a:t>Quarto nível</a:t>
             </a:r>
           </a:p>
           <a:p>
             <a:pPr lvl="4"/>
             <a:r>
-              <a:rPr lang="pt-BR" smtClean="0"/>
+              <a:rPr lang="pt-BR"/>
               <a:t>Quinto nível</a:t>
             </a:r>
-            <a:endParaRPr lang="pt-BR"/>
           </a:p>
         </p:txBody>
       </p:sp>
@@ -1780,7 +1784,7 @@
           <a:p>
             <a:fld id="{0D12B9E4-E3E1-48A3-A42F-75EB1CD8D0EF}" type="datetimeFigureOut">
               <a:rPr lang="pt-BR" smtClean="0"/>
-              <a:t>12/04/2019</a:t>
+              <a:t>14/04/2019</a:t>
             </a:fld>
             <a:endParaRPr lang="pt-BR"/>
           </a:p>
@@ -1878,10 +1882,9 @@
           </a:lstStyle>
           <a:p>
             <a:r>
-              <a:rPr lang="pt-BR" smtClean="0"/>
+              <a:rPr lang="pt-BR"/>
               <a:t>Clique para editar o título mestre</a:t>
             </a:r>
-            <a:endParaRPr lang="pt-BR"/>
           </a:p>
         </p:txBody>
       </p:sp>
@@ -1944,7 +1947,7 @@
           <a:p>
             <a:pPr lvl="0"/>
             <a:r>
-              <a:rPr lang="pt-BR" smtClean="0"/>
+              <a:rPr lang="pt-BR"/>
               <a:t>Clique para editar o texto mestre</a:t>
             </a:r>
           </a:p>
@@ -2000,38 +2003,37 @@
           <a:p>
             <a:pPr lvl="0"/>
             <a:r>
-              <a:rPr lang="pt-BR" smtClean="0"/>
+              <a:rPr lang="pt-BR"/>
               <a:t>Clique para editar o texto mestre</a:t>
             </a:r>
           </a:p>
           <a:p>
             <a:pPr lvl="1"/>
             <a:r>
-              <a:rPr lang="pt-BR" smtClean="0"/>
+              <a:rPr lang="pt-BR"/>
               <a:t>Segundo nível</a:t>
             </a:r>
           </a:p>
           <a:p>
             <a:pPr lvl="2"/>
             <a:r>
-              <a:rPr lang="pt-BR" smtClean="0"/>
+              <a:rPr lang="pt-BR"/>
               <a:t>Terceiro nível</a:t>
             </a:r>
           </a:p>
           <a:p>
             <a:pPr lvl="3"/>
             <a:r>
-              <a:rPr lang="pt-BR" smtClean="0"/>
+              <a:rPr lang="pt-BR"/>
               <a:t>Quarto nível</a:t>
             </a:r>
           </a:p>
           <a:p>
             <a:pPr lvl="4"/>
             <a:r>
-              <a:rPr lang="pt-BR" smtClean="0"/>
+              <a:rPr lang="pt-BR"/>
               <a:t>Quinto nível</a:t>
             </a:r>
-            <a:endParaRPr lang="pt-BR"/>
           </a:p>
         </p:txBody>
       </p:sp>
@@ -2094,7 +2096,7 @@
           <a:p>
             <a:pPr lvl="0"/>
             <a:r>
-              <a:rPr lang="pt-BR" smtClean="0"/>
+              <a:rPr lang="pt-BR"/>
               <a:t>Clique para editar o texto mestre</a:t>
             </a:r>
           </a:p>
@@ -2150,38 +2152,37 @@
           <a:p>
             <a:pPr lvl="0"/>
             <a:r>
-              <a:rPr lang="pt-BR" smtClean="0"/>
+              <a:rPr lang="pt-BR"/>
               <a:t>Clique para editar o texto mestre</a:t>
             </a:r>
           </a:p>
           <a:p>
             <a:pPr lvl="1"/>
             <a:r>
-              <a:rPr lang="pt-BR" smtClean="0"/>
+              <a:rPr lang="pt-BR"/>
               <a:t>Segundo nível</a:t>
             </a:r>
           </a:p>
           <a:p>
             <a:pPr lvl="2"/>
             <a:r>
-              <a:rPr lang="pt-BR" smtClean="0"/>
+              <a:rPr lang="pt-BR"/>
               <a:t>Terceiro nível</a:t>
             </a:r>
           </a:p>
           <a:p>
             <a:pPr lvl="3"/>
             <a:r>
-              <a:rPr lang="pt-BR" smtClean="0"/>
+              <a:rPr lang="pt-BR"/>
               <a:t>Quarto nível</a:t>
             </a:r>
           </a:p>
           <a:p>
             <a:pPr lvl="4"/>
             <a:r>
-              <a:rPr lang="pt-BR" smtClean="0"/>
+              <a:rPr lang="pt-BR"/>
               <a:t>Quinto nível</a:t>
             </a:r>
-            <a:endParaRPr lang="pt-BR"/>
           </a:p>
         </p:txBody>
       </p:sp>
@@ -2202,7 +2203,7 @@
           <a:p>
             <a:fld id="{0D12B9E4-E3E1-48A3-A42F-75EB1CD8D0EF}" type="datetimeFigureOut">
               <a:rPr lang="pt-BR" smtClean="0"/>
-              <a:t>12/04/2019</a:t>
+              <a:t>14/04/2019</a:t>
             </a:fld>
             <a:endParaRPr lang="pt-BR"/>
           </a:p>
@@ -2296,10 +2297,9 @@
           <a:lstStyle/>
           <a:p>
             <a:r>
-              <a:rPr lang="pt-BR" smtClean="0"/>
+              <a:rPr lang="pt-BR"/>
               <a:t>Clique para editar o título mestre</a:t>
             </a:r>
-            <a:endParaRPr lang="pt-BR"/>
           </a:p>
         </p:txBody>
       </p:sp>
@@ -2320,7 +2320,7 @@
           <a:p>
             <a:fld id="{0D12B9E4-E3E1-48A3-A42F-75EB1CD8D0EF}" type="datetimeFigureOut">
               <a:rPr lang="pt-BR" smtClean="0"/>
-              <a:t>12/04/2019</a:t>
+              <a:t>14/04/2019</a:t>
             </a:fld>
             <a:endParaRPr lang="pt-BR"/>
           </a:p>
@@ -2415,7 +2415,7 @@
           <a:p>
             <a:fld id="{0D12B9E4-E3E1-48A3-A42F-75EB1CD8D0EF}" type="datetimeFigureOut">
               <a:rPr lang="pt-BR" smtClean="0"/>
-              <a:t>12/04/2019</a:t>
+              <a:t>14/04/2019</a:t>
             </a:fld>
             <a:endParaRPr lang="pt-BR"/>
           </a:p>
@@ -2518,10 +2518,9 @@
           </a:lstStyle>
           <a:p>
             <a:r>
-              <a:rPr lang="pt-BR" smtClean="0"/>
+              <a:rPr lang="pt-BR"/>
               <a:t>Clique para editar o título mestre</a:t>
             </a:r>
-            <a:endParaRPr lang="pt-BR"/>
           </a:p>
         </p:txBody>
       </p:sp>
@@ -2575,38 +2574,37 @@
           <a:p>
             <a:pPr lvl="0"/>
             <a:r>
-              <a:rPr lang="pt-BR" smtClean="0"/>
+              <a:rPr lang="pt-BR"/>
               <a:t>Clique para editar o texto mestre</a:t>
             </a:r>
           </a:p>
           <a:p>
             <a:pPr lvl="1"/>
             <a:r>
-              <a:rPr lang="pt-BR" smtClean="0"/>
+              <a:rPr lang="pt-BR"/>
               <a:t>Segundo nível</a:t>
             </a:r>
           </a:p>
           <a:p>
             <a:pPr lvl="2"/>
             <a:r>
-              <a:rPr lang="pt-BR" smtClean="0"/>
+              <a:rPr lang="pt-BR"/>
               <a:t>Terceiro nível</a:t>
             </a:r>
           </a:p>
           <a:p>
             <a:pPr lvl="3"/>
             <a:r>
-              <a:rPr lang="pt-BR" smtClean="0"/>
+              <a:rPr lang="pt-BR"/>
               <a:t>Quarto nível</a:t>
             </a:r>
           </a:p>
           <a:p>
             <a:pPr lvl="4"/>
             <a:r>
-              <a:rPr lang="pt-BR" smtClean="0"/>
+              <a:rPr lang="pt-BR"/>
               <a:t>Quinto nível</a:t>
             </a:r>
-            <a:endParaRPr lang="pt-BR"/>
           </a:p>
         </p:txBody>
       </p:sp>
@@ -2669,7 +2667,7 @@
           <a:p>
             <a:pPr lvl="0"/>
             <a:r>
-              <a:rPr lang="pt-BR" smtClean="0"/>
+              <a:rPr lang="pt-BR"/>
               <a:t>Clique para editar o texto mestre</a:t>
             </a:r>
           </a:p>
@@ -2692,7 +2690,7 @@
           <a:p>
             <a:fld id="{0D12B9E4-E3E1-48A3-A42F-75EB1CD8D0EF}" type="datetimeFigureOut">
               <a:rPr lang="pt-BR" smtClean="0"/>
-              <a:t>12/04/2019</a:t>
+              <a:t>14/04/2019</a:t>
             </a:fld>
             <a:endParaRPr lang="pt-BR"/>
           </a:p>
@@ -2795,10 +2793,9 @@
           </a:lstStyle>
           <a:p>
             <a:r>
-              <a:rPr lang="pt-BR" smtClean="0"/>
+              <a:rPr lang="pt-BR"/>
               <a:t>Clique para editar o título mestre</a:t>
             </a:r>
-            <a:endParaRPr lang="pt-BR"/>
           </a:p>
         </p:txBody>
       </p:sp>
@@ -2922,7 +2919,7 @@
           <a:p>
             <a:pPr lvl="0"/>
             <a:r>
-              <a:rPr lang="pt-BR" smtClean="0"/>
+              <a:rPr lang="pt-BR"/>
               <a:t>Clique para editar o texto mestre</a:t>
             </a:r>
           </a:p>
@@ -2945,7 +2942,7 @@
           <a:p>
             <a:fld id="{0D12B9E4-E3E1-48A3-A42F-75EB1CD8D0EF}" type="datetimeFigureOut">
               <a:rPr lang="pt-BR" smtClean="0"/>
-              <a:t>12/04/2019</a:t>
+              <a:t>14/04/2019</a:t>
             </a:fld>
             <a:endParaRPr lang="pt-BR"/>
           </a:p>
@@ -3054,10 +3051,9 @@
           <a:lstStyle/>
           <a:p>
             <a:r>
-              <a:rPr lang="pt-BR" smtClean="0"/>
+              <a:rPr lang="pt-BR"/>
               <a:t>Clique para editar o título mestre</a:t>
             </a:r>
-            <a:endParaRPr lang="pt-BR"/>
           </a:p>
         </p:txBody>
       </p:sp>
@@ -3088,38 +3084,37 @@
           <a:p>
             <a:pPr lvl="0"/>
             <a:r>
-              <a:rPr lang="pt-BR" smtClean="0"/>
+              <a:rPr lang="pt-BR"/>
               <a:t>Clique para editar o texto mestre</a:t>
             </a:r>
           </a:p>
           <a:p>
             <a:pPr lvl="1"/>
             <a:r>
-              <a:rPr lang="pt-BR" smtClean="0"/>
+              <a:rPr lang="pt-BR"/>
               <a:t>Segundo nível</a:t>
             </a:r>
           </a:p>
           <a:p>
             <a:pPr lvl="2"/>
             <a:r>
-              <a:rPr lang="pt-BR" smtClean="0"/>
+              <a:rPr lang="pt-BR"/>
               <a:t>Terceiro nível</a:t>
             </a:r>
           </a:p>
           <a:p>
             <a:pPr lvl="3"/>
             <a:r>
-              <a:rPr lang="pt-BR" smtClean="0"/>
+              <a:rPr lang="pt-BR"/>
               <a:t>Quarto nível</a:t>
             </a:r>
           </a:p>
           <a:p>
             <a:pPr lvl="4"/>
             <a:r>
-              <a:rPr lang="pt-BR" smtClean="0"/>
+              <a:rPr lang="pt-BR"/>
               <a:t>Quinto nível</a:t>
             </a:r>
-            <a:endParaRPr lang="pt-BR"/>
           </a:p>
         </p:txBody>
       </p:sp>
@@ -3158,7 +3153,7 @@
           <a:p>
             <a:fld id="{0D12B9E4-E3E1-48A3-A42F-75EB1CD8D0EF}" type="datetimeFigureOut">
               <a:rPr lang="pt-BR" smtClean="0"/>
-              <a:t>12/04/2019</a:t>
+              <a:t>14/04/2019</a:t>
             </a:fld>
             <a:endParaRPr lang="pt-BR"/>
           </a:p>
@@ -4353,10 +4348,9 @@
           <a:p>
             <a:pPr algn="ctr"/>
             <a:r>
-              <a:rPr lang="pt-BR" u="sng" dirty="0" smtClean="0"/>
+              <a:rPr lang="pt-BR" u="sng" dirty="0"/>
               <a:t> </a:t>
             </a:r>
-            <a:endParaRPr lang="pt-BR" u="sng" dirty="0"/>
           </a:p>
         </p:txBody>
       </p:sp>
@@ -4368,7 +4362,7 @@
         </p:nvGrpSpPr>
         <p:grpSpPr>
           <a:xfrm>
-            <a:off x="3423688" y="4041188"/>
+            <a:off x="3871083" y="3226934"/>
             <a:ext cx="1034711" cy="1111154"/>
             <a:chOff x="1473394" y="1978996"/>
             <a:chExt cx="1014978" cy="1089964"/>
@@ -4872,10 +4866,10 @@
         </p:nvGrpSpPr>
         <p:grpSpPr>
           <a:xfrm>
-            <a:off x="5040833" y="3972408"/>
+            <a:off x="6781519" y="3764536"/>
             <a:ext cx="1388067" cy="930004"/>
-            <a:chOff x="2093045" y="3356992"/>
-            <a:chExt cx="991827" cy="664524"/>
+            <a:chOff x="2093044" y="3356986"/>
+            <a:chExt cx="991827" cy="664523"/>
           </a:xfrm>
         </p:grpSpPr>
         <p:sp>
@@ -4886,8 +4880,8 @@
           </p:nvSpPr>
           <p:spPr>
             <a:xfrm>
-              <a:off x="2093045" y="3356992"/>
-              <a:ext cx="991827" cy="664524"/>
+              <a:off x="2093044" y="3356986"/>
+              <a:ext cx="991827" cy="664523"/>
             </a:xfrm>
             <a:prstGeom prst="wedgeRoundRectCallout">
               <a:avLst>
@@ -4924,7 +4918,7 @@
             <a:lstStyle/>
             <a:p>
               <a:pPr algn="ctr"/>
-              <a:endParaRPr lang="pt-BR"/>
+              <a:endParaRPr lang="pt-BR" dirty="0"/>
             </a:p>
           </p:txBody>
         </p:sp>
@@ -5084,7 +5078,7 @@
           <p:cNvPr id="42" name="Agrupar 9">
             <a:extLst>
               <a:ext uri="{FF2B5EF4-FFF2-40B4-BE49-F238E27FC236}">
-                <a16:creationId xmlns="" xmlns:a16="http://schemas.microsoft.com/office/drawing/2014/main" id="{CED1955D-3D0B-487D-AA3A-3B4047A0210A}"/>
+                <a16:creationId xmlns:a16="http://schemas.microsoft.com/office/drawing/2014/main" id="{CED1955D-3D0B-487D-AA3A-3B4047A0210A}"/>
               </a:ext>
             </a:extLst>
           </p:cNvPr>
@@ -5093,7 +5087,7 @@
         </p:nvGrpSpPr>
         <p:grpSpPr>
           <a:xfrm>
-            <a:off x="775700" y="3370482"/>
+            <a:off x="911723" y="3052939"/>
             <a:ext cx="2089475" cy="2186338"/>
             <a:chOff x="1895062" y="1738688"/>
             <a:chExt cx="3458817" cy="3619161"/>
@@ -5104,7 +5098,7 @@
             <p:cNvPr id="43" name="Imagem 42" descr="Uma imagem contendo objeto&#10;&#10;Descrição gerada automaticamente">
               <a:extLst>
                 <a:ext uri="{FF2B5EF4-FFF2-40B4-BE49-F238E27FC236}">
-                  <a16:creationId xmlns="" xmlns:a16="http://schemas.microsoft.com/office/drawing/2014/main" id="{1B9BA244-B9AA-4917-B819-488CA49DB1E2}"/>
+                  <a16:creationId xmlns:a16="http://schemas.microsoft.com/office/drawing/2014/main" id="{1B9BA244-B9AA-4917-B819-488CA49DB1E2}"/>
                 </a:ext>
               </a:extLst>
             </p:cNvPr>
@@ -5150,7 +5144,7 @@
             <p:cNvPr id="44" name="Gráfico 8" descr="Folha">
               <a:extLst>
                 <a:ext uri="{FF2B5EF4-FFF2-40B4-BE49-F238E27FC236}">
-                  <a16:creationId xmlns="" xmlns:a16="http://schemas.microsoft.com/office/drawing/2014/main" id="{D7B239DE-0B7B-4BDF-93B8-A09B4D198DF4}"/>
+                  <a16:creationId xmlns:a16="http://schemas.microsoft.com/office/drawing/2014/main" id="{D7B239DE-0B7B-4BDF-93B8-A09B4D198DF4}"/>
                 </a:ext>
               </a:extLst>
             </p:cNvPr>
@@ -5166,7 +5160,7 @@
                   <a14:useLocalDpi xmlns:a14="http://schemas.microsoft.com/office/drawing/2010/main" val="0"/>
                 </a:ext>
                 <a:ext uri="{96DAC541-7B7A-43D3-8B79-37D633B846F1}">
-                  <asvg:svgBlip xmlns="" xmlns:asvg="http://schemas.microsoft.com/office/drawing/2016/SVG/main" r:embed="rId6"/>
+                  <asvg:svgBlip xmlns:asvg="http://schemas.microsoft.com/office/drawing/2016/SVG/main" r:embed="rId6"/>
                 </a:ext>
               </a:extLst>
             </a:blip>
@@ -5571,9 +5565,9 @@
         </p:nvGrpSpPr>
         <p:grpSpPr>
           <a:xfrm>
-            <a:off x="6425201" y="2440478"/>
+            <a:off x="6425200" y="2440478"/>
             <a:ext cx="1388067" cy="930004"/>
-            <a:chOff x="2093045" y="3356992"/>
+            <a:chOff x="2093044" y="3356992"/>
             <a:chExt cx="991827" cy="664524"/>
           </a:xfrm>
         </p:grpSpPr>
@@ -5585,7 +5579,7 @@
           </p:nvSpPr>
           <p:spPr>
             <a:xfrm>
-              <a:off x="2093045" y="3356992"/>
+              <a:off x="2093044" y="3356992"/>
               <a:ext cx="991827" cy="664524"/>
             </a:xfrm>
             <a:prstGeom prst="wedgeRoundRectCallout">
@@ -5922,17 +5916,1415 @@
           <a:p>
             <a:pPr algn="ctr"/>
             <a:r>
-              <a:rPr lang="pt-BR" dirty="0" smtClean="0"/>
+              <a:rPr lang="pt-BR" dirty="0"/>
               <a:t> </a:t>
             </a:r>
-            <a:endParaRPr lang="pt-BR" dirty="0"/>
-          </a:p>
-        </p:txBody>
-      </p:sp>
+          </a:p>
+        </p:txBody>
+      </p:sp>
+      <p:grpSp>
+        <p:nvGrpSpPr>
+          <p:cNvPr id="51" name="Agrupar 50">
+            <a:extLst>
+              <a:ext uri="{FF2B5EF4-FFF2-40B4-BE49-F238E27FC236}">
+                <a16:creationId xmlns:a16="http://schemas.microsoft.com/office/drawing/2014/main" id="{E11808A1-955C-4671-B8F9-A31BFC222774}"/>
+              </a:ext>
+            </a:extLst>
+          </p:cNvPr>
+          <p:cNvGrpSpPr/>
+          <p:nvPr/>
+        </p:nvGrpSpPr>
+        <p:grpSpPr>
+          <a:xfrm>
+            <a:off x="1923012" y="5518329"/>
+            <a:ext cx="817405" cy="867728"/>
+            <a:chOff x="6280143" y="3748315"/>
+            <a:chExt cx="1281800" cy="1360714"/>
+          </a:xfrm>
+        </p:grpSpPr>
+        <p:sp>
+          <p:nvSpPr>
+            <p:cNvPr id="52" name="Retângulo: Cantos Arredondados 51">
+              <a:extLst>
+                <a:ext uri="{FF2B5EF4-FFF2-40B4-BE49-F238E27FC236}">
+                  <a16:creationId xmlns:a16="http://schemas.microsoft.com/office/drawing/2014/main" id="{E1981BA5-41E8-4A49-8859-78017A0C02AA}"/>
+                </a:ext>
+              </a:extLst>
+            </p:cNvPr>
+            <p:cNvSpPr/>
+            <p:nvPr/>
+          </p:nvSpPr>
+          <p:spPr>
+            <a:xfrm>
+              <a:off x="6280143" y="3748315"/>
+              <a:ext cx="1281800" cy="1360714"/>
+            </a:xfrm>
+            <a:prstGeom prst="roundRect">
+              <a:avLst>
+                <a:gd name="adj" fmla="val 50000"/>
+              </a:avLst>
+            </a:prstGeom>
+            <a:noFill/>
+            <a:ln w="76200">
+              <a:solidFill>
+                <a:srgbClr val="CECECE"/>
+              </a:solidFill>
+            </a:ln>
+          </p:spPr>
+          <p:style>
+            <a:lnRef idx="2">
+              <a:schemeClr val="accent1">
+                <a:shade val="50000"/>
+              </a:schemeClr>
+            </a:lnRef>
+            <a:fillRef idx="1">
+              <a:schemeClr val="accent1"/>
+            </a:fillRef>
+            <a:effectRef idx="0">
+              <a:schemeClr val="accent1"/>
+            </a:effectRef>
+            <a:fontRef idx="minor">
+              <a:schemeClr val="lt1"/>
+            </a:fontRef>
+          </p:style>
+          <p:txBody>
+            <a:bodyPr rot="0" spcFirstLastPara="0" vert="horz" wrap="square" lIns="91440" tIns="45720" rIns="91440" bIns="45720" numCol="1" spcCol="0" rtlCol="0" fromWordArt="0" anchor="ctr" anchorCtr="0" forceAA="0" compatLnSpc="1">
+              <a:prstTxWarp prst="textNoShape">
+                <a:avLst/>
+              </a:prstTxWarp>
+              <a:noAutofit/>
+            </a:bodyPr>
+            <a:lstStyle>
+              <a:defPPr>
+                <a:defRPr lang="pt-BR"/>
+              </a:defPPr>
+              <a:lvl1pPr marL="0" algn="l" defTabSz="914400" rtl="0" eaLnBrk="1" latinLnBrk="0" hangingPunct="1">
+                <a:defRPr sz="1800" kern="1200">
+                  <a:solidFill>
+                    <a:schemeClr val="lt1"/>
+                  </a:solidFill>
+                  <a:latin typeface="+mn-lt"/>
+                  <a:ea typeface="+mn-ea"/>
+                  <a:cs typeface="+mn-cs"/>
+                </a:defRPr>
+              </a:lvl1pPr>
+              <a:lvl2pPr marL="457200" algn="l" defTabSz="914400" rtl="0" eaLnBrk="1" latinLnBrk="0" hangingPunct="1">
+                <a:defRPr sz="1800" kern="1200">
+                  <a:solidFill>
+                    <a:schemeClr val="lt1"/>
+                  </a:solidFill>
+                  <a:latin typeface="+mn-lt"/>
+                  <a:ea typeface="+mn-ea"/>
+                  <a:cs typeface="+mn-cs"/>
+                </a:defRPr>
+              </a:lvl2pPr>
+              <a:lvl3pPr marL="914400" algn="l" defTabSz="914400" rtl="0" eaLnBrk="1" latinLnBrk="0" hangingPunct="1">
+                <a:defRPr sz="1800" kern="1200">
+                  <a:solidFill>
+                    <a:schemeClr val="lt1"/>
+                  </a:solidFill>
+                  <a:latin typeface="+mn-lt"/>
+                  <a:ea typeface="+mn-ea"/>
+                  <a:cs typeface="+mn-cs"/>
+                </a:defRPr>
+              </a:lvl3pPr>
+              <a:lvl4pPr marL="1371600" algn="l" defTabSz="914400" rtl="0" eaLnBrk="1" latinLnBrk="0" hangingPunct="1">
+                <a:defRPr sz="1800" kern="1200">
+                  <a:solidFill>
+                    <a:schemeClr val="lt1"/>
+                  </a:solidFill>
+                  <a:latin typeface="+mn-lt"/>
+                  <a:ea typeface="+mn-ea"/>
+                  <a:cs typeface="+mn-cs"/>
+                </a:defRPr>
+              </a:lvl4pPr>
+              <a:lvl5pPr marL="1828800" algn="l" defTabSz="914400" rtl="0" eaLnBrk="1" latinLnBrk="0" hangingPunct="1">
+                <a:defRPr sz="1800" kern="1200">
+                  <a:solidFill>
+                    <a:schemeClr val="lt1"/>
+                  </a:solidFill>
+                  <a:latin typeface="+mn-lt"/>
+                  <a:ea typeface="+mn-ea"/>
+                  <a:cs typeface="+mn-cs"/>
+                </a:defRPr>
+              </a:lvl5pPr>
+              <a:lvl6pPr marL="2286000" algn="l" defTabSz="914400" rtl="0" eaLnBrk="1" latinLnBrk="0" hangingPunct="1">
+                <a:defRPr sz="1800" kern="1200">
+                  <a:solidFill>
+                    <a:schemeClr val="lt1"/>
+                  </a:solidFill>
+                  <a:latin typeface="+mn-lt"/>
+                  <a:ea typeface="+mn-ea"/>
+                  <a:cs typeface="+mn-cs"/>
+                </a:defRPr>
+              </a:lvl6pPr>
+              <a:lvl7pPr marL="2743200" algn="l" defTabSz="914400" rtl="0" eaLnBrk="1" latinLnBrk="0" hangingPunct="1">
+                <a:defRPr sz="1800" kern="1200">
+                  <a:solidFill>
+                    <a:schemeClr val="lt1"/>
+                  </a:solidFill>
+                  <a:latin typeface="+mn-lt"/>
+                  <a:ea typeface="+mn-ea"/>
+                  <a:cs typeface="+mn-cs"/>
+                </a:defRPr>
+              </a:lvl7pPr>
+              <a:lvl8pPr marL="3200400" algn="l" defTabSz="914400" rtl="0" eaLnBrk="1" latinLnBrk="0" hangingPunct="1">
+                <a:defRPr sz="1800" kern="1200">
+                  <a:solidFill>
+                    <a:schemeClr val="lt1"/>
+                  </a:solidFill>
+                  <a:latin typeface="+mn-lt"/>
+                  <a:ea typeface="+mn-ea"/>
+                  <a:cs typeface="+mn-cs"/>
+                </a:defRPr>
+              </a:lvl8pPr>
+              <a:lvl9pPr marL="3657600" algn="l" defTabSz="914400" rtl="0" eaLnBrk="1" latinLnBrk="0" hangingPunct="1">
+                <a:defRPr sz="1800" kern="1200">
+                  <a:solidFill>
+                    <a:schemeClr val="lt1"/>
+                  </a:solidFill>
+                  <a:latin typeface="+mn-lt"/>
+                  <a:ea typeface="+mn-ea"/>
+                  <a:cs typeface="+mn-cs"/>
+                </a:defRPr>
+              </a:lvl9pPr>
+            </a:lstStyle>
+            <a:p>
+              <a:pPr algn="ctr"/>
+              <a:endParaRPr lang="pt-BR"/>
+            </a:p>
+          </p:txBody>
+        </p:sp>
+        <p:sp>
+          <p:nvSpPr>
+            <p:cNvPr id="53" name="Retângulo: Cantos Arredondados 52">
+              <a:extLst>
+                <a:ext uri="{FF2B5EF4-FFF2-40B4-BE49-F238E27FC236}">
+                  <a16:creationId xmlns:a16="http://schemas.microsoft.com/office/drawing/2014/main" id="{132FC1CA-61D9-4900-848D-2E69FA7CD7A7}"/>
+                </a:ext>
+              </a:extLst>
+            </p:cNvPr>
+            <p:cNvSpPr/>
+            <p:nvPr/>
+          </p:nvSpPr>
+          <p:spPr>
+            <a:xfrm>
+              <a:off x="6591758" y="4100774"/>
+              <a:ext cx="200927" cy="417285"/>
+            </a:xfrm>
+            <a:prstGeom prst="roundRect">
+              <a:avLst>
+                <a:gd name="adj" fmla="val 50000"/>
+              </a:avLst>
+            </a:prstGeom>
+            <a:solidFill>
+              <a:srgbClr val="CECECE"/>
+            </a:solidFill>
+            <a:ln w="76200">
+              <a:noFill/>
+            </a:ln>
+          </p:spPr>
+          <p:style>
+            <a:lnRef idx="2">
+              <a:schemeClr val="accent1">
+                <a:shade val="50000"/>
+              </a:schemeClr>
+            </a:lnRef>
+            <a:fillRef idx="1">
+              <a:schemeClr val="accent1"/>
+            </a:fillRef>
+            <a:effectRef idx="0">
+              <a:schemeClr val="accent1"/>
+            </a:effectRef>
+            <a:fontRef idx="minor">
+              <a:schemeClr val="lt1"/>
+            </a:fontRef>
+          </p:style>
+          <p:txBody>
+            <a:bodyPr rot="0" spcFirstLastPara="0" vert="horz" wrap="square" lIns="91440" tIns="45720" rIns="91440" bIns="45720" numCol="1" spcCol="0" rtlCol="0" fromWordArt="0" anchor="ctr" anchorCtr="0" forceAA="0" compatLnSpc="1">
+              <a:prstTxWarp prst="textNoShape">
+                <a:avLst/>
+              </a:prstTxWarp>
+              <a:noAutofit/>
+            </a:bodyPr>
+            <a:lstStyle>
+              <a:defPPr>
+                <a:defRPr lang="pt-BR"/>
+              </a:defPPr>
+              <a:lvl1pPr marL="0" algn="l" defTabSz="914400" rtl="0" eaLnBrk="1" latinLnBrk="0" hangingPunct="1">
+                <a:defRPr sz="1800" kern="1200">
+                  <a:solidFill>
+                    <a:schemeClr val="lt1"/>
+                  </a:solidFill>
+                  <a:latin typeface="+mn-lt"/>
+                  <a:ea typeface="+mn-ea"/>
+                  <a:cs typeface="+mn-cs"/>
+                </a:defRPr>
+              </a:lvl1pPr>
+              <a:lvl2pPr marL="457200" algn="l" defTabSz="914400" rtl="0" eaLnBrk="1" latinLnBrk="0" hangingPunct="1">
+                <a:defRPr sz="1800" kern="1200">
+                  <a:solidFill>
+                    <a:schemeClr val="lt1"/>
+                  </a:solidFill>
+                  <a:latin typeface="+mn-lt"/>
+                  <a:ea typeface="+mn-ea"/>
+                  <a:cs typeface="+mn-cs"/>
+                </a:defRPr>
+              </a:lvl2pPr>
+              <a:lvl3pPr marL="914400" algn="l" defTabSz="914400" rtl="0" eaLnBrk="1" latinLnBrk="0" hangingPunct="1">
+                <a:defRPr sz="1800" kern="1200">
+                  <a:solidFill>
+                    <a:schemeClr val="lt1"/>
+                  </a:solidFill>
+                  <a:latin typeface="+mn-lt"/>
+                  <a:ea typeface="+mn-ea"/>
+                  <a:cs typeface="+mn-cs"/>
+                </a:defRPr>
+              </a:lvl3pPr>
+              <a:lvl4pPr marL="1371600" algn="l" defTabSz="914400" rtl="0" eaLnBrk="1" latinLnBrk="0" hangingPunct="1">
+                <a:defRPr sz="1800" kern="1200">
+                  <a:solidFill>
+                    <a:schemeClr val="lt1"/>
+                  </a:solidFill>
+                  <a:latin typeface="+mn-lt"/>
+                  <a:ea typeface="+mn-ea"/>
+                  <a:cs typeface="+mn-cs"/>
+                </a:defRPr>
+              </a:lvl4pPr>
+              <a:lvl5pPr marL="1828800" algn="l" defTabSz="914400" rtl="0" eaLnBrk="1" latinLnBrk="0" hangingPunct="1">
+                <a:defRPr sz="1800" kern="1200">
+                  <a:solidFill>
+                    <a:schemeClr val="lt1"/>
+                  </a:solidFill>
+                  <a:latin typeface="+mn-lt"/>
+                  <a:ea typeface="+mn-ea"/>
+                  <a:cs typeface="+mn-cs"/>
+                </a:defRPr>
+              </a:lvl5pPr>
+              <a:lvl6pPr marL="2286000" algn="l" defTabSz="914400" rtl="0" eaLnBrk="1" latinLnBrk="0" hangingPunct="1">
+                <a:defRPr sz="1800" kern="1200">
+                  <a:solidFill>
+                    <a:schemeClr val="lt1"/>
+                  </a:solidFill>
+                  <a:latin typeface="+mn-lt"/>
+                  <a:ea typeface="+mn-ea"/>
+                  <a:cs typeface="+mn-cs"/>
+                </a:defRPr>
+              </a:lvl6pPr>
+              <a:lvl7pPr marL="2743200" algn="l" defTabSz="914400" rtl="0" eaLnBrk="1" latinLnBrk="0" hangingPunct="1">
+                <a:defRPr sz="1800" kern="1200">
+                  <a:solidFill>
+                    <a:schemeClr val="lt1"/>
+                  </a:solidFill>
+                  <a:latin typeface="+mn-lt"/>
+                  <a:ea typeface="+mn-ea"/>
+                  <a:cs typeface="+mn-cs"/>
+                </a:defRPr>
+              </a:lvl7pPr>
+              <a:lvl8pPr marL="3200400" algn="l" defTabSz="914400" rtl="0" eaLnBrk="1" latinLnBrk="0" hangingPunct="1">
+                <a:defRPr sz="1800" kern="1200">
+                  <a:solidFill>
+                    <a:schemeClr val="lt1"/>
+                  </a:solidFill>
+                  <a:latin typeface="+mn-lt"/>
+                  <a:ea typeface="+mn-ea"/>
+                  <a:cs typeface="+mn-cs"/>
+                </a:defRPr>
+              </a:lvl8pPr>
+              <a:lvl9pPr marL="3657600" algn="l" defTabSz="914400" rtl="0" eaLnBrk="1" latinLnBrk="0" hangingPunct="1">
+                <a:defRPr sz="1800" kern="1200">
+                  <a:solidFill>
+                    <a:schemeClr val="lt1"/>
+                  </a:solidFill>
+                  <a:latin typeface="+mn-lt"/>
+                  <a:ea typeface="+mn-ea"/>
+                  <a:cs typeface="+mn-cs"/>
+                </a:defRPr>
+              </a:lvl9pPr>
+            </a:lstStyle>
+            <a:p>
+              <a:pPr algn="ctr"/>
+              <a:endParaRPr lang="pt-BR"/>
+            </a:p>
+          </p:txBody>
+        </p:sp>
+        <p:sp>
+          <p:nvSpPr>
+            <p:cNvPr id="54" name="Retângulo: Cantos Arredondados 53">
+              <a:extLst>
+                <a:ext uri="{FF2B5EF4-FFF2-40B4-BE49-F238E27FC236}">
+                  <a16:creationId xmlns:a16="http://schemas.microsoft.com/office/drawing/2014/main" id="{C4D5C295-6F85-4F06-AD4F-7751CB901D98}"/>
+                </a:ext>
+              </a:extLst>
+            </p:cNvPr>
+            <p:cNvSpPr/>
+            <p:nvPr/>
+          </p:nvSpPr>
+          <p:spPr>
+            <a:xfrm>
+              <a:off x="7061894" y="4100773"/>
+              <a:ext cx="200927" cy="417285"/>
+            </a:xfrm>
+            <a:prstGeom prst="roundRect">
+              <a:avLst>
+                <a:gd name="adj" fmla="val 50000"/>
+              </a:avLst>
+            </a:prstGeom>
+            <a:solidFill>
+              <a:srgbClr val="CECECE"/>
+            </a:solidFill>
+            <a:ln w="76200">
+              <a:noFill/>
+            </a:ln>
+          </p:spPr>
+          <p:style>
+            <a:lnRef idx="2">
+              <a:schemeClr val="accent1">
+                <a:shade val="50000"/>
+              </a:schemeClr>
+            </a:lnRef>
+            <a:fillRef idx="1">
+              <a:schemeClr val="accent1"/>
+            </a:fillRef>
+            <a:effectRef idx="0">
+              <a:schemeClr val="accent1"/>
+            </a:effectRef>
+            <a:fontRef idx="minor">
+              <a:schemeClr val="lt1"/>
+            </a:fontRef>
+          </p:style>
+          <p:txBody>
+            <a:bodyPr rot="0" spcFirstLastPara="0" vert="horz" wrap="square" lIns="91440" tIns="45720" rIns="91440" bIns="45720" numCol="1" spcCol="0" rtlCol="0" fromWordArt="0" anchor="ctr" anchorCtr="0" forceAA="0" compatLnSpc="1">
+              <a:prstTxWarp prst="textNoShape">
+                <a:avLst/>
+              </a:prstTxWarp>
+              <a:noAutofit/>
+            </a:bodyPr>
+            <a:lstStyle>
+              <a:defPPr>
+                <a:defRPr lang="pt-BR"/>
+              </a:defPPr>
+              <a:lvl1pPr marL="0" algn="l" defTabSz="914400" rtl="0" eaLnBrk="1" latinLnBrk="0" hangingPunct="1">
+                <a:defRPr sz="1800" kern="1200">
+                  <a:solidFill>
+                    <a:schemeClr val="lt1"/>
+                  </a:solidFill>
+                  <a:latin typeface="+mn-lt"/>
+                  <a:ea typeface="+mn-ea"/>
+                  <a:cs typeface="+mn-cs"/>
+                </a:defRPr>
+              </a:lvl1pPr>
+              <a:lvl2pPr marL="457200" algn="l" defTabSz="914400" rtl="0" eaLnBrk="1" latinLnBrk="0" hangingPunct="1">
+                <a:defRPr sz="1800" kern="1200">
+                  <a:solidFill>
+                    <a:schemeClr val="lt1"/>
+                  </a:solidFill>
+                  <a:latin typeface="+mn-lt"/>
+                  <a:ea typeface="+mn-ea"/>
+                  <a:cs typeface="+mn-cs"/>
+                </a:defRPr>
+              </a:lvl2pPr>
+              <a:lvl3pPr marL="914400" algn="l" defTabSz="914400" rtl="0" eaLnBrk="1" latinLnBrk="0" hangingPunct="1">
+                <a:defRPr sz="1800" kern="1200">
+                  <a:solidFill>
+                    <a:schemeClr val="lt1"/>
+                  </a:solidFill>
+                  <a:latin typeface="+mn-lt"/>
+                  <a:ea typeface="+mn-ea"/>
+                  <a:cs typeface="+mn-cs"/>
+                </a:defRPr>
+              </a:lvl3pPr>
+              <a:lvl4pPr marL="1371600" algn="l" defTabSz="914400" rtl="0" eaLnBrk="1" latinLnBrk="0" hangingPunct="1">
+                <a:defRPr sz="1800" kern="1200">
+                  <a:solidFill>
+                    <a:schemeClr val="lt1"/>
+                  </a:solidFill>
+                  <a:latin typeface="+mn-lt"/>
+                  <a:ea typeface="+mn-ea"/>
+                  <a:cs typeface="+mn-cs"/>
+                </a:defRPr>
+              </a:lvl4pPr>
+              <a:lvl5pPr marL="1828800" algn="l" defTabSz="914400" rtl="0" eaLnBrk="1" latinLnBrk="0" hangingPunct="1">
+                <a:defRPr sz="1800" kern="1200">
+                  <a:solidFill>
+                    <a:schemeClr val="lt1"/>
+                  </a:solidFill>
+                  <a:latin typeface="+mn-lt"/>
+                  <a:ea typeface="+mn-ea"/>
+                  <a:cs typeface="+mn-cs"/>
+                </a:defRPr>
+              </a:lvl5pPr>
+              <a:lvl6pPr marL="2286000" algn="l" defTabSz="914400" rtl="0" eaLnBrk="1" latinLnBrk="0" hangingPunct="1">
+                <a:defRPr sz="1800" kern="1200">
+                  <a:solidFill>
+                    <a:schemeClr val="lt1"/>
+                  </a:solidFill>
+                  <a:latin typeface="+mn-lt"/>
+                  <a:ea typeface="+mn-ea"/>
+                  <a:cs typeface="+mn-cs"/>
+                </a:defRPr>
+              </a:lvl6pPr>
+              <a:lvl7pPr marL="2743200" algn="l" defTabSz="914400" rtl="0" eaLnBrk="1" latinLnBrk="0" hangingPunct="1">
+                <a:defRPr sz="1800" kern="1200">
+                  <a:solidFill>
+                    <a:schemeClr val="lt1"/>
+                  </a:solidFill>
+                  <a:latin typeface="+mn-lt"/>
+                  <a:ea typeface="+mn-ea"/>
+                  <a:cs typeface="+mn-cs"/>
+                </a:defRPr>
+              </a:lvl7pPr>
+              <a:lvl8pPr marL="3200400" algn="l" defTabSz="914400" rtl="0" eaLnBrk="1" latinLnBrk="0" hangingPunct="1">
+                <a:defRPr sz="1800" kern="1200">
+                  <a:solidFill>
+                    <a:schemeClr val="lt1"/>
+                  </a:solidFill>
+                  <a:latin typeface="+mn-lt"/>
+                  <a:ea typeface="+mn-ea"/>
+                  <a:cs typeface="+mn-cs"/>
+                </a:defRPr>
+              </a:lvl8pPr>
+              <a:lvl9pPr marL="3657600" algn="l" defTabSz="914400" rtl="0" eaLnBrk="1" latinLnBrk="0" hangingPunct="1">
+                <a:defRPr sz="1800" kern="1200">
+                  <a:solidFill>
+                    <a:schemeClr val="lt1"/>
+                  </a:solidFill>
+                  <a:latin typeface="+mn-lt"/>
+                  <a:ea typeface="+mn-ea"/>
+                  <a:cs typeface="+mn-cs"/>
+                </a:defRPr>
+              </a:lvl9pPr>
+            </a:lstStyle>
+            <a:p>
+              <a:pPr algn="ctr"/>
+              <a:endParaRPr lang="pt-BR"/>
+            </a:p>
+          </p:txBody>
+        </p:sp>
+        <p:sp>
+          <p:nvSpPr>
+            <p:cNvPr id="55" name="Forma Livre: Forma 54">
+              <a:extLst>
+                <a:ext uri="{FF2B5EF4-FFF2-40B4-BE49-F238E27FC236}">
+                  <a16:creationId xmlns:a16="http://schemas.microsoft.com/office/drawing/2014/main" id="{62AD9654-DF2E-421E-A21D-3CB31EE7AEC9}"/>
+                </a:ext>
+              </a:extLst>
+            </p:cNvPr>
+            <p:cNvSpPr/>
+            <p:nvPr/>
+          </p:nvSpPr>
+          <p:spPr>
+            <a:xfrm>
+              <a:off x="6620449" y="4624858"/>
+              <a:ext cx="601187" cy="304800"/>
+            </a:xfrm>
+            <a:custGeom>
+              <a:avLst/>
+              <a:gdLst>
+                <a:gd name="connsiteX0" fmla="*/ 1180 w 3338286"/>
+                <a:gd name="connsiteY0" fmla="*/ 0 h 1692502"/>
+                <a:gd name="connsiteX1" fmla="*/ 3337107 w 3338286"/>
+                <a:gd name="connsiteY1" fmla="*/ 0 h 1692502"/>
+                <a:gd name="connsiteX2" fmla="*/ 3338286 w 3338286"/>
+                <a:gd name="connsiteY2" fmla="*/ 23359 h 1692502"/>
+                <a:gd name="connsiteX3" fmla="*/ 1669143 w 3338286"/>
+                <a:gd name="connsiteY3" fmla="*/ 1692502 h 1692502"/>
+                <a:gd name="connsiteX4" fmla="*/ 0 w 3338286"/>
+                <a:gd name="connsiteY4" fmla="*/ 23359 h 1692502"/>
+              </a:gdLst>
+              <a:ahLst/>
+              <a:cxnLst>
+                <a:cxn ang="0">
+                  <a:pos x="connsiteX0" y="connsiteY0"/>
+                </a:cxn>
+                <a:cxn ang="0">
+                  <a:pos x="connsiteX1" y="connsiteY1"/>
+                </a:cxn>
+                <a:cxn ang="0">
+                  <a:pos x="connsiteX2" y="connsiteY2"/>
+                </a:cxn>
+                <a:cxn ang="0">
+                  <a:pos x="connsiteX3" y="connsiteY3"/>
+                </a:cxn>
+                <a:cxn ang="0">
+                  <a:pos x="connsiteX4" y="connsiteY4"/>
+                </a:cxn>
+              </a:cxnLst>
+              <a:rect l="l" t="t" r="r" b="b"/>
+              <a:pathLst>
+                <a:path w="3338286" h="1692502">
+                  <a:moveTo>
+                    <a:pt x="1180" y="0"/>
+                  </a:moveTo>
+                  <a:lnTo>
+                    <a:pt x="3337107" y="0"/>
+                  </a:lnTo>
+                  <a:lnTo>
+                    <a:pt x="3338286" y="23359"/>
+                  </a:lnTo>
+                  <a:cubicBezTo>
+                    <a:pt x="3338286" y="945201"/>
+                    <a:pt x="2590985" y="1692502"/>
+                    <a:pt x="1669143" y="1692502"/>
+                  </a:cubicBezTo>
+                  <a:cubicBezTo>
+                    <a:pt x="747301" y="1692502"/>
+                    <a:pt x="0" y="945201"/>
+                    <a:pt x="0" y="23359"/>
+                  </a:cubicBezTo>
+                  <a:close/>
+                </a:path>
+              </a:pathLst>
+            </a:custGeom>
+            <a:solidFill>
+              <a:srgbClr val="CECECE"/>
+            </a:solidFill>
+            <a:ln>
+              <a:noFill/>
+            </a:ln>
+          </p:spPr>
+          <p:style>
+            <a:lnRef idx="2">
+              <a:schemeClr val="accent1">
+                <a:shade val="50000"/>
+              </a:schemeClr>
+            </a:lnRef>
+            <a:fillRef idx="1">
+              <a:schemeClr val="accent1"/>
+            </a:fillRef>
+            <a:effectRef idx="0">
+              <a:schemeClr val="accent1"/>
+            </a:effectRef>
+            <a:fontRef idx="minor">
+              <a:schemeClr val="lt1"/>
+            </a:fontRef>
+          </p:style>
+          <p:txBody>
+            <a:bodyPr rot="0" spcFirstLastPara="0" vert="horz" wrap="square" lIns="91440" tIns="45720" rIns="91440" bIns="45720" numCol="1" spcCol="0" rtlCol="0" fromWordArt="0" anchor="ctr" anchorCtr="0" forceAA="0" compatLnSpc="1">
+              <a:prstTxWarp prst="textNoShape">
+                <a:avLst/>
+              </a:prstTxWarp>
+              <a:noAutofit/>
+            </a:bodyPr>
+            <a:lstStyle>
+              <a:defPPr>
+                <a:defRPr lang="pt-BR"/>
+              </a:defPPr>
+              <a:lvl1pPr marL="0" algn="l" defTabSz="914400" rtl="0" eaLnBrk="1" latinLnBrk="0" hangingPunct="1">
+                <a:defRPr sz="1800" kern="1200">
+                  <a:solidFill>
+                    <a:schemeClr val="lt1"/>
+                  </a:solidFill>
+                  <a:latin typeface="+mn-lt"/>
+                  <a:ea typeface="+mn-ea"/>
+                  <a:cs typeface="+mn-cs"/>
+                </a:defRPr>
+              </a:lvl1pPr>
+              <a:lvl2pPr marL="457200" algn="l" defTabSz="914400" rtl="0" eaLnBrk="1" latinLnBrk="0" hangingPunct="1">
+                <a:defRPr sz="1800" kern="1200">
+                  <a:solidFill>
+                    <a:schemeClr val="lt1"/>
+                  </a:solidFill>
+                  <a:latin typeface="+mn-lt"/>
+                  <a:ea typeface="+mn-ea"/>
+                  <a:cs typeface="+mn-cs"/>
+                </a:defRPr>
+              </a:lvl2pPr>
+              <a:lvl3pPr marL="914400" algn="l" defTabSz="914400" rtl="0" eaLnBrk="1" latinLnBrk="0" hangingPunct="1">
+                <a:defRPr sz="1800" kern="1200">
+                  <a:solidFill>
+                    <a:schemeClr val="lt1"/>
+                  </a:solidFill>
+                  <a:latin typeface="+mn-lt"/>
+                  <a:ea typeface="+mn-ea"/>
+                  <a:cs typeface="+mn-cs"/>
+                </a:defRPr>
+              </a:lvl3pPr>
+              <a:lvl4pPr marL="1371600" algn="l" defTabSz="914400" rtl="0" eaLnBrk="1" latinLnBrk="0" hangingPunct="1">
+                <a:defRPr sz="1800" kern="1200">
+                  <a:solidFill>
+                    <a:schemeClr val="lt1"/>
+                  </a:solidFill>
+                  <a:latin typeface="+mn-lt"/>
+                  <a:ea typeface="+mn-ea"/>
+                  <a:cs typeface="+mn-cs"/>
+                </a:defRPr>
+              </a:lvl4pPr>
+              <a:lvl5pPr marL="1828800" algn="l" defTabSz="914400" rtl="0" eaLnBrk="1" latinLnBrk="0" hangingPunct="1">
+                <a:defRPr sz="1800" kern="1200">
+                  <a:solidFill>
+                    <a:schemeClr val="lt1"/>
+                  </a:solidFill>
+                  <a:latin typeface="+mn-lt"/>
+                  <a:ea typeface="+mn-ea"/>
+                  <a:cs typeface="+mn-cs"/>
+                </a:defRPr>
+              </a:lvl5pPr>
+              <a:lvl6pPr marL="2286000" algn="l" defTabSz="914400" rtl="0" eaLnBrk="1" latinLnBrk="0" hangingPunct="1">
+                <a:defRPr sz="1800" kern="1200">
+                  <a:solidFill>
+                    <a:schemeClr val="lt1"/>
+                  </a:solidFill>
+                  <a:latin typeface="+mn-lt"/>
+                  <a:ea typeface="+mn-ea"/>
+                  <a:cs typeface="+mn-cs"/>
+                </a:defRPr>
+              </a:lvl6pPr>
+              <a:lvl7pPr marL="2743200" algn="l" defTabSz="914400" rtl="0" eaLnBrk="1" latinLnBrk="0" hangingPunct="1">
+                <a:defRPr sz="1800" kern="1200">
+                  <a:solidFill>
+                    <a:schemeClr val="lt1"/>
+                  </a:solidFill>
+                  <a:latin typeface="+mn-lt"/>
+                  <a:ea typeface="+mn-ea"/>
+                  <a:cs typeface="+mn-cs"/>
+                </a:defRPr>
+              </a:lvl7pPr>
+              <a:lvl8pPr marL="3200400" algn="l" defTabSz="914400" rtl="0" eaLnBrk="1" latinLnBrk="0" hangingPunct="1">
+                <a:defRPr sz="1800" kern="1200">
+                  <a:solidFill>
+                    <a:schemeClr val="lt1"/>
+                  </a:solidFill>
+                  <a:latin typeface="+mn-lt"/>
+                  <a:ea typeface="+mn-ea"/>
+                  <a:cs typeface="+mn-cs"/>
+                </a:defRPr>
+              </a:lvl8pPr>
+              <a:lvl9pPr marL="3657600" algn="l" defTabSz="914400" rtl="0" eaLnBrk="1" latinLnBrk="0" hangingPunct="1">
+                <a:defRPr sz="1800" kern="1200">
+                  <a:solidFill>
+                    <a:schemeClr val="lt1"/>
+                  </a:solidFill>
+                  <a:latin typeface="+mn-lt"/>
+                  <a:ea typeface="+mn-ea"/>
+                  <a:cs typeface="+mn-cs"/>
+                </a:defRPr>
+              </a:lvl9pPr>
+            </a:lstStyle>
+            <a:p>
+              <a:pPr algn="ctr"/>
+              <a:endParaRPr lang="pt-BR"/>
+            </a:p>
+          </p:txBody>
+        </p:sp>
+      </p:grpSp>
+      <p:grpSp>
+        <p:nvGrpSpPr>
+          <p:cNvPr id="21" name="Agrupar 20">
+            <a:extLst>
+              <a:ext uri="{FF2B5EF4-FFF2-40B4-BE49-F238E27FC236}">
+                <a16:creationId xmlns:a16="http://schemas.microsoft.com/office/drawing/2014/main" id="{742FF697-D3D0-4C6E-A5C8-5AB51DA82FD5}"/>
+              </a:ext>
+            </a:extLst>
+          </p:cNvPr>
+          <p:cNvGrpSpPr/>
+          <p:nvPr/>
+        </p:nvGrpSpPr>
+        <p:grpSpPr>
+          <a:xfrm>
+            <a:off x="3009922" y="5555396"/>
+            <a:ext cx="957454" cy="641494"/>
+            <a:chOff x="4550650" y="4627979"/>
+            <a:chExt cx="1295116" cy="867728"/>
+          </a:xfrm>
+        </p:grpSpPr>
+        <p:sp>
+          <p:nvSpPr>
+            <p:cNvPr id="20" name="Balão de Fala: Retângulo com Cantos Arredondados 19">
+              <a:extLst>
+                <a:ext uri="{FF2B5EF4-FFF2-40B4-BE49-F238E27FC236}">
+                  <a16:creationId xmlns:a16="http://schemas.microsoft.com/office/drawing/2014/main" id="{AA0138DD-E1F7-4726-B5A6-47C288CE6E6A}"/>
+                </a:ext>
+              </a:extLst>
+            </p:cNvPr>
+            <p:cNvSpPr/>
+            <p:nvPr/>
+          </p:nvSpPr>
+          <p:spPr>
+            <a:xfrm>
+              <a:off x="4550650" y="4627979"/>
+              <a:ext cx="1295116" cy="867728"/>
+            </a:xfrm>
+            <a:prstGeom prst="wedgeRoundRectCallout">
+              <a:avLst>
+                <a:gd name="adj1" fmla="val -29867"/>
+                <a:gd name="adj2" fmla="val 70468"/>
+                <a:gd name="adj3" fmla="val 16667"/>
+              </a:avLst>
+            </a:prstGeom>
+            <a:noFill/>
+            <a:ln w="76200">
+              <a:solidFill>
+                <a:srgbClr val="CECECE"/>
+              </a:solidFill>
+            </a:ln>
+          </p:spPr>
+          <p:style>
+            <a:lnRef idx="2">
+              <a:schemeClr val="accent1">
+                <a:shade val="50000"/>
+              </a:schemeClr>
+            </a:lnRef>
+            <a:fillRef idx="1">
+              <a:schemeClr val="accent1"/>
+            </a:fillRef>
+            <a:effectRef idx="0">
+              <a:schemeClr val="accent1"/>
+            </a:effectRef>
+            <a:fontRef idx="minor">
+              <a:schemeClr val="lt1"/>
+            </a:fontRef>
+          </p:style>
+          <p:txBody>
+            <a:bodyPr rtlCol="0" anchor="ctr"/>
+            <a:lstStyle/>
+            <a:p>
+              <a:pPr algn="ctr"/>
+              <a:endParaRPr lang="pt-BR"/>
+            </a:p>
+          </p:txBody>
+        </p:sp>
+        <p:sp>
+          <p:nvSpPr>
+            <p:cNvPr id="65" name="Elipse 64">
+              <a:extLst>
+                <a:ext uri="{FF2B5EF4-FFF2-40B4-BE49-F238E27FC236}">
+                  <a16:creationId xmlns:a16="http://schemas.microsoft.com/office/drawing/2014/main" id="{2D887CE5-AF78-48D7-81B1-39041528C393}"/>
+                </a:ext>
+              </a:extLst>
+            </p:cNvPr>
+            <p:cNvSpPr/>
+            <p:nvPr/>
+          </p:nvSpPr>
+          <p:spPr>
+            <a:xfrm flipV="1">
+              <a:off x="4742211" y="4940316"/>
+              <a:ext cx="243054" cy="243054"/>
+            </a:xfrm>
+            <a:prstGeom prst="ellipse">
+              <a:avLst/>
+            </a:prstGeom>
+            <a:solidFill>
+              <a:srgbClr val="CECECE"/>
+            </a:solidFill>
+            <a:ln>
+              <a:noFill/>
+            </a:ln>
+          </p:spPr>
+          <p:style>
+            <a:lnRef idx="2">
+              <a:schemeClr val="accent1">
+                <a:shade val="50000"/>
+              </a:schemeClr>
+            </a:lnRef>
+            <a:fillRef idx="1">
+              <a:schemeClr val="accent1"/>
+            </a:fillRef>
+            <a:effectRef idx="0">
+              <a:schemeClr val="accent1"/>
+            </a:effectRef>
+            <a:fontRef idx="minor">
+              <a:schemeClr val="lt1"/>
+            </a:fontRef>
+          </p:style>
+          <p:txBody>
+            <a:bodyPr rtlCol="0" anchor="ctr"/>
+            <a:lstStyle/>
+            <a:p>
+              <a:pPr algn="ctr"/>
+              <a:endParaRPr lang="pt-BR"/>
+            </a:p>
+          </p:txBody>
+        </p:sp>
+        <p:sp>
+          <p:nvSpPr>
+            <p:cNvPr id="66" name="Elipse 65">
+              <a:extLst>
+                <a:ext uri="{FF2B5EF4-FFF2-40B4-BE49-F238E27FC236}">
+                  <a16:creationId xmlns:a16="http://schemas.microsoft.com/office/drawing/2014/main" id="{E5D2C947-B154-4AD5-B4A9-13A15AFD7A8D}"/>
+                </a:ext>
+              </a:extLst>
+            </p:cNvPr>
+            <p:cNvSpPr/>
+            <p:nvPr/>
+          </p:nvSpPr>
+          <p:spPr>
+            <a:xfrm flipV="1">
+              <a:off x="5076681" y="4940316"/>
+              <a:ext cx="243054" cy="243054"/>
+            </a:xfrm>
+            <a:prstGeom prst="ellipse">
+              <a:avLst/>
+            </a:prstGeom>
+            <a:solidFill>
+              <a:srgbClr val="CECECE"/>
+            </a:solidFill>
+            <a:ln>
+              <a:noFill/>
+            </a:ln>
+          </p:spPr>
+          <p:style>
+            <a:lnRef idx="2">
+              <a:schemeClr val="accent1">
+                <a:shade val="50000"/>
+              </a:schemeClr>
+            </a:lnRef>
+            <a:fillRef idx="1">
+              <a:schemeClr val="accent1"/>
+            </a:fillRef>
+            <a:effectRef idx="0">
+              <a:schemeClr val="accent1"/>
+            </a:effectRef>
+            <a:fontRef idx="minor">
+              <a:schemeClr val="lt1"/>
+            </a:fontRef>
+          </p:style>
+          <p:txBody>
+            <a:bodyPr rtlCol="0" anchor="ctr"/>
+            <a:lstStyle/>
+            <a:p>
+              <a:pPr algn="ctr"/>
+              <a:endParaRPr lang="pt-BR"/>
+            </a:p>
+          </p:txBody>
+        </p:sp>
+        <p:sp>
+          <p:nvSpPr>
+            <p:cNvPr id="67" name="Elipse 66">
+              <a:extLst>
+                <a:ext uri="{FF2B5EF4-FFF2-40B4-BE49-F238E27FC236}">
+                  <a16:creationId xmlns:a16="http://schemas.microsoft.com/office/drawing/2014/main" id="{5F7F820C-DF66-4663-B1E1-E200E8F489FE}"/>
+                </a:ext>
+              </a:extLst>
+            </p:cNvPr>
+            <p:cNvSpPr/>
+            <p:nvPr/>
+          </p:nvSpPr>
+          <p:spPr>
+            <a:xfrm flipV="1">
+              <a:off x="5411151" y="4940316"/>
+              <a:ext cx="243054" cy="243054"/>
+            </a:xfrm>
+            <a:prstGeom prst="ellipse">
+              <a:avLst/>
+            </a:prstGeom>
+            <a:solidFill>
+              <a:srgbClr val="CECECE"/>
+            </a:solidFill>
+            <a:ln>
+              <a:noFill/>
+            </a:ln>
+          </p:spPr>
+          <p:style>
+            <a:lnRef idx="2">
+              <a:schemeClr val="accent1">
+                <a:shade val="50000"/>
+              </a:schemeClr>
+            </a:lnRef>
+            <a:fillRef idx="1">
+              <a:schemeClr val="accent1"/>
+            </a:fillRef>
+            <a:effectRef idx="0">
+              <a:schemeClr val="accent1"/>
+            </a:effectRef>
+            <a:fontRef idx="minor">
+              <a:schemeClr val="lt1"/>
+            </a:fontRef>
+          </p:style>
+          <p:txBody>
+            <a:bodyPr rtlCol="0" anchor="ctr"/>
+            <a:lstStyle/>
+            <a:p>
+              <a:pPr algn="ctr"/>
+              <a:endParaRPr lang="pt-BR"/>
+            </a:p>
+          </p:txBody>
+        </p:sp>
+      </p:grpSp>
+      <p:grpSp>
+        <p:nvGrpSpPr>
+          <p:cNvPr id="86" name="Agrupar 85">
+            <a:extLst>
+              <a:ext uri="{FF2B5EF4-FFF2-40B4-BE49-F238E27FC236}">
+                <a16:creationId xmlns:a16="http://schemas.microsoft.com/office/drawing/2014/main" id="{731157D7-3F7B-494D-A876-4E1B0923940C}"/>
+              </a:ext>
+            </a:extLst>
+          </p:cNvPr>
+          <p:cNvGrpSpPr/>
+          <p:nvPr/>
+        </p:nvGrpSpPr>
+        <p:grpSpPr>
+          <a:xfrm>
+            <a:off x="4219782" y="5427370"/>
+            <a:ext cx="869578" cy="1049646"/>
+            <a:chOff x="5707161" y="5463339"/>
+            <a:chExt cx="938702" cy="1133084"/>
+          </a:xfrm>
+        </p:grpSpPr>
+        <p:sp>
+          <p:nvSpPr>
+            <p:cNvPr id="83" name="Forma Livre: Forma 82">
+              <a:extLst>
+                <a:ext uri="{FF2B5EF4-FFF2-40B4-BE49-F238E27FC236}">
+                  <a16:creationId xmlns:a16="http://schemas.microsoft.com/office/drawing/2014/main" id="{8C6FF509-5334-4779-858A-CBA417C36708}"/>
+                </a:ext>
+              </a:extLst>
+            </p:cNvPr>
+            <p:cNvSpPr/>
+            <p:nvPr/>
+          </p:nvSpPr>
+          <p:spPr>
+            <a:xfrm rot="8100000">
+              <a:off x="5707161" y="5653183"/>
+              <a:ext cx="938702" cy="943240"/>
+            </a:xfrm>
+            <a:custGeom>
+              <a:avLst/>
+              <a:gdLst>
+                <a:gd name="connsiteX0" fmla="*/ 883 w 938702"/>
+                <a:gd name="connsiteY0" fmla="*/ 943240 h 943240"/>
+                <a:gd name="connsiteX1" fmla="*/ 883 w 938702"/>
+                <a:gd name="connsiteY1" fmla="*/ 884242 h 943240"/>
+                <a:gd name="connsiteX2" fmla="*/ 0 w 938702"/>
+                <a:gd name="connsiteY2" fmla="*/ 884242 h 943240"/>
+                <a:gd name="connsiteX3" fmla="*/ 0 w 938702"/>
+                <a:gd name="connsiteY3" fmla="*/ 159013 h 943240"/>
+                <a:gd name="connsiteX4" fmla="*/ 99488 w 938702"/>
+                <a:gd name="connsiteY4" fmla="*/ 159013 h 943240"/>
+                <a:gd name="connsiteX5" fmla="*/ 99488 w 938702"/>
+                <a:gd name="connsiteY5" fmla="*/ 236936 h 943240"/>
+                <a:gd name="connsiteX6" fmla="*/ 336423 w 938702"/>
+                <a:gd name="connsiteY6" fmla="*/ 0 h 943240"/>
+                <a:gd name="connsiteX7" fmla="*/ 938702 w 938702"/>
+                <a:gd name="connsiteY7" fmla="*/ 602279 h 943240"/>
+                <a:gd name="connsiteX8" fmla="*/ 706306 w 938702"/>
+                <a:gd name="connsiteY8" fmla="*/ 834675 h 943240"/>
+                <a:gd name="connsiteX9" fmla="*/ 775149 w 938702"/>
+                <a:gd name="connsiteY9" fmla="*/ 834675 h 943240"/>
+                <a:gd name="connsiteX10" fmla="*/ 775149 w 938702"/>
+                <a:gd name="connsiteY10" fmla="*/ 943240 h 943240"/>
+              </a:gdLst>
+              <a:ahLst/>
+              <a:cxnLst>
+                <a:cxn ang="0">
+                  <a:pos x="connsiteX0" y="connsiteY0"/>
+                </a:cxn>
+                <a:cxn ang="0">
+                  <a:pos x="connsiteX1" y="connsiteY1"/>
+                </a:cxn>
+                <a:cxn ang="0">
+                  <a:pos x="connsiteX2" y="connsiteY2"/>
+                </a:cxn>
+                <a:cxn ang="0">
+                  <a:pos x="connsiteX3" y="connsiteY3"/>
+                </a:cxn>
+                <a:cxn ang="0">
+                  <a:pos x="connsiteX4" y="connsiteY4"/>
+                </a:cxn>
+                <a:cxn ang="0">
+                  <a:pos x="connsiteX5" y="connsiteY5"/>
+                </a:cxn>
+                <a:cxn ang="0">
+                  <a:pos x="connsiteX6" y="connsiteY6"/>
+                </a:cxn>
+                <a:cxn ang="0">
+                  <a:pos x="connsiteX7" y="connsiteY7"/>
+                </a:cxn>
+                <a:cxn ang="0">
+                  <a:pos x="connsiteX8" y="connsiteY8"/>
+                </a:cxn>
+                <a:cxn ang="0">
+                  <a:pos x="connsiteX9" y="connsiteY9"/>
+                </a:cxn>
+                <a:cxn ang="0">
+                  <a:pos x="connsiteX10" y="connsiteY10"/>
+                </a:cxn>
+              </a:cxnLst>
+              <a:rect l="l" t="t" r="r" b="b"/>
+              <a:pathLst>
+                <a:path w="938702" h="943240">
+                  <a:moveTo>
+                    <a:pt x="883" y="943240"/>
+                  </a:moveTo>
+                  <a:lnTo>
+                    <a:pt x="883" y="884242"/>
+                  </a:lnTo>
+                  <a:lnTo>
+                    <a:pt x="0" y="884242"/>
+                  </a:lnTo>
+                  <a:lnTo>
+                    <a:pt x="0" y="159013"/>
+                  </a:lnTo>
+                  <a:lnTo>
+                    <a:pt x="99488" y="159013"/>
+                  </a:lnTo>
+                  <a:lnTo>
+                    <a:pt x="99488" y="236936"/>
+                  </a:lnTo>
+                  <a:lnTo>
+                    <a:pt x="336423" y="0"/>
+                  </a:lnTo>
+                  <a:lnTo>
+                    <a:pt x="938702" y="602279"/>
+                  </a:lnTo>
+                  <a:lnTo>
+                    <a:pt x="706306" y="834675"/>
+                  </a:lnTo>
+                  <a:lnTo>
+                    <a:pt x="775149" y="834675"/>
+                  </a:lnTo>
+                  <a:lnTo>
+                    <a:pt x="775149" y="943240"/>
+                  </a:lnTo>
+                  <a:close/>
+                </a:path>
+              </a:pathLst>
+            </a:custGeom>
+            <a:noFill/>
+            <a:ln w="76200">
+              <a:solidFill>
+                <a:srgbClr val="CECECE"/>
+              </a:solidFill>
+            </a:ln>
+          </p:spPr>
+          <p:style>
+            <a:lnRef idx="2">
+              <a:schemeClr val="accent1">
+                <a:shade val="50000"/>
+              </a:schemeClr>
+            </a:lnRef>
+            <a:fillRef idx="1">
+              <a:schemeClr val="accent1"/>
+            </a:fillRef>
+            <a:effectRef idx="0">
+              <a:schemeClr val="accent1"/>
+            </a:effectRef>
+            <a:fontRef idx="minor">
+              <a:schemeClr val="lt1"/>
+            </a:fontRef>
+          </p:style>
+          <p:txBody>
+            <a:bodyPr wrap="square" rtlCol="0" anchor="ctr">
+              <a:noAutofit/>
+            </a:bodyPr>
+            <a:lstStyle/>
+            <a:p>
+              <a:pPr algn="ctr"/>
+              <a:endParaRPr lang="pt-BR"/>
+            </a:p>
+          </p:txBody>
+        </p:sp>
+        <p:grpSp>
+          <p:nvGrpSpPr>
+            <p:cNvPr id="84" name="Agrupar 83">
+              <a:extLst>
+                <a:ext uri="{FF2B5EF4-FFF2-40B4-BE49-F238E27FC236}">
+                  <a16:creationId xmlns:a16="http://schemas.microsoft.com/office/drawing/2014/main" id="{67688334-9D02-4298-8525-206660E1862D}"/>
+                </a:ext>
+              </a:extLst>
+            </p:cNvPr>
+            <p:cNvGrpSpPr/>
+            <p:nvPr/>
+          </p:nvGrpSpPr>
+          <p:grpSpPr>
+            <a:xfrm>
+              <a:off x="6074372" y="5463339"/>
+              <a:ext cx="487202" cy="907278"/>
+              <a:chOff x="6074372" y="5463339"/>
+              <a:chExt cx="487202" cy="907278"/>
+            </a:xfrm>
+          </p:grpSpPr>
+          <p:sp>
+            <p:nvSpPr>
+              <p:cNvPr id="85" name="Forma Livre: Forma 84">
+                <a:extLst>
+                  <a:ext uri="{FF2B5EF4-FFF2-40B4-BE49-F238E27FC236}">
+                    <a16:creationId xmlns:a16="http://schemas.microsoft.com/office/drawing/2014/main" id="{E857EC4A-79A6-4FBC-ADA5-4737D96C5E20}"/>
+                  </a:ext>
+                </a:extLst>
+              </p:cNvPr>
+              <p:cNvSpPr/>
+              <p:nvPr/>
+            </p:nvSpPr>
+            <p:spPr>
+              <a:xfrm>
+                <a:off x="6425200" y="5463339"/>
+                <a:ext cx="136374" cy="383367"/>
+              </a:xfrm>
+              <a:custGeom>
+                <a:avLst/>
+                <a:gdLst>
+                  <a:gd name="connsiteX0" fmla="*/ 0 w 136374"/>
+                  <a:gd name="connsiteY0" fmla="*/ 0 h 383367"/>
+                  <a:gd name="connsiteX1" fmla="*/ 136374 w 136374"/>
+                  <a:gd name="connsiteY1" fmla="*/ 0 h 383367"/>
+                  <a:gd name="connsiteX2" fmla="*/ 136374 w 136374"/>
+                  <a:gd name="connsiteY2" fmla="*/ 383367 h 383367"/>
+                  <a:gd name="connsiteX3" fmla="*/ 0 w 136374"/>
+                  <a:gd name="connsiteY3" fmla="*/ 244304 h 383367"/>
+                </a:gdLst>
+                <a:ahLst/>
+                <a:cxnLst>
+                  <a:cxn ang="0">
+                    <a:pos x="connsiteX0" y="connsiteY0"/>
+                  </a:cxn>
+                  <a:cxn ang="0">
+                    <a:pos x="connsiteX1" y="connsiteY1"/>
+                  </a:cxn>
+                  <a:cxn ang="0">
+                    <a:pos x="connsiteX2" y="connsiteY2"/>
+                  </a:cxn>
+                  <a:cxn ang="0">
+                    <a:pos x="connsiteX3" y="connsiteY3"/>
+                  </a:cxn>
+                </a:cxnLst>
+                <a:rect l="l" t="t" r="r" b="b"/>
+                <a:pathLst>
+                  <a:path w="136374" h="383367">
+                    <a:moveTo>
+                      <a:pt x="0" y="0"/>
+                    </a:moveTo>
+                    <a:lnTo>
+                      <a:pt x="136374" y="0"/>
+                    </a:lnTo>
+                    <a:lnTo>
+                      <a:pt x="136374" y="383367"/>
+                    </a:lnTo>
+                    <a:lnTo>
+                      <a:pt x="0" y="244304"/>
+                    </a:lnTo>
+                    <a:close/>
+                  </a:path>
+                </a:pathLst>
+              </a:custGeom>
+              <a:solidFill>
+                <a:srgbClr val="CECECE"/>
+              </a:solidFill>
+              <a:ln>
+                <a:noFill/>
+              </a:ln>
+            </p:spPr>
+            <p:style>
+              <a:lnRef idx="2">
+                <a:schemeClr val="accent1">
+                  <a:shade val="50000"/>
+                </a:schemeClr>
+              </a:lnRef>
+              <a:fillRef idx="1">
+                <a:schemeClr val="accent1"/>
+              </a:fillRef>
+              <a:effectRef idx="0">
+                <a:schemeClr val="accent1"/>
+              </a:effectRef>
+              <a:fontRef idx="minor">
+                <a:schemeClr val="lt1"/>
+              </a:fontRef>
+            </p:style>
+            <p:txBody>
+              <a:bodyPr wrap="square" rtlCol="0" anchor="ctr">
+                <a:noAutofit/>
+              </a:bodyPr>
+              <a:lstStyle/>
+              <a:p>
+                <a:pPr algn="ctr"/>
+                <a:endParaRPr lang="pt-BR"/>
+              </a:p>
+            </p:txBody>
+          </p:sp>
+          <p:sp>
+            <p:nvSpPr>
+              <p:cNvPr id="74" name="Elipse 73">
+                <a:extLst>
+                  <a:ext uri="{FF2B5EF4-FFF2-40B4-BE49-F238E27FC236}">
+                    <a16:creationId xmlns:a16="http://schemas.microsoft.com/office/drawing/2014/main" id="{39879178-4A4B-49AA-B47C-DCEE30D0375B}"/>
+                  </a:ext>
+                </a:extLst>
+              </p:cNvPr>
+              <p:cNvSpPr/>
+              <p:nvPr/>
+            </p:nvSpPr>
+            <p:spPr>
+              <a:xfrm>
+                <a:off x="6074372" y="5725918"/>
+                <a:ext cx="204280" cy="204280"/>
+              </a:xfrm>
+              <a:prstGeom prst="ellipse">
+                <a:avLst/>
+              </a:prstGeom>
+              <a:solidFill>
+                <a:srgbClr val="CECECE"/>
+              </a:solidFill>
+              <a:ln>
+                <a:noFill/>
+              </a:ln>
+            </p:spPr>
+            <p:style>
+              <a:lnRef idx="2">
+                <a:schemeClr val="accent1">
+                  <a:shade val="50000"/>
+                </a:schemeClr>
+              </a:lnRef>
+              <a:fillRef idx="1">
+                <a:schemeClr val="accent1"/>
+              </a:fillRef>
+              <a:effectRef idx="0">
+                <a:schemeClr val="accent1"/>
+              </a:effectRef>
+              <a:fontRef idx="minor">
+                <a:schemeClr val="lt1"/>
+              </a:fontRef>
+            </p:style>
+            <p:txBody>
+              <a:bodyPr rtlCol="0" anchor="ctr"/>
+              <a:lstStyle/>
+              <a:p>
+                <a:pPr algn="ctr"/>
+                <a:endParaRPr lang="pt-BR"/>
+              </a:p>
+            </p:txBody>
+          </p:sp>
+          <p:sp>
+            <p:nvSpPr>
+              <p:cNvPr id="75" name="Retângulo 74">
+                <a:extLst>
+                  <a:ext uri="{FF2B5EF4-FFF2-40B4-BE49-F238E27FC236}">
+                    <a16:creationId xmlns:a16="http://schemas.microsoft.com/office/drawing/2014/main" id="{B131F4CB-B08E-4E9F-917D-5578F7DA570E}"/>
+                  </a:ext>
+                </a:extLst>
+              </p:cNvPr>
+              <p:cNvSpPr/>
+              <p:nvPr/>
+            </p:nvSpPr>
+            <p:spPr>
+              <a:xfrm>
+                <a:off x="6088109" y="6041945"/>
+                <a:ext cx="176805" cy="328672"/>
+              </a:xfrm>
+              <a:prstGeom prst="rect">
+                <a:avLst/>
+              </a:prstGeom>
+              <a:solidFill>
+                <a:srgbClr val="CECECE"/>
+              </a:solidFill>
+              <a:ln>
+                <a:noFill/>
+              </a:ln>
+            </p:spPr>
+            <p:style>
+              <a:lnRef idx="2">
+                <a:schemeClr val="accent1">
+                  <a:shade val="50000"/>
+                </a:schemeClr>
+              </a:lnRef>
+              <a:fillRef idx="1">
+                <a:schemeClr val="accent1"/>
+              </a:fillRef>
+              <a:effectRef idx="0">
+                <a:schemeClr val="accent1"/>
+              </a:effectRef>
+              <a:fontRef idx="minor">
+                <a:schemeClr val="lt1"/>
+              </a:fontRef>
+            </p:style>
+            <p:txBody>
+              <a:bodyPr rtlCol="0" anchor="ctr"/>
+              <a:lstStyle/>
+              <a:p>
+                <a:pPr algn="ctr"/>
+                <a:endParaRPr lang="pt-BR"/>
+              </a:p>
+            </p:txBody>
+          </p:sp>
+        </p:grpSp>
+      </p:grpSp>
     </p:spTree>
     <p:extLst>
       <p:ext uri="{BB962C8B-B14F-4D97-AF65-F5344CB8AC3E}">
         <p14:creationId xmlns:p14="http://schemas.microsoft.com/office/powerpoint/2010/main" val="4247895093"/>
+      </p:ext>
+    </p:extLst>
+  </p:cSld>
+  <p:clrMapOvr>
+    <a:masterClrMapping/>
+  </p:clrMapOvr>
+</p:sld>
+</file>
+
+<file path=ppt/slides/slide3.xml><?xml version="1.0" encoding="utf-8"?>
+<p:sld xmlns:a="http://schemas.openxmlformats.org/drawingml/2006/main" xmlns:r="http://schemas.openxmlformats.org/officeDocument/2006/relationships" xmlns:p="http://schemas.openxmlformats.org/presentationml/2006/main">
+  <p:cSld>
+    <p:spTree>
+      <p:nvGrpSpPr>
+        <p:cNvPr id="1" name=""/>
+        <p:cNvGrpSpPr/>
+        <p:nvPr/>
+      </p:nvGrpSpPr>
+      <p:grpSpPr>
+        <a:xfrm>
+          <a:off x="0" y="0"/>
+          <a:ext cx="0" cy="0"/>
+          <a:chOff x="0" y="0"/>
+          <a:chExt cx="0" cy="0"/>
+        </a:xfrm>
+      </p:grpSpPr>
+      <p:sp>
+        <p:nvSpPr>
+          <p:cNvPr id="4" name="Retângulo: Cantos Arredondados 3">
+            <a:extLst>
+              <a:ext uri="{FF2B5EF4-FFF2-40B4-BE49-F238E27FC236}">
+                <a16:creationId xmlns:a16="http://schemas.microsoft.com/office/drawing/2014/main" id="{3A874D0A-A1F0-4CE6-AB1E-B05516F90DE4}"/>
+              </a:ext>
+            </a:extLst>
+          </p:cNvPr>
+          <p:cNvSpPr/>
+          <p:nvPr/>
+        </p:nvSpPr>
+        <p:spPr>
+          <a:xfrm>
+            <a:off x="2123728" y="1052736"/>
+            <a:ext cx="4320480" cy="4226557"/>
+          </a:xfrm>
+          <a:prstGeom prst="roundRect">
+            <a:avLst>
+              <a:gd name="adj" fmla="val 50000"/>
+            </a:avLst>
+          </a:prstGeom>
+          <a:solidFill>
+            <a:srgbClr val="EBEEF8"/>
+          </a:solidFill>
+          <a:ln>
+            <a:noFill/>
+          </a:ln>
+        </p:spPr>
+        <p:style>
+          <a:lnRef idx="2">
+            <a:schemeClr val="accent1">
+              <a:shade val="50000"/>
+            </a:schemeClr>
+          </a:lnRef>
+          <a:fillRef idx="1">
+            <a:schemeClr val="accent1"/>
+          </a:fillRef>
+          <a:effectRef idx="0">
+            <a:schemeClr val="accent1"/>
+          </a:effectRef>
+          <a:fontRef idx="minor">
+            <a:schemeClr val="lt1"/>
+          </a:fontRef>
+        </p:style>
+        <p:txBody>
+          <a:bodyPr rtlCol="0" anchor="ctr"/>
+          <a:lstStyle/>
+          <a:p>
+            <a:pPr algn="ctr"/>
+            <a:endParaRPr lang="pt-BR"/>
+          </a:p>
+        </p:txBody>
+      </p:sp>
+    </p:spTree>
+    <p:extLst>
+      <p:ext uri="{BB962C8B-B14F-4D97-AF65-F5344CB8AC3E}">
+        <p14:creationId xmlns:p14="http://schemas.microsoft.com/office/powerpoint/2010/main" val="686081826"/>
       </p:ext>
     </p:extLst>
   </p:cSld>

--- a/slide/Icons.pptx
+++ b/slide/Icons.pptx
@@ -111,7 +111,7 @@
   </p:defaultTextStyle>
   <p:extLst>
     <p:ext uri="{EFAFB233-063F-42B5-8137-9DF3F51BA10A}">
-      <p15:sldGuideLst xmlns:p15="http://schemas.microsoft.com/office/powerpoint/2012/main">
+      <p15:sldGuideLst xmlns:p15="http://schemas.microsoft.com/office/powerpoint/2012/main" xmlns="">
         <p15:guide id="1" orient="horz" pos="2160">
           <p15:clr>
             <a:srgbClr val="A4A3A4"/>
@@ -210,7 +210,7 @@
           <a:p>
             <a:fld id="{8C69D028-04FB-4CAD-A94B-4DBC502A77F9}" type="datetimeFigureOut">
               <a:rPr lang="pt-BR" smtClean="0"/>
-              <a:t>14/04/2019</a:t>
+              <a:t>17/04/2019</a:t>
             </a:fld>
             <a:endParaRPr lang="pt-BR"/>
           </a:p>
@@ -740,7 +740,7 @@
           <a:p>
             <a:fld id="{0D12B9E4-E3E1-48A3-A42F-75EB1CD8D0EF}" type="datetimeFigureOut">
               <a:rPr lang="pt-BR" smtClean="0"/>
-              <a:t>14/04/2019</a:t>
+              <a:t>17/04/2019</a:t>
             </a:fld>
             <a:endParaRPr lang="pt-BR"/>
           </a:p>
@@ -908,7 +908,7 @@
           <a:p>
             <a:fld id="{0D12B9E4-E3E1-48A3-A42F-75EB1CD8D0EF}" type="datetimeFigureOut">
               <a:rPr lang="pt-BR" smtClean="0"/>
-              <a:t>14/04/2019</a:t>
+              <a:t>17/04/2019</a:t>
             </a:fld>
             <a:endParaRPr lang="pt-BR"/>
           </a:p>
@@ -1086,7 +1086,7 @@
           <a:p>
             <a:fld id="{0D12B9E4-E3E1-48A3-A42F-75EB1CD8D0EF}" type="datetimeFigureOut">
               <a:rPr lang="pt-BR" smtClean="0"/>
-              <a:t>14/04/2019</a:t>
+              <a:t>17/04/2019</a:t>
             </a:fld>
             <a:endParaRPr lang="pt-BR"/>
           </a:p>
@@ -1254,7 +1254,7 @@
           <a:p>
             <a:fld id="{0D12B9E4-E3E1-48A3-A42F-75EB1CD8D0EF}" type="datetimeFigureOut">
               <a:rPr lang="pt-BR" smtClean="0"/>
-              <a:t>14/04/2019</a:t>
+              <a:t>17/04/2019</a:t>
             </a:fld>
             <a:endParaRPr lang="pt-BR"/>
           </a:p>
@@ -1499,7 +1499,7 @@
           <a:p>
             <a:fld id="{0D12B9E4-E3E1-48A3-A42F-75EB1CD8D0EF}" type="datetimeFigureOut">
               <a:rPr lang="pt-BR" smtClean="0"/>
-              <a:t>14/04/2019</a:t>
+              <a:t>17/04/2019</a:t>
             </a:fld>
             <a:endParaRPr lang="pt-BR"/>
           </a:p>
@@ -1784,7 +1784,7 @@
           <a:p>
             <a:fld id="{0D12B9E4-E3E1-48A3-A42F-75EB1CD8D0EF}" type="datetimeFigureOut">
               <a:rPr lang="pt-BR" smtClean="0"/>
-              <a:t>14/04/2019</a:t>
+              <a:t>17/04/2019</a:t>
             </a:fld>
             <a:endParaRPr lang="pt-BR"/>
           </a:p>
@@ -2203,7 +2203,7 @@
           <a:p>
             <a:fld id="{0D12B9E4-E3E1-48A3-A42F-75EB1CD8D0EF}" type="datetimeFigureOut">
               <a:rPr lang="pt-BR" smtClean="0"/>
-              <a:t>14/04/2019</a:t>
+              <a:t>17/04/2019</a:t>
             </a:fld>
             <a:endParaRPr lang="pt-BR"/>
           </a:p>
@@ -2320,7 +2320,7 @@
           <a:p>
             <a:fld id="{0D12B9E4-E3E1-48A3-A42F-75EB1CD8D0EF}" type="datetimeFigureOut">
               <a:rPr lang="pt-BR" smtClean="0"/>
-              <a:t>14/04/2019</a:t>
+              <a:t>17/04/2019</a:t>
             </a:fld>
             <a:endParaRPr lang="pt-BR"/>
           </a:p>
@@ -2415,7 +2415,7 @@
           <a:p>
             <a:fld id="{0D12B9E4-E3E1-48A3-A42F-75EB1CD8D0EF}" type="datetimeFigureOut">
               <a:rPr lang="pt-BR" smtClean="0"/>
-              <a:t>14/04/2019</a:t>
+              <a:t>17/04/2019</a:t>
             </a:fld>
             <a:endParaRPr lang="pt-BR"/>
           </a:p>
@@ -2690,7 +2690,7 @@
           <a:p>
             <a:fld id="{0D12B9E4-E3E1-48A3-A42F-75EB1CD8D0EF}" type="datetimeFigureOut">
               <a:rPr lang="pt-BR" smtClean="0"/>
-              <a:t>14/04/2019</a:t>
+              <a:t>17/04/2019</a:t>
             </a:fld>
             <a:endParaRPr lang="pt-BR"/>
           </a:p>
@@ -2942,7 +2942,7 @@
           <a:p>
             <a:fld id="{0D12B9E4-E3E1-48A3-A42F-75EB1CD8D0EF}" type="datetimeFigureOut">
               <a:rPr lang="pt-BR" smtClean="0"/>
-              <a:t>14/04/2019</a:t>
+              <a:t>17/04/2019</a:t>
             </a:fld>
             <a:endParaRPr lang="pt-BR"/>
           </a:p>
@@ -3153,7 +3153,7 @@
           <a:p>
             <a:fld id="{0D12B9E4-E3E1-48A3-A42F-75EB1CD8D0EF}" type="datetimeFigureOut">
               <a:rPr lang="pt-BR" smtClean="0"/>
-              <a:t>14/04/2019</a:t>
+              <a:t>17/04/2019</a:t>
             </a:fld>
             <a:endParaRPr lang="pt-BR"/>
           </a:p>
@@ -3988,6 +3988,13 @@
   <p:clrMapOvr>
     <a:masterClrMapping/>
   </p:clrMapOvr>
+  <p:timing>
+    <p:tnLst>
+      <p:par>
+        <p:cTn id="1" dur="indefinite" restart="never" nodeType="tmRoot"/>
+      </p:par>
+    </p:tnLst>
+  </p:timing>
 </p:sld>
 </file>
 
@@ -5078,7 +5085,7 @@
           <p:cNvPr id="42" name="Agrupar 9">
             <a:extLst>
               <a:ext uri="{FF2B5EF4-FFF2-40B4-BE49-F238E27FC236}">
-                <a16:creationId xmlns:a16="http://schemas.microsoft.com/office/drawing/2014/main" id="{CED1955D-3D0B-487D-AA3A-3B4047A0210A}"/>
+                <a16:creationId xmlns:a16="http://schemas.microsoft.com/office/drawing/2014/main" xmlns="" id="{CED1955D-3D0B-487D-AA3A-3B4047A0210A}"/>
               </a:ext>
             </a:extLst>
           </p:cNvPr>
@@ -5098,7 +5105,7 @@
             <p:cNvPr id="43" name="Imagem 42" descr="Uma imagem contendo objeto&#10;&#10;Descrição gerada automaticamente">
               <a:extLst>
                 <a:ext uri="{FF2B5EF4-FFF2-40B4-BE49-F238E27FC236}">
-                  <a16:creationId xmlns:a16="http://schemas.microsoft.com/office/drawing/2014/main" id="{1B9BA244-B9AA-4917-B819-488CA49DB1E2}"/>
+                  <a16:creationId xmlns:a16="http://schemas.microsoft.com/office/drawing/2014/main" xmlns="" id="{1B9BA244-B9AA-4917-B819-488CA49DB1E2}"/>
                 </a:ext>
               </a:extLst>
             </p:cNvPr>
@@ -5144,7 +5151,7 @@
             <p:cNvPr id="44" name="Gráfico 8" descr="Folha">
               <a:extLst>
                 <a:ext uri="{FF2B5EF4-FFF2-40B4-BE49-F238E27FC236}">
-                  <a16:creationId xmlns:a16="http://schemas.microsoft.com/office/drawing/2014/main" id="{D7B239DE-0B7B-4BDF-93B8-A09B4D198DF4}"/>
+                  <a16:creationId xmlns:a16="http://schemas.microsoft.com/office/drawing/2014/main" xmlns="" id="{D7B239DE-0B7B-4BDF-93B8-A09B4D198DF4}"/>
                 </a:ext>
               </a:extLst>
             </p:cNvPr>
@@ -5160,7 +5167,7 @@
                   <a14:useLocalDpi xmlns:a14="http://schemas.microsoft.com/office/drawing/2010/main" val="0"/>
                 </a:ext>
                 <a:ext uri="{96DAC541-7B7A-43D3-8B79-37D633B846F1}">
-                  <asvg:svgBlip xmlns:asvg="http://schemas.microsoft.com/office/drawing/2016/SVG/main" r:embed="rId6"/>
+                  <asvg:svgBlip xmlns:asvg="http://schemas.microsoft.com/office/drawing/2016/SVG/main" xmlns="" r:embed="rId6"/>
                 </a:ext>
               </a:extLst>
             </a:blip>
@@ -5927,7 +5934,7 @@
           <p:cNvPr id="51" name="Agrupar 50">
             <a:extLst>
               <a:ext uri="{FF2B5EF4-FFF2-40B4-BE49-F238E27FC236}">
-                <a16:creationId xmlns:a16="http://schemas.microsoft.com/office/drawing/2014/main" id="{E11808A1-955C-4671-B8F9-A31BFC222774}"/>
+                <a16:creationId xmlns:a16="http://schemas.microsoft.com/office/drawing/2014/main" xmlns="" id="{E11808A1-955C-4671-B8F9-A31BFC222774}"/>
               </a:ext>
             </a:extLst>
           </p:cNvPr>
@@ -5947,7 +5954,7 @@
             <p:cNvPr id="52" name="Retângulo: Cantos Arredondados 51">
               <a:extLst>
                 <a:ext uri="{FF2B5EF4-FFF2-40B4-BE49-F238E27FC236}">
-                  <a16:creationId xmlns:a16="http://schemas.microsoft.com/office/drawing/2014/main" id="{E1981BA5-41E8-4A49-8859-78017A0C02AA}"/>
+                  <a16:creationId xmlns:a16="http://schemas.microsoft.com/office/drawing/2014/main" xmlns="" id="{E1981BA5-41E8-4A49-8859-78017A0C02AA}"/>
                 </a:ext>
               </a:extLst>
             </p:cNvPr>
@@ -6100,7 +6107,7 @@
             <p:cNvPr id="53" name="Retângulo: Cantos Arredondados 52">
               <a:extLst>
                 <a:ext uri="{FF2B5EF4-FFF2-40B4-BE49-F238E27FC236}">
-                  <a16:creationId xmlns:a16="http://schemas.microsoft.com/office/drawing/2014/main" id="{132FC1CA-61D9-4900-848D-2E69FA7CD7A7}"/>
+                  <a16:creationId xmlns:a16="http://schemas.microsoft.com/office/drawing/2014/main" xmlns="" id="{132FC1CA-61D9-4900-848D-2E69FA7CD7A7}"/>
                 </a:ext>
               </a:extLst>
             </p:cNvPr>
@@ -6253,7 +6260,7 @@
             <p:cNvPr id="54" name="Retângulo: Cantos Arredondados 53">
               <a:extLst>
                 <a:ext uri="{FF2B5EF4-FFF2-40B4-BE49-F238E27FC236}">
-                  <a16:creationId xmlns:a16="http://schemas.microsoft.com/office/drawing/2014/main" id="{C4D5C295-6F85-4F06-AD4F-7751CB901D98}"/>
+                  <a16:creationId xmlns:a16="http://schemas.microsoft.com/office/drawing/2014/main" xmlns="" id="{C4D5C295-6F85-4F06-AD4F-7751CB901D98}"/>
                 </a:ext>
               </a:extLst>
             </p:cNvPr>
@@ -6406,7 +6413,7 @@
             <p:cNvPr id="55" name="Forma Livre: Forma 54">
               <a:extLst>
                 <a:ext uri="{FF2B5EF4-FFF2-40B4-BE49-F238E27FC236}">
-                  <a16:creationId xmlns:a16="http://schemas.microsoft.com/office/drawing/2014/main" id="{62AD9654-DF2E-421E-A21D-3CB31EE7AEC9}"/>
+                  <a16:creationId xmlns:a16="http://schemas.microsoft.com/office/drawing/2014/main" xmlns="" id="{62AD9654-DF2E-421E-A21D-3CB31EE7AEC9}"/>
                 </a:ext>
               </a:extLst>
             </p:cNvPr>
@@ -6613,7 +6620,7 @@
           <p:cNvPr id="21" name="Agrupar 20">
             <a:extLst>
               <a:ext uri="{FF2B5EF4-FFF2-40B4-BE49-F238E27FC236}">
-                <a16:creationId xmlns:a16="http://schemas.microsoft.com/office/drawing/2014/main" id="{742FF697-D3D0-4C6E-A5C8-5AB51DA82FD5}"/>
+                <a16:creationId xmlns:a16="http://schemas.microsoft.com/office/drawing/2014/main" xmlns="" id="{742FF697-D3D0-4C6E-A5C8-5AB51DA82FD5}"/>
               </a:ext>
             </a:extLst>
           </p:cNvPr>
@@ -6633,7 +6640,7 @@
             <p:cNvPr id="20" name="Balão de Fala: Retângulo com Cantos Arredondados 19">
               <a:extLst>
                 <a:ext uri="{FF2B5EF4-FFF2-40B4-BE49-F238E27FC236}">
-                  <a16:creationId xmlns:a16="http://schemas.microsoft.com/office/drawing/2014/main" id="{AA0138DD-E1F7-4726-B5A6-47C288CE6E6A}"/>
+                  <a16:creationId xmlns:a16="http://schemas.microsoft.com/office/drawing/2014/main" xmlns="" id="{AA0138DD-E1F7-4726-B5A6-47C288CE6E6A}"/>
                 </a:ext>
               </a:extLst>
             </p:cNvPr>
@@ -6689,7 +6696,7 @@
             <p:cNvPr id="65" name="Elipse 64">
               <a:extLst>
                 <a:ext uri="{FF2B5EF4-FFF2-40B4-BE49-F238E27FC236}">
-                  <a16:creationId xmlns:a16="http://schemas.microsoft.com/office/drawing/2014/main" id="{2D887CE5-AF78-48D7-81B1-39041528C393}"/>
+                  <a16:creationId xmlns:a16="http://schemas.microsoft.com/office/drawing/2014/main" xmlns="" id="{2D887CE5-AF78-48D7-81B1-39041528C393}"/>
                 </a:ext>
               </a:extLst>
             </p:cNvPr>
@@ -6741,7 +6748,7 @@
             <p:cNvPr id="66" name="Elipse 65">
               <a:extLst>
                 <a:ext uri="{FF2B5EF4-FFF2-40B4-BE49-F238E27FC236}">
-                  <a16:creationId xmlns:a16="http://schemas.microsoft.com/office/drawing/2014/main" id="{E5D2C947-B154-4AD5-B4A9-13A15AFD7A8D}"/>
+                  <a16:creationId xmlns:a16="http://schemas.microsoft.com/office/drawing/2014/main" xmlns="" id="{E5D2C947-B154-4AD5-B4A9-13A15AFD7A8D}"/>
                 </a:ext>
               </a:extLst>
             </p:cNvPr>
@@ -6793,7 +6800,7 @@
             <p:cNvPr id="67" name="Elipse 66">
               <a:extLst>
                 <a:ext uri="{FF2B5EF4-FFF2-40B4-BE49-F238E27FC236}">
-                  <a16:creationId xmlns:a16="http://schemas.microsoft.com/office/drawing/2014/main" id="{5F7F820C-DF66-4663-B1E1-E200E8F489FE}"/>
+                  <a16:creationId xmlns:a16="http://schemas.microsoft.com/office/drawing/2014/main" xmlns="" id="{5F7F820C-DF66-4663-B1E1-E200E8F489FE}"/>
                 </a:ext>
               </a:extLst>
             </p:cNvPr>
@@ -6846,7 +6853,7 @@
           <p:cNvPr id="86" name="Agrupar 85">
             <a:extLst>
               <a:ext uri="{FF2B5EF4-FFF2-40B4-BE49-F238E27FC236}">
-                <a16:creationId xmlns:a16="http://schemas.microsoft.com/office/drawing/2014/main" id="{731157D7-3F7B-494D-A876-4E1B0923940C}"/>
+                <a16:creationId xmlns:a16="http://schemas.microsoft.com/office/drawing/2014/main" xmlns="" id="{731157D7-3F7B-494D-A876-4E1B0923940C}"/>
               </a:ext>
             </a:extLst>
           </p:cNvPr>
@@ -6866,7 +6873,7 @@
             <p:cNvPr id="83" name="Forma Livre: Forma 82">
               <a:extLst>
                 <a:ext uri="{FF2B5EF4-FFF2-40B4-BE49-F238E27FC236}">
-                  <a16:creationId xmlns:a16="http://schemas.microsoft.com/office/drawing/2014/main" id="{8C6FF509-5334-4779-858A-CBA417C36708}"/>
+                  <a16:creationId xmlns:a16="http://schemas.microsoft.com/office/drawing/2014/main" xmlns="" id="{8C6FF509-5334-4779-858A-CBA417C36708}"/>
                 </a:ext>
               </a:extLst>
             </p:cNvPr>
@@ -7019,7 +7026,7 @@
             <p:cNvPr id="84" name="Agrupar 83">
               <a:extLst>
                 <a:ext uri="{FF2B5EF4-FFF2-40B4-BE49-F238E27FC236}">
-                  <a16:creationId xmlns:a16="http://schemas.microsoft.com/office/drawing/2014/main" id="{67688334-9D02-4298-8525-206660E1862D}"/>
+                  <a16:creationId xmlns:a16="http://schemas.microsoft.com/office/drawing/2014/main" xmlns="" id="{67688334-9D02-4298-8525-206660E1862D}"/>
                 </a:ext>
               </a:extLst>
             </p:cNvPr>
@@ -7039,7 +7046,7 @@
               <p:cNvPr id="85" name="Forma Livre: Forma 84">
                 <a:extLst>
                   <a:ext uri="{FF2B5EF4-FFF2-40B4-BE49-F238E27FC236}">
-                    <a16:creationId xmlns:a16="http://schemas.microsoft.com/office/drawing/2014/main" id="{E857EC4A-79A6-4FBC-ADA5-4737D96C5E20}"/>
+                    <a16:creationId xmlns:a16="http://schemas.microsoft.com/office/drawing/2014/main" xmlns="" id="{E857EC4A-79A6-4FBC-ADA5-4737D96C5E20}"/>
                   </a:ext>
                 </a:extLst>
               </p:cNvPr>
@@ -7136,7 +7143,7 @@
               <p:cNvPr id="74" name="Elipse 73">
                 <a:extLst>
                   <a:ext uri="{FF2B5EF4-FFF2-40B4-BE49-F238E27FC236}">
-                    <a16:creationId xmlns:a16="http://schemas.microsoft.com/office/drawing/2014/main" id="{39879178-4A4B-49AA-B47C-DCEE30D0375B}"/>
+                    <a16:creationId xmlns:a16="http://schemas.microsoft.com/office/drawing/2014/main" xmlns="" id="{39879178-4A4B-49AA-B47C-DCEE30D0375B}"/>
                   </a:ext>
                 </a:extLst>
               </p:cNvPr>
@@ -7188,7 +7195,7 @@
               <p:cNvPr id="75" name="Retângulo 74">
                 <a:extLst>
                   <a:ext uri="{FF2B5EF4-FFF2-40B4-BE49-F238E27FC236}">
-                    <a16:creationId xmlns:a16="http://schemas.microsoft.com/office/drawing/2014/main" id="{B131F4CB-B08E-4E9F-917D-5578F7DA570E}"/>
+                    <a16:creationId xmlns:a16="http://schemas.microsoft.com/office/drawing/2014/main" xmlns="" id="{B131F4CB-B08E-4E9F-917D-5578F7DA570E}"/>
                   </a:ext>
                 </a:extLst>
               </p:cNvPr>
@@ -7247,6 +7254,13 @@
   <p:clrMapOvr>
     <a:masterClrMapping/>
   </p:clrMapOvr>
+  <p:timing>
+    <p:tnLst>
+      <p:par>
+        <p:cTn id="1" dur="indefinite" restart="never" nodeType="tmRoot"/>
+      </p:par>
+    </p:tnLst>
+  </p:timing>
 </p:sld>
 </file>
 
@@ -7267,57 +7281,619 @@
           <a:chExt cx="0" cy="0"/>
         </a:xfrm>
       </p:grpSpPr>
-      <p:sp>
-        <p:nvSpPr>
-          <p:cNvPr id="4" name="Retângulo: Cantos Arredondados 3">
+      <p:grpSp>
+        <p:nvGrpSpPr>
+          <p:cNvPr id="11" name="Grupo 10"/>
+          <p:cNvGrpSpPr/>
+          <p:nvPr/>
+        </p:nvGrpSpPr>
+        <p:grpSpPr>
+          <a:xfrm>
+            <a:off x="433714" y="188641"/>
+            <a:ext cx="756411" cy="864095"/>
+            <a:chOff x="2510964" y="2131395"/>
+            <a:chExt cx="2739959" cy="3130026"/>
+          </a:xfrm>
+        </p:grpSpPr>
+        <p:pic>
+          <p:nvPicPr>
+            <p:cNvPr id="3" name="Imagem 2" descr="Uma imagem contendo brinquedo, gráficos vetoriais&#10;&#10;Descrição gerada automaticamente">
+              <a:extLst>
+                <a:ext uri="{FF2B5EF4-FFF2-40B4-BE49-F238E27FC236}">
+                  <a16:creationId xmlns:a16="http://schemas.microsoft.com/office/drawing/2014/main" xmlns="" id="{D62FA05A-5510-46A9-B25F-40C0074A1B04}"/>
+                </a:ext>
+              </a:extLst>
+            </p:cNvPr>
+            <p:cNvPicPr>
+              <a:picLocks noChangeAspect="1"/>
+            </p:cNvPicPr>
+            <p:nvPr/>
+          </p:nvPicPr>
+          <p:blipFill rotWithShape="1">
+            <a:blip r:embed="rId2" cstate="print">
+              <a:extLst>
+                <a:ext uri="{28A0092B-C50C-407E-A947-70E740481C1C}">
+                  <a14:useLocalDpi xmlns:a14="http://schemas.microsoft.com/office/drawing/2010/main" val="0"/>
+                </a:ext>
+              </a:extLst>
+            </a:blip>
+            <a:srcRect l="19330" t="8360" r="23360" b="47007"/>
+            <a:stretch/>
+          </p:blipFill>
+          <p:spPr>
+            <a:xfrm>
+              <a:off x="2510964" y="2131395"/>
+              <a:ext cx="2538078" cy="2635495"/>
+            </a:xfrm>
+            <a:prstGeom prst="rect">
+              <a:avLst/>
+            </a:prstGeom>
+          </p:spPr>
+        </p:pic>
+        <p:grpSp>
+          <p:nvGrpSpPr>
+            <p:cNvPr id="10" name="Grupo 9"/>
+            <p:cNvGrpSpPr/>
+            <p:nvPr/>
+          </p:nvGrpSpPr>
+          <p:grpSpPr>
+            <a:xfrm>
+              <a:off x="4107786" y="4118284"/>
+              <a:ext cx="1143137" cy="1143137"/>
+              <a:chOff x="4008140" y="4033957"/>
+              <a:chExt cx="1152128" cy="1152128"/>
+            </a:xfrm>
+          </p:grpSpPr>
+          <p:sp>
+            <p:nvSpPr>
+              <p:cNvPr id="2" name="Elipse 1"/>
+              <p:cNvSpPr/>
+              <p:nvPr/>
+            </p:nvSpPr>
+            <p:spPr>
+              <a:xfrm>
+                <a:off x="4008140" y="4033957"/>
+                <a:ext cx="1152128" cy="1152128"/>
+              </a:xfrm>
+              <a:prstGeom prst="ellipse">
+                <a:avLst/>
+              </a:prstGeom>
+              <a:solidFill>
+                <a:srgbClr val="8AED05"/>
+              </a:solidFill>
+              <a:ln>
+                <a:noFill/>
+              </a:ln>
+            </p:spPr>
+            <p:style>
+              <a:lnRef idx="2">
+                <a:schemeClr val="accent1">
+                  <a:shade val="50000"/>
+                </a:schemeClr>
+              </a:lnRef>
+              <a:fillRef idx="1">
+                <a:schemeClr val="accent1"/>
+              </a:fillRef>
+              <a:effectRef idx="0">
+                <a:schemeClr val="accent1"/>
+              </a:effectRef>
+              <a:fontRef idx="minor">
+                <a:schemeClr val="lt1"/>
+              </a:fontRef>
+            </p:style>
+            <p:txBody>
+              <a:bodyPr rtlCol="0" anchor="ctr"/>
+              <a:lstStyle/>
+              <a:p>
+                <a:pPr algn="ctr"/>
+                <a:endParaRPr lang="pt-BR"/>
+              </a:p>
+            </p:txBody>
+          </p:sp>
+          <p:grpSp>
+            <p:nvGrpSpPr>
+              <p:cNvPr id="7" name="Grupo 6"/>
+              <p:cNvGrpSpPr/>
+              <p:nvPr/>
+            </p:nvGrpSpPr>
+            <p:grpSpPr>
+              <a:xfrm>
+                <a:off x="4260168" y="4285985"/>
+                <a:ext cx="648072" cy="648072"/>
+                <a:chOff x="6090023" y="4615656"/>
+                <a:chExt cx="648072" cy="648072"/>
+              </a:xfrm>
+              <a:solidFill>
+                <a:schemeClr val="bg1"/>
+              </a:solidFill>
+            </p:grpSpPr>
+            <p:sp>
+              <p:nvSpPr>
+                <p:cNvPr id="5" name="Retângulo de cantos arredondados 4"/>
+                <p:cNvSpPr/>
+                <p:nvPr/>
+              </p:nvSpPr>
+              <p:spPr>
+                <a:xfrm>
+                  <a:off x="6336418" y="4615656"/>
+                  <a:ext cx="155283" cy="648072"/>
+                </a:xfrm>
+                <a:prstGeom prst="roundRect">
+                  <a:avLst>
+                    <a:gd name="adj" fmla="val 50000"/>
+                  </a:avLst>
+                </a:prstGeom>
+                <a:grpFill/>
+                <a:ln>
+                  <a:noFill/>
+                </a:ln>
+              </p:spPr>
+              <p:style>
+                <a:lnRef idx="2">
+                  <a:schemeClr val="accent1">
+                    <a:shade val="50000"/>
+                  </a:schemeClr>
+                </a:lnRef>
+                <a:fillRef idx="1">
+                  <a:schemeClr val="accent1"/>
+                </a:fillRef>
+                <a:effectRef idx="0">
+                  <a:schemeClr val="accent1"/>
+                </a:effectRef>
+                <a:fontRef idx="minor">
+                  <a:schemeClr val="lt1"/>
+                </a:fontRef>
+              </p:style>
+              <p:txBody>
+                <a:bodyPr rtlCol="0" anchor="ctr"/>
+                <a:lstStyle/>
+                <a:p>
+                  <a:pPr algn="ctr"/>
+                  <a:endParaRPr lang="pt-BR"/>
+                </a:p>
+              </p:txBody>
+            </p:sp>
+            <p:sp>
+              <p:nvSpPr>
+                <p:cNvPr id="6" name="Retângulo de cantos arredondados 5"/>
+                <p:cNvSpPr/>
+                <p:nvPr/>
+              </p:nvSpPr>
+              <p:spPr>
+                <a:xfrm rot="16200000" flipV="1">
+                  <a:off x="6336417" y="4615655"/>
+                  <a:ext cx="155283" cy="648072"/>
+                </a:xfrm>
+                <a:prstGeom prst="roundRect">
+                  <a:avLst>
+                    <a:gd name="adj" fmla="val 50000"/>
+                  </a:avLst>
+                </a:prstGeom>
+                <a:grpFill/>
+                <a:ln>
+                  <a:noFill/>
+                </a:ln>
+              </p:spPr>
+              <p:style>
+                <a:lnRef idx="2">
+                  <a:schemeClr val="accent1">
+                    <a:shade val="50000"/>
+                  </a:schemeClr>
+                </a:lnRef>
+                <a:fillRef idx="1">
+                  <a:schemeClr val="accent1"/>
+                </a:fillRef>
+                <a:effectRef idx="0">
+                  <a:schemeClr val="accent1"/>
+                </a:effectRef>
+                <a:fontRef idx="minor">
+                  <a:schemeClr val="lt1"/>
+                </a:fontRef>
+              </p:style>
+              <p:txBody>
+                <a:bodyPr rtlCol="0" anchor="ctr"/>
+                <a:lstStyle/>
+                <a:p>
+                  <a:pPr algn="ctr"/>
+                  <a:endParaRPr lang="pt-BR"/>
+                </a:p>
+              </p:txBody>
+            </p:sp>
+          </p:grpSp>
+        </p:grpSp>
+      </p:grpSp>
+      <p:pic>
+        <p:nvPicPr>
+          <p:cNvPr id="1026" name="Picture 2"/>
+          <p:cNvPicPr>
+            <a:picLocks noChangeAspect="1" noChangeArrowheads="1"/>
+          </p:cNvPicPr>
+          <p:nvPr/>
+        </p:nvPicPr>
+        <p:blipFill>
+          <a:blip r:embed="rId3" cstate="print">
             <a:extLst>
-              <a:ext uri="{FF2B5EF4-FFF2-40B4-BE49-F238E27FC236}">
-                <a16:creationId xmlns:a16="http://schemas.microsoft.com/office/drawing/2014/main" id="{3A874D0A-A1F0-4CE6-AB1E-B05516F90DE4}"/>
+              <a:ext uri="{28A0092B-C50C-407E-A947-70E740481C1C}">
+                <a14:useLocalDpi xmlns:a14="http://schemas.microsoft.com/office/drawing/2010/main" val="0"/>
               </a:ext>
             </a:extLst>
-          </p:cNvPr>
-          <p:cNvSpPr/>
-          <p:nvPr/>
-        </p:nvSpPr>
-        <p:spPr>
+          </a:blip>
+          <a:srcRect/>
+          <a:stretch>
+            <a:fillRect/>
+          </a:stretch>
+        </p:blipFill>
+        <p:spPr bwMode="auto">
           <a:xfrm>
-            <a:off x="2123728" y="1052736"/>
-            <a:ext cx="4320480" cy="4226557"/>
+            <a:off x="1331640" y="481045"/>
+            <a:ext cx="158544" cy="256109"/>
           </a:xfrm>
-          <a:prstGeom prst="roundRect">
-            <a:avLst>
-              <a:gd name="adj" fmla="val 50000"/>
-            </a:avLst>
+          <a:prstGeom prst="rect">
+            <a:avLst/>
           </a:prstGeom>
-          <a:solidFill>
-            <a:srgbClr val="EBEEF8"/>
-          </a:solidFill>
+          <a:noFill/>
           <a:ln>
             <a:noFill/>
           </a:ln>
+          <a:extLst>
+            <a:ext uri="{909E8E84-426E-40DD-AFC4-6F175D3DCCD1}">
+              <a14:hiddenFill xmlns:a14="http://schemas.microsoft.com/office/drawing/2010/main">
+                <a:solidFill>
+                  <a:schemeClr val="accent1"/>
+                </a:solidFill>
+              </a14:hiddenFill>
+            </a:ext>
+            <a:ext uri="{91240B29-F687-4F45-9708-019B960494DF}">
+              <a14:hiddenLine xmlns:a14="http://schemas.microsoft.com/office/drawing/2010/main" w="9525">
+                <a:solidFill>
+                  <a:schemeClr val="tx1"/>
+                </a:solidFill>
+                <a:miter lim="800000"/>
+                <a:headEnd/>
+                <a:tailEnd/>
+              </a14:hiddenLine>
+            </a:ext>
+          </a:extLst>
         </p:spPr>
-        <p:style>
-          <a:lnRef idx="2">
-            <a:schemeClr val="accent1">
-              <a:shade val="50000"/>
-            </a:schemeClr>
-          </a:lnRef>
-          <a:fillRef idx="1">
-            <a:schemeClr val="accent1"/>
-          </a:fillRef>
-          <a:effectRef idx="0">
-            <a:schemeClr val="accent1"/>
-          </a:effectRef>
-          <a:fontRef idx="minor">
-            <a:schemeClr val="lt1"/>
-          </a:fontRef>
-        </p:style>
-        <p:txBody>
-          <a:bodyPr rtlCol="0" anchor="ctr"/>
+      </p:pic>
+      <p:grpSp>
+        <p:nvGrpSpPr>
+          <p:cNvPr id="24" name="Grupo 23"/>
+          <p:cNvGrpSpPr/>
+          <p:nvPr/>
+        </p:nvGrpSpPr>
+        <p:grpSpPr>
+          <a:xfrm>
+            <a:off x="2843808" y="2564904"/>
+            <a:ext cx="1947106" cy="2352753"/>
+            <a:chOff x="4845433" y="1268760"/>
+            <a:chExt cx="1728192" cy="2088232"/>
+          </a:xfrm>
+        </p:grpSpPr>
+        <p:sp>
+          <p:nvSpPr>
+            <p:cNvPr id="12" name="Elipse 11"/>
+            <p:cNvSpPr/>
+            <p:nvPr/>
+          </p:nvSpPr>
+          <p:spPr>
+            <a:xfrm>
+              <a:off x="4845433" y="1628800"/>
+              <a:ext cx="1728192" cy="1728192"/>
+            </a:xfrm>
+            <a:prstGeom prst="ellipse">
+              <a:avLst/>
+            </a:prstGeom>
+            <a:noFill/>
+            <a:ln w="76200">
+              <a:solidFill>
+                <a:srgbClr val="DCDCDC"/>
+              </a:solidFill>
+            </a:ln>
+          </p:spPr>
+          <p:style>
+            <a:lnRef idx="2">
+              <a:schemeClr val="accent1">
+                <a:shade val="50000"/>
+              </a:schemeClr>
+            </a:lnRef>
+            <a:fillRef idx="1">
+              <a:schemeClr val="accent1"/>
+            </a:fillRef>
+            <a:effectRef idx="0">
+              <a:schemeClr val="accent1"/>
+            </a:effectRef>
+            <a:fontRef idx="minor">
+              <a:schemeClr val="lt1"/>
+            </a:fontRef>
+          </p:style>
+          <p:txBody>
+            <a:bodyPr rtlCol="0" anchor="ctr"/>
+            <a:lstStyle/>
+            <a:p>
+              <a:pPr algn="ctr"/>
+              <a:endParaRPr lang="pt-BR"/>
+            </a:p>
+          </p:txBody>
+        </p:sp>
+        <p:sp>
+          <p:nvSpPr>
+            <p:cNvPr id="23" name="Retângulo 22"/>
+            <p:cNvSpPr/>
+            <p:nvPr/>
+          </p:nvSpPr>
+          <p:spPr>
+            <a:xfrm>
+              <a:off x="5364088" y="1268760"/>
+              <a:ext cx="692302" cy="720080"/>
+            </a:xfrm>
+            <a:prstGeom prst="rect">
+              <a:avLst/>
+            </a:prstGeom>
+            <a:solidFill>
+              <a:schemeClr val="bg1"/>
+            </a:solidFill>
+            <a:ln>
+              <a:noFill/>
+            </a:ln>
+          </p:spPr>
+          <p:style>
+            <a:lnRef idx="2">
+              <a:schemeClr val="accent1">
+                <a:shade val="50000"/>
+              </a:schemeClr>
+            </a:lnRef>
+            <a:fillRef idx="1">
+              <a:schemeClr val="accent1"/>
+            </a:fillRef>
+            <a:effectRef idx="0">
+              <a:schemeClr val="accent1"/>
+            </a:effectRef>
+            <a:fontRef idx="minor">
+              <a:schemeClr val="lt1"/>
+            </a:fontRef>
+          </p:style>
+          <p:txBody>
+            <a:bodyPr rtlCol="0" anchor="ctr"/>
+            <a:lstStyle/>
+            <a:p>
+              <a:pPr algn="ctr"/>
+              <a:endParaRPr lang="pt-BR"/>
+            </a:p>
+          </p:txBody>
+        </p:sp>
+        <p:grpSp>
+          <p:nvGrpSpPr>
+            <p:cNvPr id="16" name="Grupo 15"/>
+            <p:cNvGrpSpPr/>
+            <p:nvPr/>
+          </p:nvGrpSpPr>
+          <p:grpSpPr>
+            <a:xfrm>
+              <a:off x="5458921" y="1370274"/>
+              <a:ext cx="502635" cy="517052"/>
+              <a:chOff x="5004048" y="3650600"/>
+              <a:chExt cx="1065520" cy="1096082"/>
+            </a:xfrm>
+            <a:solidFill>
+              <a:srgbClr val="CECECE"/>
+            </a:solidFill>
+          </p:grpSpPr>
+          <p:sp>
+            <p:nvSpPr>
+              <p:cNvPr id="14" name="Retângulo 13"/>
+              <p:cNvSpPr/>
+              <p:nvPr/>
+            </p:nvSpPr>
+            <p:spPr>
+              <a:xfrm>
+                <a:off x="5004048" y="3650600"/>
+                <a:ext cx="216024" cy="1096082"/>
+              </a:xfrm>
+              <a:prstGeom prst="rect">
+                <a:avLst/>
+              </a:prstGeom>
+              <a:grpFill/>
+              <a:ln>
+                <a:noFill/>
+              </a:ln>
+            </p:spPr>
+            <p:style>
+              <a:lnRef idx="2">
+                <a:schemeClr val="accent1">
+                  <a:shade val="50000"/>
+                </a:schemeClr>
+              </a:lnRef>
+              <a:fillRef idx="1">
+                <a:schemeClr val="accent1"/>
+              </a:fillRef>
+              <a:effectRef idx="0">
+                <a:schemeClr val="accent1"/>
+              </a:effectRef>
+              <a:fontRef idx="minor">
+                <a:schemeClr val="lt1"/>
+              </a:fontRef>
+            </p:style>
+            <p:txBody>
+              <a:bodyPr rtlCol="0" anchor="ctr"/>
+              <a:lstStyle/>
+              <a:p>
+                <a:pPr algn="ctr"/>
+                <a:endParaRPr lang="pt-BR"/>
+              </a:p>
+            </p:txBody>
+          </p:sp>
+          <p:sp>
+            <p:nvSpPr>
+              <p:cNvPr id="15" name="Retângulo 14"/>
+              <p:cNvSpPr/>
+              <p:nvPr/>
+            </p:nvSpPr>
+            <p:spPr>
+              <a:xfrm>
+                <a:off x="5299466" y="4314634"/>
+                <a:ext cx="216024" cy="432048"/>
+              </a:xfrm>
+              <a:prstGeom prst="rect">
+                <a:avLst/>
+              </a:prstGeom>
+              <a:grpFill/>
+              <a:ln>
+                <a:noFill/>
+              </a:ln>
+            </p:spPr>
+            <p:style>
+              <a:lnRef idx="2">
+                <a:schemeClr val="accent1">
+                  <a:shade val="50000"/>
+                </a:schemeClr>
+              </a:lnRef>
+              <a:fillRef idx="1">
+                <a:schemeClr val="accent1"/>
+              </a:fillRef>
+              <a:effectRef idx="0">
+                <a:schemeClr val="accent1"/>
+              </a:effectRef>
+              <a:fontRef idx="minor">
+                <a:schemeClr val="lt1"/>
+              </a:fontRef>
+            </p:style>
+            <p:txBody>
+              <a:bodyPr rtlCol="0" anchor="ctr"/>
+              <a:lstStyle/>
+              <a:p>
+                <a:pPr algn="ctr"/>
+                <a:endParaRPr lang="pt-BR"/>
+              </a:p>
+            </p:txBody>
+          </p:sp>
+          <p:sp>
+            <p:nvSpPr>
+              <p:cNvPr id="17" name="Retângulo 16"/>
+              <p:cNvSpPr/>
+              <p:nvPr/>
+            </p:nvSpPr>
+            <p:spPr>
+              <a:xfrm>
+                <a:off x="5594884" y="4165745"/>
+                <a:ext cx="216024" cy="580937"/>
+              </a:xfrm>
+              <a:prstGeom prst="rect">
+                <a:avLst/>
+              </a:prstGeom>
+              <a:grpFill/>
+              <a:ln>
+                <a:noFill/>
+              </a:ln>
+            </p:spPr>
+            <p:style>
+              <a:lnRef idx="2">
+                <a:schemeClr val="accent1">
+                  <a:shade val="50000"/>
+                </a:schemeClr>
+              </a:lnRef>
+              <a:fillRef idx="1">
+                <a:schemeClr val="accent1"/>
+              </a:fillRef>
+              <a:effectRef idx="0">
+                <a:schemeClr val="accent1"/>
+              </a:effectRef>
+              <a:fontRef idx="minor">
+                <a:schemeClr val="lt1"/>
+              </a:fontRef>
+            </p:style>
+            <p:txBody>
+              <a:bodyPr rtlCol="0" anchor="ctr"/>
+              <a:lstStyle/>
+              <a:p>
+                <a:pPr algn="ctr"/>
+                <a:endParaRPr lang="pt-BR"/>
+              </a:p>
+            </p:txBody>
+          </p:sp>
+          <p:sp>
+            <p:nvSpPr>
+              <p:cNvPr id="18" name="Retângulo 17"/>
+              <p:cNvSpPr/>
+              <p:nvPr/>
+            </p:nvSpPr>
+            <p:spPr>
+              <a:xfrm>
+                <a:off x="5890302" y="3810578"/>
+                <a:ext cx="179266" cy="936104"/>
+              </a:xfrm>
+              <a:prstGeom prst="rect">
+                <a:avLst/>
+              </a:prstGeom>
+              <a:grpFill/>
+              <a:ln>
+                <a:noFill/>
+              </a:ln>
+            </p:spPr>
+            <p:style>
+              <a:lnRef idx="2">
+                <a:schemeClr val="accent1">
+                  <a:shade val="50000"/>
+                </a:schemeClr>
+              </a:lnRef>
+              <a:fillRef idx="1">
+                <a:schemeClr val="accent1"/>
+              </a:fillRef>
+              <a:effectRef idx="0">
+                <a:schemeClr val="accent1"/>
+              </a:effectRef>
+              <a:fontRef idx="minor">
+                <a:schemeClr val="lt1"/>
+              </a:fontRef>
+            </p:style>
+            <p:txBody>
+              <a:bodyPr rtlCol="0" anchor="ctr"/>
+              <a:lstStyle/>
+              <a:p>
+                <a:pPr algn="ctr"/>
+                <a:endParaRPr lang="pt-BR"/>
+              </a:p>
+            </p:txBody>
+          </p:sp>
+        </p:grpSp>
+      </p:grpSp>
+      <p:sp>
+        <p:nvSpPr>
+          <p:cNvPr id="25" name="CaixaDeTexto 24"/>
+          <p:cNvSpPr txBox="1"/>
+          <p:nvPr/>
+        </p:nvSpPr>
+        <p:spPr>
+          <a:xfrm>
+            <a:off x="3128816" y="3482439"/>
+            <a:ext cx="1555234" cy="923330"/>
+          </a:xfrm>
+          <a:prstGeom prst="rect">
+            <a:avLst/>
+          </a:prstGeom>
+          <a:noFill/>
+        </p:spPr>
+        <p:txBody>
+          <a:bodyPr wrap="none" rtlCol="0">
+            <a:spAutoFit/>
+          </a:bodyPr>
           <a:lstStyle/>
           <a:p>
-            <a:pPr algn="ctr"/>
-            <a:endParaRPr lang="pt-BR"/>
+            <a:r>
+              <a:rPr lang="pt-BR" sz="5400" b="1" dirty="0" smtClean="0">
+                <a:solidFill>
+                  <a:srgbClr val="7ED905"/>
+                </a:solidFill>
+                <a:latin typeface="Reem Kufi" pitchFamily="2"/>
+              </a:rPr>
+              <a:t>30%</a:t>
+            </a:r>
+            <a:endParaRPr lang="pt-BR" sz="5400" b="1" dirty="0">
+              <a:solidFill>
+                <a:srgbClr val="7ED905"/>
+              </a:solidFill>
+              <a:latin typeface="Reem Kufi" pitchFamily="2"/>
+            </a:endParaRPr>
           </a:p>
         </p:txBody>
       </p:sp>
@@ -7331,6 +7907,13 @@
   <p:clrMapOvr>
     <a:masterClrMapping/>
   </p:clrMapOvr>
+  <p:timing>
+    <p:tnLst>
+      <p:par>
+        <p:cTn id="1" dur="indefinite" restart="never" nodeType="tmRoot"/>
+      </p:par>
+    </p:tnLst>
+  </p:timing>
 </p:sld>
 </file>
 

--- a/slide/Icons.pptx
+++ b/slide/Icons.pptx
@@ -111,7 +111,7 @@
   </p:defaultTextStyle>
   <p:extLst>
     <p:ext uri="{EFAFB233-063F-42B5-8137-9DF3F51BA10A}">
-      <p15:sldGuideLst xmlns:p15="http://schemas.microsoft.com/office/powerpoint/2012/main" xmlns="">
+      <p15:sldGuideLst xmlns="" xmlns:p15="http://schemas.microsoft.com/office/powerpoint/2012/main">
         <p15:guide id="1" orient="horz" pos="2160">
           <p15:clr>
             <a:srgbClr val="A4A3A4"/>
@@ -210,7 +210,7 @@
           <a:p>
             <a:fld id="{8C69D028-04FB-4CAD-A94B-4DBC502A77F9}" type="datetimeFigureOut">
               <a:rPr lang="pt-BR" smtClean="0"/>
-              <a:t>17/04/2019</a:t>
+              <a:t>24/04/2019</a:t>
             </a:fld>
             <a:endParaRPr lang="pt-BR"/>
           </a:p>
@@ -740,7 +740,7 @@
           <a:p>
             <a:fld id="{0D12B9E4-E3E1-48A3-A42F-75EB1CD8D0EF}" type="datetimeFigureOut">
               <a:rPr lang="pt-BR" smtClean="0"/>
-              <a:t>17/04/2019</a:t>
+              <a:t>24/04/2019</a:t>
             </a:fld>
             <a:endParaRPr lang="pt-BR"/>
           </a:p>
@@ -908,7 +908,7 @@
           <a:p>
             <a:fld id="{0D12B9E4-E3E1-48A3-A42F-75EB1CD8D0EF}" type="datetimeFigureOut">
               <a:rPr lang="pt-BR" smtClean="0"/>
-              <a:t>17/04/2019</a:t>
+              <a:t>24/04/2019</a:t>
             </a:fld>
             <a:endParaRPr lang="pt-BR"/>
           </a:p>
@@ -1086,7 +1086,7 @@
           <a:p>
             <a:fld id="{0D12B9E4-E3E1-48A3-A42F-75EB1CD8D0EF}" type="datetimeFigureOut">
               <a:rPr lang="pt-BR" smtClean="0"/>
-              <a:t>17/04/2019</a:t>
+              <a:t>24/04/2019</a:t>
             </a:fld>
             <a:endParaRPr lang="pt-BR"/>
           </a:p>
@@ -1254,7 +1254,7 @@
           <a:p>
             <a:fld id="{0D12B9E4-E3E1-48A3-A42F-75EB1CD8D0EF}" type="datetimeFigureOut">
               <a:rPr lang="pt-BR" smtClean="0"/>
-              <a:t>17/04/2019</a:t>
+              <a:t>24/04/2019</a:t>
             </a:fld>
             <a:endParaRPr lang="pt-BR"/>
           </a:p>
@@ -1499,7 +1499,7 @@
           <a:p>
             <a:fld id="{0D12B9E4-E3E1-48A3-A42F-75EB1CD8D0EF}" type="datetimeFigureOut">
               <a:rPr lang="pt-BR" smtClean="0"/>
-              <a:t>17/04/2019</a:t>
+              <a:t>24/04/2019</a:t>
             </a:fld>
             <a:endParaRPr lang="pt-BR"/>
           </a:p>
@@ -1784,7 +1784,7 @@
           <a:p>
             <a:fld id="{0D12B9E4-E3E1-48A3-A42F-75EB1CD8D0EF}" type="datetimeFigureOut">
               <a:rPr lang="pt-BR" smtClean="0"/>
-              <a:t>17/04/2019</a:t>
+              <a:t>24/04/2019</a:t>
             </a:fld>
             <a:endParaRPr lang="pt-BR"/>
           </a:p>
@@ -2203,7 +2203,7 @@
           <a:p>
             <a:fld id="{0D12B9E4-E3E1-48A3-A42F-75EB1CD8D0EF}" type="datetimeFigureOut">
               <a:rPr lang="pt-BR" smtClean="0"/>
-              <a:t>17/04/2019</a:t>
+              <a:t>24/04/2019</a:t>
             </a:fld>
             <a:endParaRPr lang="pt-BR"/>
           </a:p>
@@ -2320,7 +2320,7 @@
           <a:p>
             <a:fld id="{0D12B9E4-E3E1-48A3-A42F-75EB1CD8D0EF}" type="datetimeFigureOut">
               <a:rPr lang="pt-BR" smtClean="0"/>
-              <a:t>17/04/2019</a:t>
+              <a:t>24/04/2019</a:t>
             </a:fld>
             <a:endParaRPr lang="pt-BR"/>
           </a:p>
@@ -2415,7 +2415,7 @@
           <a:p>
             <a:fld id="{0D12B9E4-E3E1-48A3-A42F-75EB1CD8D0EF}" type="datetimeFigureOut">
               <a:rPr lang="pt-BR" smtClean="0"/>
-              <a:t>17/04/2019</a:t>
+              <a:t>24/04/2019</a:t>
             </a:fld>
             <a:endParaRPr lang="pt-BR"/>
           </a:p>
@@ -2690,7 +2690,7 @@
           <a:p>
             <a:fld id="{0D12B9E4-E3E1-48A3-A42F-75EB1CD8D0EF}" type="datetimeFigureOut">
               <a:rPr lang="pt-BR" smtClean="0"/>
-              <a:t>17/04/2019</a:t>
+              <a:t>24/04/2019</a:t>
             </a:fld>
             <a:endParaRPr lang="pt-BR"/>
           </a:p>
@@ -2942,7 +2942,7 @@
           <a:p>
             <a:fld id="{0D12B9E4-E3E1-48A3-A42F-75EB1CD8D0EF}" type="datetimeFigureOut">
               <a:rPr lang="pt-BR" smtClean="0"/>
-              <a:t>17/04/2019</a:t>
+              <a:t>24/04/2019</a:t>
             </a:fld>
             <a:endParaRPr lang="pt-BR"/>
           </a:p>
@@ -3153,7 +3153,7 @@
           <a:p>
             <a:fld id="{0D12B9E4-E3E1-48A3-A42F-75EB1CD8D0EF}" type="datetimeFigureOut">
               <a:rPr lang="pt-BR" smtClean="0"/>
-              <a:t>17/04/2019</a:t>
+              <a:t>24/04/2019</a:t>
             </a:fld>
             <a:endParaRPr lang="pt-BR"/>
           </a:p>
@@ -5085,7 +5085,7 @@
           <p:cNvPr id="42" name="Agrupar 9">
             <a:extLst>
               <a:ext uri="{FF2B5EF4-FFF2-40B4-BE49-F238E27FC236}">
-                <a16:creationId xmlns:a16="http://schemas.microsoft.com/office/drawing/2014/main" xmlns="" id="{CED1955D-3D0B-487D-AA3A-3B4047A0210A}"/>
+                <a16:creationId xmlns="" xmlns:a16="http://schemas.microsoft.com/office/drawing/2014/main" id="{CED1955D-3D0B-487D-AA3A-3B4047A0210A}"/>
               </a:ext>
             </a:extLst>
           </p:cNvPr>
@@ -5105,7 +5105,7 @@
             <p:cNvPr id="43" name="Imagem 42" descr="Uma imagem contendo objeto&#10;&#10;Descrição gerada automaticamente">
               <a:extLst>
                 <a:ext uri="{FF2B5EF4-FFF2-40B4-BE49-F238E27FC236}">
-                  <a16:creationId xmlns:a16="http://schemas.microsoft.com/office/drawing/2014/main" xmlns="" id="{1B9BA244-B9AA-4917-B819-488CA49DB1E2}"/>
+                  <a16:creationId xmlns="" xmlns:a16="http://schemas.microsoft.com/office/drawing/2014/main" id="{1B9BA244-B9AA-4917-B819-488CA49DB1E2}"/>
                 </a:ext>
               </a:extLst>
             </p:cNvPr>
@@ -5151,7 +5151,7 @@
             <p:cNvPr id="44" name="Gráfico 8" descr="Folha">
               <a:extLst>
                 <a:ext uri="{FF2B5EF4-FFF2-40B4-BE49-F238E27FC236}">
-                  <a16:creationId xmlns:a16="http://schemas.microsoft.com/office/drawing/2014/main" xmlns="" id="{D7B239DE-0B7B-4BDF-93B8-A09B4D198DF4}"/>
+                  <a16:creationId xmlns="" xmlns:a16="http://schemas.microsoft.com/office/drawing/2014/main" id="{D7B239DE-0B7B-4BDF-93B8-A09B4D198DF4}"/>
                 </a:ext>
               </a:extLst>
             </p:cNvPr>
@@ -5167,7 +5167,7 @@
                   <a14:useLocalDpi xmlns:a14="http://schemas.microsoft.com/office/drawing/2010/main" val="0"/>
                 </a:ext>
                 <a:ext uri="{96DAC541-7B7A-43D3-8B79-37D633B846F1}">
-                  <asvg:svgBlip xmlns:asvg="http://schemas.microsoft.com/office/drawing/2016/SVG/main" xmlns="" r:embed="rId6"/>
+                  <asvg:svgBlip xmlns="" xmlns:asvg="http://schemas.microsoft.com/office/drawing/2016/SVG/main" r:embed="rId6"/>
                 </a:ext>
               </a:extLst>
             </a:blip>
@@ -5934,7 +5934,7 @@
           <p:cNvPr id="51" name="Agrupar 50">
             <a:extLst>
               <a:ext uri="{FF2B5EF4-FFF2-40B4-BE49-F238E27FC236}">
-                <a16:creationId xmlns:a16="http://schemas.microsoft.com/office/drawing/2014/main" xmlns="" id="{E11808A1-955C-4671-B8F9-A31BFC222774}"/>
+                <a16:creationId xmlns="" xmlns:a16="http://schemas.microsoft.com/office/drawing/2014/main" id="{E11808A1-955C-4671-B8F9-A31BFC222774}"/>
               </a:ext>
             </a:extLst>
           </p:cNvPr>
@@ -5954,7 +5954,7 @@
             <p:cNvPr id="52" name="Retângulo: Cantos Arredondados 51">
               <a:extLst>
                 <a:ext uri="{FF2B5EF4-FFF2-40B4-BE49-F238E27FC236}">
-                  <a16:creationId xmlns:a16="http://schemas.microsoft.com/office/drawing/2014/main" xmlns="" id="{E1981BA5-41E8-4A49-8859-78017A0C02AA}"/>
+                  <a16:creationId xmlns="" xmlns:a16="http://schemas.microsoft.com/office/drawing/2014/main" id="{E1981BA5-41E8-4A49-8859-78017A0C02AA}"/>
                 </a:ext>
               </a:extLst>
             </p:cNvPr>
@@ -6107,7 +6107,7 @@
             <p:cNvPr id="53" name="Retângulo: Cantos Arredondados 52">
               <a:extLst>
                 <a:ext uri="{FF2B5EF4-FFF2-40B4-BE49-F238E27FC236}">
-                  <a16:creationId xmlns:a16="http://schemas.microsoft.com/office/drawing/2014/main" xmlns="" id="{132FC1CA-61D9-4900-848D-2E69FA7CD7A7}"/>
+                  <a16:creationId xmlns="" xmlns:a16="http://schemas.microsoft.com/office/drawing/2014/main" id="{132FC1CA-61D9-4900-848D-2E69FA7CD7A7}"/>
                 </a:ext>
               </a:extLst>
             </p:cNvPr>
@@ -6260,7 +6260,7 @@
             <p:cNvPr id="54" name="Retângulo: Cantos Arredondados 53">
               <a:extLst>
                 <a:ext uri="{FF2B5EF4-FFF2-40B4-BE49-F238E27FC236}">
-                  <a16:creationId xmlns:a16="http://schemas.microsoft.com/office/drawing/2014/main" xmlns="" id="{C4D5C295-6F85-4F06-AD4F-7751CB901D98}"/>
+                  <a16:creationId xmlns="" xmlns:a16="http://schemas.microsoft.com/office/drawing/2014/main" id="{C4D5C295-6F85-4F06-AD4F-7751CB901D98}"/>
                 </a:ext>
               </a:extLst>
             </p:cNvPr>
@@ -6413,7 +6413,7 @@
             <p:cNvPr id="55" name="Forma Livre: Forma 54">
               <a:extLst>
                 <a:ext uri="{FF2B5EF4-FFF2-40B4-BE49-F238E27FC236}">
-                  <a16:creationId xmlns:a16="http://schemas.microsoft.com/office/drawing/2014/main" xmlns="" id="{62AD9654-DF2E-421E-A21D-3CB31EE7AEC9}"/>
+                  <a16:creationId xmlns="" xmlns:a16="http://schemas.microsoft.com/office/drawing/2014/main" id="{62AD9654-DF2E-421E-A21D-3CB31EE7AEC9}"/>
                 </a:ext>
               </a:extLst>
             </p:cNvPr>
@@ -6620,7 +6620,7 @@
           <p:cNvPr id="21" name="Agrupar 20">
             <a:extLst>
               <a:ext uri="{FF2B5EF4-FFF2-40B4-BE49-F238E27FC236}">
-                <a16:creationId xmlns:a16="http://schemas.microsoft.com/office/drawing/2014/main" xmlns="" id="{742FF697-D3D0-4C6E-A5C8-5AB51DA82FD5}"/>
+                <a16:creationId xmlns="" xmlns:a16="http://schemas.microsoft.com/office/drawing/2014/main" id="{742FF697-D3D0-4C6E-A5C8-5AB51DA82FD5}"/>
               </a:ext>
             </a:extLst>
           </p:cNvPr>
@@ -6640,7 +6640,7 @@
             <p:cNvPr id="20" name="Balão de Fala: Retângulo com Cantos Arredondados 19">
               <a:extLst>
                 <a:ext uri="{FF2B5EF4-FFF2-40B4-BE49-F238E27FC236}">
-                  <a16:creationId xmlns:a16="http://schemas.microsoft.com/office/drawing/2014/main" xmlns="" id="{AA0138DD-E1F7-4726-B5A6-47C288CE6E6A}"/>
+                  <a16:creationId xmlns="" xmlns:a16="http://schemas.microsoft.com/office/drawing/2014/main" id="{AA0138DD-E1F7-4726-B5A6-47C288CE6E6A}"/>
                 </a:ext>
               </a:extLst>
             </p:cNvPr>
@@ -6696,7 +6696,7 @@
             <p:cNvPr id="65" name="Elipse 64">
               <a:extLst>
                 <a:ext uri="{FF2B5EF4-FFF2-40B4-BE49-F238E27FC236}">
-                  <a16:creationId xmlns:a16="http://schemas.microsoft.com/office/drawing/2014/main" xmlns="" id="{2D887CE5-AF78-48D7-81B1-39041528C393}"/>
+                  <a16:creationId xmlns="" xmlns:a16="http://schemas.microsoft.com/office/drawing/2014/main" id="{2D887CE5-AF78-48D7-81B1-39041528C393}"/>
                 </a:ext>
               </a:extLst>
             </p:cNvPr>
@@ -6748,7 +6748,7 @@
             <p:cNvPr id="66" name="Elipse 65">
               <a:extLst>
                 <a:ext uri="{FF2B5EF4-FFF2-40B4-BE49-F238E27FC236}">
-                  <a16:creationId xmlns:a16="http://schemas.microsoft.com/office/drawing/2014/main" xmlns="" id="{E5D2C947-B154-4AD5-B4A9-13A15AFD7A8D}"/>
+                  <a16:creationId xmlns="" xmlns:a16="http://schemas.microsoft.com/office/drawing/2014/main" id="{E5D2C947-B154-4AD5-B4A9-13A15AFD7A8D}"/>
                 </a:ext>
               </a:extLst>
             </p:cNvPr>
@@ -6800,7 +6800,7 @@
             <p:cNvPr id="67" name="Elipse 66">
               <a:extLst>
                 <a:ext uri="{FF2B5EF4-FFF2-40B4-BE49-F238E27FC236}">
-                  <a16:creationId xmlns:a16="http://schemas.microsoft.com/office/drawing/2014/main" xmlns="" id="{5F7F820C-DF66-4663-B1E1-E200E8F489FE}"/>
+                  <a16:creationId xmlns="" xmlns:a16="http://schemas.microsoft.com/office/drawing/2014/main" id="{5F7F820C-DF66-4663-B1E1-E200E8F489FE}"/>
                 </a:ext>
               </a:extLst>
             </p:cNvPr>
@@ -6853,7 +6853,7 @@
           <p:cNvPr id="86" name="Agrupar 85">
             <a:extLst>
               <a:ext uri="{FF2B5EF4-FFF2-40B4-BE49-F238E27FC236}">
-                <a16:creationId xmlns:a16="http://schemas.microsoft.com/office/drawing/2014/main" xmlns="" id="{731157D7-3F7B-494D-A876-4E1B0923940C}"/>
+                <a16:creationId xmlns="" xmlns:a16="http://schemas.microsoft.com/office/drawing/2014/main" id="{731157D7-3F7B-494D-A876-4E1B0923940C}"/>
               </a:ext>
             </a:extLst>
           </p:cNvPr>
@@ -6873,7 +6873,7 @@
             <p:cNvPr id="83" name="Forma Livre: Forma 82">
               <a:extLst>
                 <a:ext uri="{FF2B5EF4-FFF2-40B4-BE49-F238E27FC236}">
-                  <a16:creationId xmlns:a16="http://schemas.microsoft.com/office/drawing/2014/main" xmlns="" id="{8C6FF509-5334-4779-858A-CBA417C36708}"/>
+                  <a16:creationId xmlns="" xmlns:a16="http://schemas.microsoft.com/office/drawing/2014/main" id="{8C6FF509-5334-4779-858A-CBA417C36708}"/>
                 </a:ext>
               </a:extLst>
             </p:cNvPr>
@@ -7026,7 +7026,7 @@
             <p:cNvPr id="84" name="Agrupar 83">
               <a:extLst>
                 <a:ext uri="{FF2B5EF4-FFF2-40B4-BE49-F238E27FC236}">
-                  <a16:creationId xmlns:a16="http://schemas.microsoft.com/office/drawing/2014/main" xmlns="" id="{67688334-9D02-4298-8525-206660E1862D}"/>
+                  <a16:creationId xmlns="" xmlns:a16="http://schemas.microsoft.com/office/drawing/2014/main" id="{67688334-9D02-4298-8525-206660E1862D}"/>
                 </a:ext>
               </a:extLst>
             </p:cNvPr>
@@ -7046,7 +7046,7 @@
               <p:cNvPr id="85" name="Forma Livre: Forma 84">
                 <a:extLst>
                   <a:ext uri="{FF2B5EF4-FFF2-40B4-BE49-F238E27FC236}">
-                    <a16:creationId xmlns:a16="http://schemas.microsoft.com/office/drawing/2014/main" xmlns="" id="{E857EC4A-79A6-4FBC-ADA5-4737D96C5E20}"/>
+                    <a16:creationId xmlns="" xmlns:a16="http://schemas.microsoft.com/office/drawing/2014/main" id="{E857EC4A-79A6-4FBC-ADA5-4737D96C5E20}"/>
                   </a:ext>
                 </a:extLst>
               </p:cNvPr>
@@ -7143,7 +7143,7 @@
               <p:cNvPr id="74" name="Elipse 73">
                 <a:extLst>
                   <a:ext uri="{FF2B5EF4-FFF2-40B4-BE49-F238E27FC236}">
-                    <a16:creationId xmlns:a16="http://schemas.microsoft.com/office/drawing/2014/main" xmlns="" id="{39879178-4A4B-49AA-B47C-DCEE30D0375B}"/>
+                    <a16:creationId xmlns="" xmlns:a16="http://schemas.microsoft.com/office/drawing/2014/main" id="{39879178-4A4B-49AA-B47C-DCEE30D0375B}"/>
                   </a:ext>
                 </a:extLst>
               </p:cNvPr>
@@ -7195,7 +7195,7 @@
               <p:cNvPr id="75" name="Retângulo 74">
                 <a:extLst>
                   <a:ext uri="{FF2B5EF4-FFF2-40B4-BE49-F238E27FC236}">
-                    <a16:creationId xmlns:a16="http://schemas.microsoft.com/office/drawing/2014/main" xmlns="" id="{B131F4CB-B08E-4E9F-917D-5578F7DA570E}"/>
+                    <a16:creationId xmlns="" xmlns:a16="http://schemas.microsoft.com/office/drawing/2014/main" id="{B131F4CB-B08E-4E9F-917D-5578F7DA570E}"/>
                   </a:ext>
                 </a:extLst>
               </p:cNvPr>
@@ -7281,49 +7281,488 @@
           <a:chExt cx="0" cy="0"/>
         </a:xfrm>
       </p:grpSpPr>
+      <p:pic>
+        <p:nvPicPr>
+          <p:cNvPr id="3" name="Imagem 2" descr="Uma imagem contendo brinquedo, gráficos vetoriais&#10;&#10;Descrição gerada automaticamente">
+            <a:extLst>
+              <a:ext uri="{FF2B5EF4-FFF2-40B4-BE49-F238E27FC236}">
+                <a16:creationId xmlns="" xmlns:a16="http://schemas.microsoft.com/office/drawing/2014/main" id="{D62FA05A-5510-46A9-B25F-40C0074A1B04}"/>
+              </a:ext>
+            </a:extLst>
+          </p:cNvPr>
+          <p:cNvPicPr>
+            <a:picLocks noChangeAspect="1"/>
+          </p:cNvPicPr>
+          <p:nvPr/>
+        </p:nvPicPr>
+        <p:blipFill rotWithShape="1">
+          <a:blip r:embed="rId2" cstate="print">
+            <a:extLst>
+              <a:ext uri="{28A0092B-C50C-407E-A947-70E740481C1C}">
+                <a14:useLocalDpi xmlns:a14="http://schemas.microsoft.com/office/drawing/2010/main" val="0"/>
+              </a:ext>
+            </a:extLst>
+          </a:blip>
+          <a:srcRect l="19330" t="8360" r="23360" b="47007"/>
+          <a:stretch/>
+        </p:blipFill>
+        <p:spPr>
+          <a:xfrm>
+            <a:off x="2123728" y="289277"/>
+            <a:ext cx="616001" cy="639644"/>
+          </a:xfrm>
+          <a:prstGeom prst="rect">
+            <a:avLst/>
+          </a:prstGeom>
+        </p:spPr>
+      </p:pic>
+      <p:pic>
+        <p:nvPicPr>
+          <p:cNvPr id="1026" name="Picture 2"/>
+          <p:cNvPicPr>
+            <a:picLocks noChangeAspect="1" noChangeArrowheads="1"/>
+          </p:cNvPicPr>
+          <p:nvPr/>
+        </p:nvPicPr>
+        <p:blipFill>
+          <a:blip r:embed="rId3" cstate="print">
+            <a:extLst>
+              <a:ext uri="{28A0092B-C50C-407E-A947-70E740481C1C}">
+                <a14:useLocalDpi xmlns:a14="http://schemas.microsoft.com/office/drawing/2010/main" val="0"/>
+              </a:ext>
+            </a:extLst>
+          </a:blip>
+          <a:srcRect/>
+          <a:stretch>
+            <a:fillRect/>
+          </a:stretch>
+        </p:blipFill>
+        <p:spPr bwMode="auto">
+          <a:xfrm>
+            <a:off x="1331640" y="481045"/>
+            <a:ext cx="158544" cy="256109"/>
+          </a:xfrm>
+          <a:prstGeom prst="rect">
+            <a:avLst/>
+          </a:prstGeom>
+          <a:noFill/>
+          <a:ln>
+            <a:noFill/>
+          </a:ln>
+          <a:extLst>
+            <a:ext uri="{909E8E84-426E-40DD-AFC4-6F175D3DCCD1}">
+              <a14:hiddenFill xmlns:a14="http://schemas.microsoft.com/office/drawing/2010/main">
+                <a:solidFill>
+                  <a:schemeClr val="accent1"/>
+                </a:solidFill>
+              </a14:hiddenFill>
+            </a:ext>
+            <a:ext uri="{91240B29-F687-4F45-9708-019B960494DF}">
+              <a14:hiddenLine xmlns:a14="http://schemas.microsoft.com/office/drawing/2010/main" w="9525">
+                <a:solidFill>
+                  <a:schemeClr val="tx1"/>
+                </a:solidFill>
+                <a:miter lim="800000"/>
+                <a:headEnd/>
+                <a:tailEnd/>
+              </a14:hiddenLine>
+            </a:ext>
+          </a:extLst>
+        </p:spPr>
+      </p:pic>
       <p:grpSp>
         <p:nvGrpSpPr>
-          <p:cNvPr id="11" name="Grupo 10"/>
+          <p:cNvPr id="71" name="Grupo 70"/>
           <p:cNvGrpSpPr/>
           <p:nvPr/>
         </p:nvGrpSpPr>
         <p:grpSpPr>
           <a:xfrm>
-            <a:off x="433714" y="188641"/>
-            <a:ext cx="756411" cy="864095"/>
-            <a:chOff x="2510964" y="2131395"/>
-            <a:chExt cx="2739959" cy="3130026"/>
+            <a:off x="4990136" y="3052175"/>
+            <a:ext cx="1947106" cy="2352753"/>
+            <a:chOff x="157793" y="1599889"/>
+            <a:chExt cx="1947106" cy="2352753"/>
+          </a:xfrm>
+        </p:grpSpPr>
+        <p:grpSp>
+          <p:nvGrpSpPr>
+            <p:cNvPr id="24" name="Grupo 23"/>
+            <p:cNvGrpSpPr/>
+            <p:nvPr/>
+          </p:nvGrpSpPr>
+          <p:grpSpPr>
+            <a:xfrm>
+              <a:off x="157793" y="1599889"/>
+              <a:ext cx="1947106" cy="2352753"/>
+              <a:chOff x="4845433" y="1268760"/>
+              <a:chExt cx="1728192" cy="2088232"/>
+            </a:xfrm>
+          </p:grpSpPr>
+          <p:sp>
+            <p:nvSpPr>
+              <p:cNvPr id="12" name="Elipse 11"/>
+              <p:cNvSpPr/>
+              <p:nvPr/>
+            </p:nvSpPr>
+            <p:spPr>
+              <a:xfrm>
+                <a:off x="4845433" y="1628800"/>
+                <a:ext cx="1728192" cy="1728192"/>
+              </a:xfrm>
+              <a:prstGeom prst="ellipse">
+                <a:avLst/>
+              </a:prstGeom>
+              <a:noFill/>
+              <a:ln w="76200">
+                <a:solidFill>
+                  <a:srgbClr val="DCDCDC"/>
+                </a:solidFill>
+              </a:ln>
+            </p:spPr>
+            <p:style>
+              <a:lnRef idx="2">
+                <a:schemeClr val="accent1">
+                  <a:shade val="50000"/>
+                </a:schemeClr>
+              </a:lnRef>
+              <a:fillRef idx="1">
+                <a:schemeClr val="accent1"/>
+              </a:fillRef>
+              <a:effectRef idx="0">
+                <a:schemeClr val="accent1"/>
+              </a:effectRef>
+              <a:fontRef idx="minor">
+                <a:schemeClr val="lt1"/>
+              </a:fontRef>
+            </p:style>
+            <p:txBody>
+              <a:bodyPr rtlCol="0" anchor="ctr"/>
+              <a:lstStyle/>
+              <a:p>
+                <a:pPr algn="ctr"/>
+                <a:endParaRPr lang="pt-BR"/>
+              </a:p>
+            </p:txBody>
+          </p:sp>
+          <p:sp>
+            <p:nvSpPr>
+              <p:cNvPr id="23" name="Retângulo 22"/>
+              <p:cNvSpPr/>
+              <p:nvPr/>
+            </p:nvSpPr>
+            <p:spPr>
+              <a:xfrm>
+                <a:off x="5364088" y="1268760"/>
+                <a:ext cx="692302" cy="720080"/>
+              </a:xfrm>
+              <a:prstGeom prst="rect">
+                <a:avLst/>
+              </a:prstGeom>
+              <a:solidFill>
+                <a:schemeClr val="bg1"/>
+              </a:solidFill>
+              <a:ln>
+                <a:noFill/>
+              </a:ln>
+            </p:spPr>
+            <p:style>
+              <a:lnRef idx="2">
+                <a:schemeClr val="accent1">
+                  <a:shade val="50000"/>
+                </a:schemeClr>
+              </a:lnRef>
+              <a:fillRef idx="1">
+                <a:schemeClr val="accent1"/>
+              </a:fillRef>
+              <a:effectRef idx="0">
+                <a:schemeClr val="accent1"/>
+              </a:effectRef>
+              <a:fontRef idx="minor">
+                <a:schemeClr val="lt1"/>
+              </a:fontRef>
+            </p:style>
+            <p:txBody>
+              <a:bodyPr rtlCol="0" anchor="ctr"/>
+              <a:lstStyle/>
+              <a:p>
+                <a:pPr algn="ctr"/>
+                <a:endParaRPr lang="pt-BR"/>
+              </a:p>
+            </p:txBody>
+          </p:sp>
+          <p:grpSp>
+            <p:nvGrpSpPr>
+              <p:cNvPr id="16" name="Grupo 15"/>
+              <p:cNvGrpSpPr/>
+              <p:nvPr/>
+            </p:nvGrpSpPr>
+            <p:grpSpPr>
+              <a:xfrm>
+                <a:off x="5458907" y="1370274"/>
+                <a:ext cx="502632" cy="517052"/>
+                <a:chOff x="5004048" y="3650600"/>
+                <a:chExt cx="1065520" cy="1096082"/>
+              </a:xfrm>
+              <a:solidFill>
+                <a:srgbClr val="CECECE"/>
+              </a:solidFill>
+            </p:grpSpPr>
+            <p:sp>
+              <p:nvSpPr>
+                <p:cNvPr id="14" name="Retângulo 13"/>
+                <p:cNvSpPr/>
+                <p:nvPr/>
+              </p:nvSpPr>
+              <p:spPr>
+                <a:xfrm>
+                  <a:off x="5004048" y="3650600"/>
+                  <a:ext cx="216024" cy="1096082"/>
+                </a:xfrm>
+                <a:prstGeom prst="rect">
+                  <a:avLst/>
+                </a:prstGeom>
+                <a:grpFill/>
+                <a:ln>
+                  <a:noFill/>
+                </a:ln>
+              </p:spPr>
+              <p:style>
+                <a:lnRef idx="2">
+                  <a:schemeClr val="accent1">
+                    <a:shade val="50000"/>
+                  </a:schemeClr>
+                </a:lnRef>
+                <a:fillRef idx="1">
+                  <a:schemeClr val="accent1"/>
+                </a:fillRef>
+                <a:effectRef idx="0">
+                  <a:schemeClr val="accent1"/>
+                </a:effectRef>
+                <a:fontRef idx="minor">
+                  <a:schemeClr val="lt1"/>
+                </a:fontRef>
+              </p:style>
+              <p:txBody>
+                <a:bodyPr rtlCol="0" anchor="ctr"/>
+                <a:lstStyle/>
+                <a:p>
+                  <a:pPr algn="ctr"/>
+                  <a:endParaRPr lang="pt-BR"/>
+                </a:p>
+              </p:txBody>
+            </p:sp>
+            <p:sp>
+              <p:nvSpPr>
+                <p:cNvPr id="15" name="Retângulo 14"/>
+                <p:cNvSpPr/>
+                <p:nvPr/>
+              </p:nvSpPr>
+              <p:spPr>
+                <a:xfrm>
+                  <a:off x="5299466" y="4314634"/>
+                  <a:ext cx="216024" cy="432048"/>
+                </a:xfrm>
+                <a:prstGeom prst="rect">
+                  <a:avLst/>
+                </a:prstGeom>
+                <a:grpFill/>
+                <a:ln>
+                  <a:noFill/>
+                </a:ln>
+              </p:spPr>
+              <p:style>
+                <a:lnRef idx="2">
+                  <a:schemeClr val="accent1">
+                    <a:shade val="50000"/>
+                  </a:schemeClr>
+                </a:lnRef>
+                <a:fillRef idx="1">
+                  <a:schemeClr val="accent1"/>
+                </a:fillRef>
+                <a:effectRef idx="0">
+                  <a:schemeClr val="accent1"/>
+                </a:effectRef>
+                <a:fontRef idx="minor">
+                  <a:schemeClr val="lt1"/>
+                </a:fontRef>
+              </p:style>
+              <p:txBody>
+                <a:bodyPr rtlCol="0" anchor="ctr"/>
+                <a:lstStyle/>
+                <a:p>
+                  <a:pPr algn="ctr"/>
+                  <a:endParaRPr lang="pt-BR"/>
+                </a:p>
+              </p:txBody>
+            </p:sp>
+            <p:sp>
+              <p:nvSpPr>
+                <p:cNvPr id="17" name="Retângulo 16"/>
+                <p:cNvSpPr/>
+                <p:nvPr/>
+              </p:nvSpPr>
+              <p:spPr>
+                <a:xfrm>
+                  <a:off x="5594884" y="4165745"/>
+                  <a:ext cx="216024" cy="580937"/>
+                </a:xfrm>
+                <a:prstGeom prst="rect">
+                  <a:avLst/>
+                </a:prstGeom>
+                <a:grpFill/>
+                <a:ln>
+                  <a:noFill/>
+                </a:ln>
+              </p:spPr>
+              <p:style>
+                <a:lnRef idx="2">
+                  <a:schemeClr val="accent1">
+                    <a:shade val="50000"/>
+                  </a:schemeClr>
+                </a:lnRef>
+                <a:fillRef idx="1">
+                  <a:schemeClr val="accent1"/>
+                </a:fillRef>
+                <a:effectRef idx="0">
+                  <a:schemeClr val="accent1"/>
+                </a:effectRef>
+                <a:fontRef idx="minor">
+                  <a:schemeClr val="lt1"/>
+                </a:fontRef>
+              </p:style>
+              <p:txBody>
+                <a:bodyPr rtlCol="0" anchor="ctr"/>
+                <a:lstStyle/>
+                <a:p>
+                  <a:pPr algn="ctr"/>
+                  <a:endParaRPr lang="pt-BR"/>
+                </a:p>
+              </p:txBody>
+            </p:sp>
+            <p:sp>
+              <p:nvSpPr>
+                <p:cNvPr id="18" name="Retângulo 17"/>
+                <p:cNvSpPr/>
+                <p:nvPr/>
+              </p:nvSpPr>
+              <p:spPr>
+                <a:xfrm>
+                  <a:off x="5890302" y="3810578"/>
+                  <a:ext cx="179266" cy="936104"/>
+                </a:xfrm>
+                <a:prstGeom prst="rect">
+                  <a:avLst/>
+                </a:prstGeom>
+                <a:grpFill/>
+                <a:ln>
+                  <a:noFill/>
+                </a:ln>
+              </p:spPr>
+              <p:style>
+                <a:lnRef idx="2">
+                  <a:schemeClr val="accent1">
+                    <a:shade val="50000"/>
+                  </a:schemeClr>
+                </a:lnRef>
+                <a:fillRef idx="1">
+                  <a:schemeClr val="accent1"/>
+                </a:fillRef>
+                <a:effectRef idx="0">
+                  <a:schemeClr val="accent1"/>
+                </a:effectRef>
+                <a:fontRef idx="minor">
+                  <a:schemeClr val="lt1"/>
+                </a:fontRef>
+              </p:style>
+              <p:txBody>
+                <a:bodyPr rtlCol="0" anchor="ctr"/>
+                <a:lstStyle/>
+                <a:p>
+                  <a:pPr algn="ctr"/>
+                  <a:endParaRPr lang="pt-BR"/>
+                </a:p>
+              </p:txBody>
+            </p:sp>
+          </p:grpSp>
+        </p:grpSp>
+        <p:sp>
+          <p:nvSpPr>
+            <p:cNvPr id="25" name="CaixaDeTexto 24"/>
+            <p:cNvSpPr txBox="1"/>
+            <p:nvPr/>
+          </p:nvSpPr>
+          <p:spPr>
+            <a:xfrm>
+              <a:off x="385395" y="2517424"/>
+              <a:ext cx="1555234" cy="923330"/>
+            </a:xfrm>
+            <a:prstGeom prst="rect">
+              <a:avLst/>
+            </a:prstGeom>
+            <a:noFill/>
+          </p:spPr>
+          <p:txBody>
+            <a:bodyPr wrap="none" rtlCol="0">
+              <a:spAutoFit/>
+            </a:bodyPr>
+            <a:lstStyle/>
+            <a:p>
+              <a:r>
+                <a:rPr lang="pt-BR" sz="5400" b="1" dirty="0" smtClean="0">
+                  <a:solidFill>
+                    <a:srgbClr val="7ED905"/>
+                  </a:solidFill>
+                  <a:latin typeface="Reem Kufi" pitchFamily="2"/>
+                </a:rPr>
+                <a:t>30%</a:t>
+              </a:r>
+              <a:endParaRPr lang="pt-BR" sz="5400" b="1" dirty="0">
+                <a:solidFill>
+                  <a:srgbClr val="7ED905"/>
+                </a:solidFill>
+                <a:latin typeface="Reem Kufi" pitchFamily="2"/>
+              </a:endParaRPr>
+            </a:p>
+          </p:txBody>
+        </p:sp>
+      </p:grpSp>
+      <p:grpSp>
+        <p:nvGrpSpPr>
+          <p:cNvPr id="8" name="Grupo 7"/>
+          <p:cNvGrpSpPr/>
+          <p:nvPr/>
+        </p:nvGrpSpPr>
+        <p:grpSpPr>
+          <a:xfrm>
+            <a:off x="2933689" y="280132"/>
+            <a:ext cx="730903" cy="702323"/>
+            <a:chOff x="3275856" y="1250533"/>
+            <a:chExt cx="2956816" cy="2841198"/>
           </a:xfrm>
         </p:grpSpPr>
         <p:pic>
           <p:nvPicPr>
-            <p:cNvPr id="3" name="Imagem 2" descr="Uma imagem contendo brinquedo, gráficos vetoriais&#10;&#10;Descrição gerada automaticamente">
-              <a:extLst>
-                <a:ext uri="{FF2B5EF4-FFF2-40B4-BE49-F238E27FC236}">
-                  <a16:creationId xmlns:a16="http://schemas.microsoft.com/office/drawing/2014/main" xmlns="" id="{D62FA05A-5510-46A9-B25F-40C0074A1B04}"/>
-                </a:ext>
-              </a:extLst>
-            </p:cNvPr>
+            <p:cNvPr id="4" name="Imagem 3"/>
             <p:cNvPicPr>
               <a:picLocks noChangeAspect="1"/>
             </p:cNvPicPr>
             <p:nvPr/>
           </p:nvPicPr>
           <p:blipFill rotWithShape="1">
-            <a:blip r:embed="rId2" cstate="print">
+            <a:blip r:embed="rId4" cstate="print">
               <a:extLst>
                 <a:ext uri="{28A0092B-C50C-407E-A947-70E740481C1C}">
                   <a14:useLocalDpi xmlns:a14="http://schemas.microsoft.com/office/drawing/2010/main" val="0"/>
                 </a:ext>
               </a:extLst>
             </a:blip>
-            <a:srcRect l="19330" t="8360" r="23360" b="47007"/>
+            <a:srcRect b="21454"/>
             <a:stretch/>
           </p:blipFill>
           <p:spPr>
             <a:xfrm>
-              <a:off x="2510964" y="2131395"/>
-              <a:ext cx="2538078" cy="2635495"/>
+              <a:off x="3275856" y="1250533"/>
+              <a:ext cx="2956816" cy="2509196"/>
             </a:xfrm>
             <a:prstGeom prst="rect">
               <a:avLst/>
@@ -7338,8 +7777,8 @@
           </p:nvGrpSpPr>
           <p:grpSpPr>
             <a:xfrm>
-              <a:off x="4107786" y="4118284"/>
-              <a:ext cx="1143137" cy="1143137"/>
+              <a:off x="4602389" y="2969354"/>
+              <a:ext cx="1122378" cy="1122377"/>
               <a:chOff x="4008140" y="4033957"/>
               <a:chExt cx="1152128" cy="1152128"/>
             </a:xfrm>
@@ -7502,136 +7941,38 @@
           </p:grpSp>
         </p:grpSp>
       </p:grpSp>
-      <p:pic>
-        <p:nvPicPr>
-          <p:cNvPr id="1026" name="Picture 2"/>
-          <p:cNvPicPr>
-            <a:picLocks noChangeAspect="1" noChangeArrowheads="1"/>
-          </p:cNvPicPr>
-          <p:nvPr/>
-        </p:nvPicPr>
-        <p:blipFill>
-          <a:blip r:embed="rId3" cstate="print">
-            <a:extLst>
-              <a:ext uri="{28A0092B-C50C-407E-A947-70E740481C1C}">
-                <a14:useLocalDpi xmlns:a14="http://schemas.microsoft.com/office/drawing/2010/main" val="0"/>
-              </a:ext>
-            </a:extLst>
-          </a:blip>
-          <a:srcRect/>
-          <a:stretch>
-            <a:fillRect/>
-          </a:stretch>
-        </p:blipFill>
-        <p:spPr bwMode="auto">
-          <a:xfrm>
-            <a:off x="1331640" y="481045"/>
-            <a:ext cx="158544" cy="256109"/>
-          </a:xfrm>
-          <a:prstGeom prst="rect">
-            <a:avLst/>
-          </a:prstGeom>
-          <a:noFill/>
-          <a:ln>
-            <a:noFill/>
-          </a:ln>
-          <a:extLst>
-            <a:ext uri="{909E8E84-426E-40DD-AFC4-6F175D3DCCD1}">
-              <a14:hiddenFill xmlns:a14="http://schemas.microsoft.com/office/drawing/2010/main">
-                <a:solidFill>
-                  <a:schemeClr val="accent1"/>
-                </a:solidFill>
-              </a14:hiddenFill>
-            </a:ext>
-            <a:ext uri="{91240B29-F687-4F45-9708-019B960494DF}">
-              <a14:hiddenLine xmlns:a14="http://schemas.microsoft.com/office/drawing/2010/main" w="9525">
-                <a:solidFill>
-                  <a:schemeClr val="tx1"/>
-                </a:solidFill>
-                <a:miter lim="800000"/>
-                <a:headEnd/>
-                <a:tailEnd/>
-              </a14:hiddenLine>
-            </a:ext>
-          </a:extLst>
-        </p:spPr>
-      </p:pic>
       <p:grpSp>
         <p:nvGrpSpPr>
-          <p:cNvPr id="24" name="Grupo 23"/>
+          <p:cNvPr id="68" name="Grupo 67"/>
           <p:cNvGrpSpPr/>
           <p:nvPr/>
         </p:nvGrpSpPr>
         <p:grpSpPr>
           <a:xfrm>
-            <a:off x="2843808" y="2564904"/>
-            <a:ext cx="1947106" cy="2352753"/>
-            <a:chOff x="4845433" y="1268760"/>
-            <a:chExt cx="1728192" cy="2088232"/>
+            <a:off x="5148064" y="1181508"/>
+            <a:ext cx="1622169" cy="1613087"/>
+            <a:chOff x="3419017" y="1599889"/>
+            <a:chExt cx="3939398" cy="3917343"/>
           </a:xfrm>
         </p:grpSpPr>
         <p:sp>
           <p:nvSpPr>
-            <p:cNvPr id="12" name="Elipse 11"/>
+            <p:cNvPr id="9" name="Retângulo 8"/>
             <p:cNvSpPr/>
             <p:nvPr/>
           </p:nvSpPr>
           <p:spPr>
             <a:xfrm>
-              <a:off x="4845433" y="1628800"/>
-              <a:ext cx="1728192" cy="1728192"/>
-            </a:xfrm>
-            <a:prstGeom prst="ellipse">
-              <a:avLst/>
-            </a:prstGeom>
-            <a:noFill/>
-            <a:ln w="76200">
-              <a:solidFill>
-                <a:srgbClr val="DCDCDC"/>
-              </a:solidFill>
-            </a:ln>
-          </p:spPr>
-          <p:style>
-            <a:lnRef idx="2">
-              <a:schemeClr val="accent1">
-                <a:shade val="50000"/>
-              </a:schemeClr>
-            </a:lnRef>
-            <a:fillRef idx="1">
-              <a:schemeClr val="accent1"/>
-            </a:fillRef>
-            <a:effectRef idx="0">
-              <a:schemeClr val="accent1"/>
-            </a:effectRef>
-            <a:fontRef idx="minor">
-              <a:schemeClr val="lt1"/>
-            </a:fontRef>
-          </p:style>
-          <p:txBody>
-            <a:bodyPr rtlCol="0" anchor="ctr"/>
-            <a:lstStyle/>
-            <a:p>
-              <a:pPr algn="ctr"/>
-              <a:endParaRPr lang="pt-BR"/>
-            </a:p>
-          </p:txBody>
-        </p:sp>
-        <p:sp>
-          <p:nvSpPr>
-            <p:cNvPr id="23" name="Retângulo 22"/>
-            <p:cNvSpPr/>
-            <p:nvPr/>
-          </p:nvSpPr>
-          <p:spPr>
-            <a:xfrm>
-              <a:off x="5364088" y="1268760"/>
-              <a:ext cx="692302" cy="720080"/>
+              <a:off x="3419017" y="1599889"/>
+              <a:ext cx="245575" cy="3917343"/>
             </a:xfrm>
             <a:prstGeom prst="rect">
               <a:avLst/>
             </a:prstGeom>
             <a:solidFill>
-              <a:schemeClr val="bg1"/>
+              <a:schemeClr val="bg1">
+                <a:lumMod val="95000"/>
+              </a:schemeClr>
             </a:solidFill>
             <a:ln>
               <a:noFill/>
@@ -7662,238 +8003,596 @@
             </a:p>
           </p:txBody>
         </p:sp>
-        <p:grpSp>
-          <p:nvGrpSpPr>
-            <p:cNvPr id="16" name="Grupo 15"/>
-            <p:cNvGrpSpPr/>
+        <p:sp>
+          <p:nvSpPr>
+            <p:cNvPr id="67" name="Retângulo 66"/>
+            <p:cNvSpPr/>
             <p:nvPr/>
-          </p:nvGrpSpPr>
-          <p:grpSpPr>
+          </p:nvSpPr>
+          <p:spPr>
+            <a:xfrm rot="16200000">
+              <a:off x="5276956" y="3435773"/>
+              <a:ext cx="245575" cy="3917343"/>
+            </a:xfrm>
+            <a:prstGeom prst="rect">
+              <a:avLst/>
+            </a:prstGeom>
+            <a:solidFill>
+              <a:schemeClr val="bg1">
+                <a:lumMod val="95000"/>
+              </a:schemeClr>
+            </a:solidFill>
+            <a:ln>
+              <a:noFill/>
+            </a:ln>
+          </p:spPr>
+          <p:style>
+            <a:lnRef idx="2">
+              <a:schemeClr val="accent1">
+                <a:shade val="50000"/>
+              </a:schemeClr>
+            </a:lnRef>
+            <a:fillRef idx="1">
+              <a:schemeClr val="accent1"/>
+            </a:fillRef>
+            <a:effectRef idx="0">
+              <a:schemeClr val="accent1"/>
+            </a:effectRef>
+            <a:fontRef idx="minor">
+              <a:schemeClr val="lt1"/>
+            </a:fontRef>
+          </p:style>
+          <p:txBody>
+            <a:bodyPr rtlCol="0" anchor="ctr"/>
+            <a:lstStyle/>
+            <a:p>
+              <a:pPr algn="ctr"/>
+              <a:endParaRPr lang="pt-BR"/>
+            </a:p>
+          </p:txBody>
+        </p:sp>
+        <p:sp>
+          <p:nvSpPr>
+            <p:cNvPr id="13" name="Retângulo 12"/>
+            <p:cNvSpPr/>
+            <p:nvPr/>
+          </p:nvSpPr>
+          <p:spPr>
             <a:xfrm>
-              <a:off x="5458921" y="1370274"/>
-              <a:ext cx="502635" cy="517052"/>
-              <a:chOff x="5004048" y="3650600"/>
-              <a:chExt cx="1065520" cy="1096082"/>
+              <a:off x="3779912" y="2708920"/>
+              <a:ext cx="360040" cy="2448272"/>
             </a:xfrm>
+            <a:prstGeom prst="rect">
+              <a:avLst/>
+            </a:prstGeom>
             <a:solidFill>
-              <a:srgbClr val="CECECE"/>
+              <a:schemeClr val="bg1">
+                <a:lumMod val="95000"/>
+              </a:schemeClr>
             </a:solidFill>
-          </p:grpSpPr>
-          <p:sp>
-            <p:nvSpPr>
-              <p:cNvPr id="14" name="Retângulo 13"/>
-              <p:cNvSpPr/>
-              <p:nvPr/>
-            </p:nvSpPr>
-            <p:spPr>
-              <a:xfrm>
-                <a:off x="5004048" y="3650600"/>
-                <a:ext cx="216024" cy="1096082"/>
-              </a:xfrm>
-              <a:prstGeom prst="rect">
-                <a:avLst/>
-              </a:prstGeom>
-              <a:grpFill/>
-              <a:ln>
-                <a:noFill/>
-              </a:ln>
-            </p:spPr>
-            <p:style>
-              <a:lnRef idx="2">
-                <a:schemeClr val="accent1">
-                  <a:shade val="50000"/>
-                </a:schemeClr>
-              </a:lnRef>
-              <a:fillRef idx="1">
-                <a:schemeClr val="accent1"/>
-              </a:fillRef>
-              <a:effectRef idx="0">
-                <a:schemeClr val="accent1"/>
-              </a:effectRef>
-              <a:fontRef idx="minor">
-                <a:schemeClr val="lt1"/>
-              </a:fontRef>
-            </p:style>
-            <p:txBody>
-              <a:bodyPr rtlCol="0" anchor="ctr"/>
-              <a:lstStyle/>
-              <a:p>
-                <a:pPr algn="ctr"/>
-                <a:endParaRPr lang="pt-BR"/>
-              </a:p>
-            </p:txBody>
-          </p:sp>
-          <p:sp>
-            <p:nvSpPr>
-              <p:cNvPr id="15" name="Retângulo 14"/>
-              <p:cNvSpPr/>
-              <p:nvPr/>
-            </p:nvSpPr>
-            <p:spPr>
-              <a:xfrm>
-                <a:off x="5299466" y="4314634"/>
-                <a:ext cx="216024" cy="432048"/>
-              </a:xfrm>
-              <a:prstGeom prst="rect">
-                <a:avLst/>
-              </a:prstGeom>
-              <a:grpFill/>
-              <a:ln>
-                <a:noFill/>
-              </a:ln>
-            </p:spPr>
-            <p:style>
-              <a:lnRef idx="2">
-                <a:schemeClr val="accent1">
-                  <a:shade val="50000"/>
-                </a:schemeClr>
-              </a:lnRef>
-              <a:fillRef idx="1">
-                <a:schemeClr val="accent1"/>
-              </a:fillRef>
-              <a:effectRef idx="0">
-                <a:schemeClr val="accent1"/>
-              </a:effectRef>
-              <a:fontRef idx="minor">
-                <a:schemeClr val="lt1"/>
-              </a:fontRef>
-            </p:style>
-            <p:txBody>
-              <a:bodyPr rtlCol="0" anchor="ctr"/>
-              <a:lstStyle/>
-              <a:p>
-                <a:pPr algn="ctr"/>
-                <a:endParaRPr lang="pt-BR"/>
-              </a:p>
-            </p:txBody>
-          </p:sp>
-          <p:sp>
-            <p:nvSpPr>
-              <p:cNvPr id="17" name="Retângulo 16"/>
-              <p:cNvSpPr/>
-              <p:nvPr/>
-            </p:nvSpPr>
-            <p:spPr>
-              <a:xfrm>
-                <a:off x="5594884" y="4165745"/>
-                <a:ext cx="216024" cy="580937"/>
-              </a:xfrm>
-              <a:prstGeom prst="rect">
-                <a:avLst/>
-              </a:prstGeom>
-              <a:grpFill/>
-              <a:ln>
-                <a:noFill/>
-              </a:ln>
-            </p:spPr>
-            <p:style>
-              <a:lnRef idx="2">
-                <a:schemeClr val="accent1">
-                  <a:shade val="50000"/>
-                </a:schemeClr>
-              </a:lnRef>
-              <a:fillRef idx="1">
-                <a:schemeClr val="accent1"/>
-              </a:fillRef>
-              <a:effectRef idx="0">
-                <a:schemeClr val="accent1"/>
-              </a:effectRef>
-              <a:fontRef idx="minor">
-                <a:schemeClr val="lt1"/>
-              </a:fontRef>
-            </p:style>
-            <p:txBody>
-              <a:bodyPr rtlCol="0" anchor="ctr"/>
-              <a:lstStyle/>
-              <a:p>
-                <a:pPr algn="ctr"/>
-                <a:endParaRPr lang="pt-BR"/>
-              </a:p>
-            </p:txBody>
-          </p:sp>
-          <p:sp>
-            <p:nvSpPr>
-              <p:cNvPr id="18" name="Retângulo 17"/>
-              <p:cNvSpPr/>
-              <p:nvPr/>
-            </p:nvSpPr>
-            <p:spPr>
-              <a:xfrm>
-                <a:off x="5890302" y="3810578"/>
-                <a:ext cx="179266" cy="936104"/>
-              </a:xfrm>
-              <a:prstGeom prst="rect">
-                <a:avLst/>
-              </a:prstGeom>
-              <a:grpFill/>
-              <a:ln>
-                <a:noFill/>
-              </a:ln>
-            </p:spPr>
-            <p:style>
-              <a:lnRef idx="2">
-                <a:schemeClr val="accent1">
-                  <a:shade val="50000"/>
-                </a:schemeClr>
-              </a:lnRef>
-              <a:fillRef idx="1">
-                <a:schemeClr val="accent1"/>
-              </a:fillRef>
-              <a:effectRef idx="0">
-                <a:schemeClr val="accent1"/>
-              </a:effectRef>
-              <a:fontRef idx="minor">
-                <a:schemeClr val="lt1"/>
-              </a:fontRef>
-            </p:style>
-            <p:txBody>
-              <a:bodyPr rtlCol="0" anchor="ctr"/>
-              <a:lstStyle/>
-              <a:p>
-                <a:pPr algn="ctr"/>
-                <a:endParaRPr lang="pt-BR"/>
-              </a:p>
-            </p:txBody>
-          </p:sp>
-        </p:grpSp>
+            <a:ln>
+              <a:noFill/>
+            </a:ln>
+          </p:spPr>
+          <p:style>
+            <a:lnRef idx="2">
+              <a:schemeClr val="accent1">
+                <a:shade val="50000"/>
+              </a:schemeClr>
+            </a:lnRef>
+            <a:fillRef idx="1">
+              <a:schemeClr val="accent1"/>
+            </a:fillRef>
+            <a:effectRef idx="0">
+              <a:schemeClr val="accent1"/>
+            </a:effectRef>
+            <a:fontRef idx="minor">
+              <a:schemeClr val="lt1"/>
+            </a:fontRef>
+          </p:style>
+          <p:txBody>
+            <a:bodyPr rtlCol="0" anchor="ctr"/>
+            <a:lstStyle/>
+            <a:p>
+              <a:pPr algn="ctr"/>
+              <a:endParaRPr lang="pt-BR"/>
+            </a:p>
+          </p:txBody>
+        </p:sp>
+        <p:sp>
+          <p:nvSpPr>
+            <p:cNvPr id="69" name="Retângulo 68"/>
+            <p:cNvSpPr/>
+            <p:nvPr/>
+          </p:nvSpPr>
+          <p:spPr>
+            <a:xfrm>
+              <a:off x="4253065" y="3440754"/>
+              <a:ext cx="360040" cy="1716437"/>
+            </a:xfrm>
+            <a:prstGeom prst="rect">
+              <a:avLst/>
+            </a:prstGeom>
+            <a:solidFill>
+              <a:schemeClr val="bg1">
+                <a:lumMod val="95000"/>
+              </a:schemeClr>
+            </a:solidFill>
+            <a:ln>
+              <a:noFill/>
+            </a:ln>
+          </p:spPr>
+          <p:style>
+            <a:lnRef idx="2">
+              <a:schemeClr val="accent1">
+                <a:shade val="50000"/>
+              </a:schemeClr>
+            </a:lnRef>
+            <a:fillRef idx="1">
+              <a:schemeClr val="accent1"/>
+            </a:fillRef>
+            <a:effectRef idx="0">
+              <a:schemeClr val="accent1"/>
+            </a:effectRef>
+            <a:fontRef idx="minor">
+              <a:schemeClr val="lt1"/>
+            </a:fontRef>
+          </p:style>
+          <p:txBody>
+            <a:bodyPr rtlCol="0" anchor="ctr"/>
+            <a:lstStyle/>
+            <a:p>
+              <a:pPr algn="ctr"/>
+              <a:endParaRPr lang="pt-BR"/>
+            </a:p>
+          </p:txBody>
+        </p:sp>
+        <p:sp>
+          <p:nvSpPr>
+            <p:cNvPr id="70" name="Retângulo 69"/>
+            <p:cNvSpPr/>
+            <p:nvPr/>
+          </p:nvSpPr>
+          <p:spPr>
+            <a:xfrm>
+              <a:off x="4716016" y="2142430"/>
+              <a:ext cx="360040" cy="3014761"/>
+            </a:xfrm>
+            <a:prstGeom prst="rect">
+              <a:avLst/>
+            </a:prstGeom>
+            <a:solidFill>
+              <a:schemeClr val="bg1">
+                <a:lumMod val="95000"/>
+              </a:schemeClr>
+            </a:solidFill>
+            <a:ln>
+              <a:noFill/>
+            </a:ln>
+          </p:spPr>
+          <p:style>
+            <a:lnRef idx="2">
+              <a:schemeClr val="accent1">
+                <a:shade val="50000"/>
+              </a:schemeClr>
+            </a:lnRef>
+            <a:fillRef idx="1">
+              <a:schemeClr val="accent1"/>
+            </a:fillRef>
+            <a:effectRef idx="0">
+              <a:schemeClr val="accent1"/>
+            </a:effectRef>
+            <a:fontRef idx="minor">
+              <a:schemeClr val="lt1"/>
+            </a:fontRef>
+          </p:style>
+          <p:txBody>
+            <a:bodyPr rtlCol="0" anchor="ctr"/>
+            <a:lstStyle/>
+            <a:p>
+              <a:pPr algn="ctr"/>
+              <a:endParaRPr lang="pt-BR"/>
+            </a:p>
+          </p:txBody>
+        </p:sp>
       </p:grpSp>
       <p:sp>
         <p:nvSpPr>
-          <p:cNvPr id="25" name="CaixaDeTexto 24"/>
-          <p:cNvSpPr txBox="1"/>
+          <p:cNvPr id="72" name="Retângulo 71"/>
+          <p:cNvSpPr/>
           <p:nvPr/>
         </p:nvSpPr>
         <p:spPr>
           <a:xfrm>
-            <a:off x="3128816" y="3482439"/>
-            <a:ext cx="1555234" cy="923330"/>
+            <a:off x="717327" y="2169711"/>
+            <a:ext cx="2664296" cy="3456384"/>
           </a:xfrm>
           <a:prstGeom prst="rect">
             <a:avLst/>
           </a:prstGeom>
-          <a:noFill/>
         </p:spPr>
-        <p:txBody>
-          <a:bodyPr wrap="none" rtlCol="0">
-            <a:spAutoFit/>
-          </a:bodyPr>
+        <p:style>
+          <a:lnRef idx="2">
+            <a:schemeClr val="accent1">
+              <a:shade val="50000"/>
+            </a:schemeClr>
+          </a:lnRef>
+          <a:fillRef idx="1">
+            <a:schemeClr val="accent1"/>
+          </a:fillRef>
+          <a:effectRef idx="0">
+            <a:schemeClr val="accent1"/>
+          </a:effectRef>
+          <a:fontRef idx="minor">
+            <a:schemeClr val="lt1"/>
+          </a:fontRef>
+        </p:style>
+        <p:txBody>
+          <a:bodyPr rtlCol="0" anchor="ctr"/>
           <a:lstStyle/>
           <a:p>
-            <a:r>
-              <a:rPr lang="pt-BR" sz="5400" b="1" dirty="0" smtClean="0">
-                <a:solidFill>
-                  <a:srgbClr val="7ED905"/>
-                </a:solidFill>
-                <a:latin typeface="Reem Kufi" pitchFamily="2"/>
-              </a:rPr>
-              <a:t>30%</a:t>
-            </a:r>
-            <a:endParaRPr lang="pt-BR" sz="5400" b="1" dirty="0">
-              <a:solidFill>
-                <a:srgbClr val="7ED905"/>
-              </a:solidFill>
-              <a:latin typeface="Reem Kufi" pitchFamily="2"/>
-            </a:endParaRPr>
+            <a:pPr algn="ctr"/>
+            <a:endParaRPr lang="pt-BR"/>
+          </a:p>
+        </p:txBody>
+      </p:sp>
+      <p:sp>
+        <p:nvSpPr>
+          <p:cNvPr id="73" name="Retângulo 72"/>
+          <p:cNvSpPr/>
+          <p:nvPr/>
+        </p:nvSpPr>
+        <p:spPr>
+          <a:xfrm>
+            <a:off x="789762" y="2306515"/>
+            <a:ext cx="2519426" cy="1442581"/>
+          </a:xfrm>
+          <a:prstGeom prst="rect">
+            <a:avLst/>
+          </a:prstGeom>
+        </p:spPr>
+        <p:style>
+          <a:lnRef idx="2">
+            <a:schemeClr val="accent1">
+              <a:shade val="50000"/>
+            </a:schemeClr>
+          </a:lnRef>
+          <a:fillRef idx="1">
+            <a:schemeClr val="accent1"/>
+          </a:fillRef>
+          <a:effectRef idx="0">
+            <a:schemeClr val="accent1"/>
+          </a:effectRef>
+          <a:fontRef idx="minor">
+            <a:schemeClr val="lt1"/>
+          </a:fontRef>
+        </p:style>
+        <p:txBody>
+          <a:bodyPr rtlCol="0" anchor="ctr"/>
+          <a:lstStyle/>
+          <a:p>
+            <a:pPr algn="ctr"/>
+            <a:endParaRPr lang="pt-BR"/>
+          </a:p>
+        </p:txBody>
+      </p:sp>
+      <p:sp>
+        <p:nvSpPr>
+          <p:cNvPr id="75" name="Retângulo 74"/>
+          <p:cNvSpPr/>
+          <p:nvPr/>
+        </p:nvSpPr>
+        <p:spPr>
+          <a:xfrm>
+            <a:off x="767922" y="3994140"/>
+            <a:ext cx="2519426" cy="1442581"/>
+          </a:xfrm>
+          <a:prstGeom prst="rect">
+            <a:avLst/>
+          </a:prstGeom>
+        </p:spPr>
+        <p:style>
+          <a:lnRef idx="2">
+            <a:schemeClr val="accent1">
+              <a:shade val="50000"/>
+            </a:schemeClr>
+          </a:lnRef>
+          <a:fillRef idx="1">
+            <a:schemeClr val="accent1"/>
+          </a:fillRef>
+          <a:effectRef idx="0">
+            <a:schemeClr val="accent1"/>
+          </a:effectRef>
+          <a:fontRef idx="minor">
+            <a:schemeClr val="lt1"/>
+          </a:fontRef>
+        </p:style>
+        <p:txBody>
+          <a:bodyPr rtlCol="0" anchor="ctr"/>
+          <a:lstStyle/>
+          <a:p>
+            <a:pPr algn="ctr"/>
+            <a:endParaRPr lang="pt-BR"/>
+          </a:p>
+        </p:txBody>
+      </p:sp>
+      <p:sp>
+        <p:nvSpPr>
+          <p:cNvPr id="76" name="Retângulo 75"/>
+          <p:cNvSpPr/>
+          <p:nvPr/>
+        </p:nvSpPr>
+        <p:spPr>
+          <a:xfrm>
+            <a:off x="1387475" y="2420888"/>
+            <a:ext cx="1744365" cy="323145"/>
+          </a:xfrm>
+          <a:prstGeom prst="rect">
+            <a:avLst/>
+          </a:prstGeom>
+        </p:spPr>
+        <p:style>
+          <a:lnRef idx="2">
+            <a:schemeClr val="accent1">
+              <a:shade val="50000"/>
+            </a:schemeClr>
+          </a:lnRef>
+          <a:fillRef idx="1">
+            <a:schemeClr val="accent1"/>
+          </a:fillRef>
+          <a:effectRef idx="0">
+            <a:schemeClr val="accent1"/>
+          </a:effectRef>
+          <a:fontRef idx="minor">
+            <a:schemeClr val="lt1"/>
+          </a:fontRef>
+        </p:style>
+        <p:txBody>
+          <a:bodyPr rtlCol="0" anchor="ctr"/>
+          <a:lstStyle/>
+          <a:p>
+            <a:pPr algn="ctr"/>
+            <a:endParaRPr lang="pt-BR"/>
+          </a:p>
+        </p:txBody>
+      </p:sp>
+      <p:sp>
+        <p:nvSpPr>
+          <p:cNvPr id="77" name="Retângulo 76"/>
+          <p:cNvSpPr/>
+          <p:nvPr/>
+        </p:nvSpPr>
+        <p:spPr>
+          <a:xfrm>
+            <a:off x="899592" y="2420888"/>
+            <a:ext cx="432047" cy="323145"/>
+          </a:xfrm>
+          <a:prstGeom prst="rect">
+            <a:avLst/>
+          </a:prstGeom>
+        </p:spPr>
+        <p:style>
+          <a:lnRef idx="2">
+            <a:schemeClr val="accent1">
+              <a:shade val="50000"/>
+            </a:schemeClr>
+          </a:lnRef>
+          <a:fillRef idx="1">
+            <a:schemeClr val="accent1"/>
+          </a:fillRef>
+          <a:effectRef idx="0">
+            <a:schemeClr val="accent1"/>
+          </a:effectRef>
+          <a:fontRef idx="minor">
+            <a:schemeClr val="lt1"/>
+          </a:fontRef>
+        </p:style>
+        <p:txBody>
+          <a:bodyPr rtlCol="0" anchor="ctr"/>
+          <a:lstStyle/>
+          <a:p>
+            <a:pPr algn="ctr"/>
+            <a:endParaRPr lang="pt-BR"/>
+          </a:p>
+        </p:txBody>
+      </p:sp>
+      <p:sp>
+        <p:nvSpPr>
+          <p:cNvPr id="78" name="Retângulo 77"/>
+          <p:cNvSpPr/>
+          <p:nvPr/>
+        </p:nvSpPr>
+        <p:spPr>
+          <a:xfrm>
+            <a:off x="1387474" y="2885296"/>
+            <a:ext cx="1744365" cy="323145"/>
+          </a:xfrm>
+          <a:prstGeom prst="rect">
+            <a:avLst/>
+          </a:prstGeom>
+        </p:spPr>
+        <p:style>
+          <a:lnRef idx="2">
+            <a:schemeClr val="accent1">
+              <a:shade val="50000"/>
+            </a:schemeClr>
+          </a:lnRef>
+          <a:fillRef idx="1">
+            <a:schemeClr val="accent1"/>
+          </a:fillRef>
+          <a:effectRef idx="0">
+            <a:schemeClr val="accent1"/>
+          </a:effectRef>
+          <a:fontRef idx="minor">
+            <a:schemeClr val="lt1"/>
+          </a:fontRef>
+        </p:style>
+        <p:txBody>
+          <a:bodyPr rtlCol="0" anchor="ctr"/>
+          <a:lstStyle/>
+          <a:p>
+            <a:pPr algn="ctr"/>
+            <a:endParaRPr lang="pt-BR"/>
+          </a:p>
+        </p:txBody>
+      </p:sp>
+      <p:sp>
+        <p:nvSpPr>
+          <p:cNvPr id="79" name="Retângulo 78"/>
+          <p:cNvSpPr/>
+          <p:nvPr/>
+        </p:nvSpPr>
+        <p:spPr>
+          <a:xfrm>
+            <a:off x="899591" y="2885296"/>
+            <a:ext cx="432047" cy="323145"/>
+          </a:xfrm>
+          <a:prstGeom prst="rect">
+            <a:avLst/>
+          </a:prstGeom>
+        </p:spPr>
+        <p:style>
+          <a:lnRef idx="2">
+            <a:schemeClr val="accent1">
+              <a:shade val="50000"/>
+            </a:schemeClr>
+          </a:lnRef>
+          <a:fillRef idx="1">
+            <a:schemeClr val="accent1"/>
+          </a:fillRef>
+          <a:effectRef idx="0">
+            <a:schemeClr val="accent1"/>
+          </a:effectRef>
+          <a:fontRef idx="minor">
+            <a:schemeClr val="lt1"/>
+          </a:fontRef>
+        </p:style>
+        <p:txBody>
+          <a:bodyPr rtlCol="0" anchor="ctr"/>
+          <a:lstStyle/>
+          <a:p>
+            <a:pPr algn="ctr"/>
+            <a:endParaRPr lang="pt-BR"/>
+          </a:p>
+        </p:txBody>
+      </p:sp>
+      <p:sp>
+        <p:nvSpPr>
+          <p:cNvPr id="80" name="Retângulo 79"/>
+          <p:cNvSpPr/>
+          <p:nvPr/>
+        </p:nvSpPr>
+        <p:spPr>
+          <a:xfrm>
+            <a:off x="1387475" y="3315498"/>
+            <a:ext cx="1744365" cy="323145"/>
+          </a:xfrm>
+          <a:prstGeom prst="rect">
+            <a:avLst/>
+          </a:prstGeom>
+        </p:spPr>
+        <p:style>
+          <a:lnRef idx="2">
+            <a:schemeClr val="accent1">
+              <a:shade val="50000"/>
+            </a:schemeClr>
+          </a:lnRef>
+          <a:fillRef idx="1">
+            <a:schemeClr val="accent1"/>
+          </a:fillRef>
+          <a:effectRef idx="0">
+            <a:schemeClr val="accent1"/>
+          </a:effectRef>
+          <a:fontRef idx="minor">
+            <a:schemeClr val="lt1"/>
+          </a:fontRef>
+        </p:style>
+        <p:txBody>
+          <a:bodyPr rtlCol="0" anchor="ctr"/>
+          <a:lstStyle/>
+          <a:p>
+            <a:pPr algn="ctr"/>
+            <a:endParaRPr lang="pt-BR"/>
+          </a:p>
+        </p:txBody>
+      </p:sp>
+      <p:sp>
+        <p:nvSpPr>
+          <p:cNvPr id="81" name="Retângulo 80"/>
+          <p:cNvSpPr/>
+          <p:nvPr/>
+        </p:nvSpPr>
+        <p:spPr>
+          <a:xfrm>
+            <a:off x="899592" y="3315498"/>
+            <a:ext cx="432047" cy="323145"/>
+          </a:xfrm>
+          <a:prstGeom prst="rect">
+            <a:avLst/>
+          </a:prstGeom>
+        </p:spPr>
+        <p:style>
+          <a:lnRef idx="2">
+            <a:schemeClr val="accent1">
+              <a:shade val="50000"/>
+            </a:schemeClr>
+          </a:lnRef>
+          <a:fillRef idx="1">
+            <a:schemeClr val="accent1"/>
+          </a:fillRef>
+          <a:effectRef idx="0">
+            <a:schemeClr val="accent1"/>
+          </a:effectRef>
+          <a:fontRef idx="minor">
+            <a:schemeClr val="lt1"/>
+          </a:fontRef>
+        </p:style>
+        <p:txBody>
+          <a:bodyPr rtlCol="0" anchor="ctr"/>
+          <a:lstStyle/>
+          <a:p>
+            <a:pPr algn="ctr"/>
+            <a:endParaRPr lang="pt-BR"/>
+          </a:p>
+        </p:txBody>
+      </p:sp>
+      <p:sp>
+        <p:nvSpPr>
+          <p:cNvPr id="84" name="Retângulo 83"/>
+          <p:cNvSpPr/>
+          <p:nvPr/>
+        </p:nvSpPr>
+        <p:spPr>
+          <a:xfrm>
+            <a:off x="1448072" y="2471450"/>
+            <a:ext cx="1323727" cy="222021"/>
+          </a:xfrm>
+          <a:prstGeom prst="rect">
+            <a:avLst/>
+          </a:prstGeom>
+        </p:spPr>
+        <p:style>
+          <a:lnRef idx="2">
+            <a:schemeClr val="accent1">
+              <a:shade val="50000"/>
+            </a:schemeClr>
+          </a:lnRef>
+          <a:fillRef idx="1">
+            <a:schemeClr val="accent1"/>
+          </a:fillRef>
+          <a:effectRef idx="0">
+            <a:schemeClr val="accent1"/>
+          </a:effectRef>
+          <a:fontRef idx="minor">
+            <a:schemeClr val="lt1"/>
+          </a:fontRef>
+        </p:style>
+        <p:txBody>
+          <a:bodyPr rtlCol="0" anchor="ctr"/>
+          <a:lstStyle/>
+          <a:p>
+            <a:pPr algn="ctr"/>
+            <a:endParaRPr lang="pt-BR"/>
           </a:p>
         </p:txBody>
       </p:sp>

--- a/slide/Icons.pptx
+++ b/slide/Icons.pptx
@@ -111,7 +111,7 @@
   </p:defaultTextStyle>
   <p:extLst>
     <p:ext uri="{EFAFB233-063F-42B5-8137-9DF3F51BA10A}">
-      <p15:sldGuideLst xmlns="" xmlns:p15="http://schemas.microsoft.com/office/powerpoint/2012/main">
+      <p15:sldGuideLst xmlns:p15="http://schemas.microsoft.com/office/powerpoint/2012/main" xmlns="">
         <p15:guide id="1" orient="horz" pos="2160">
           <p15:clr>
             <a:srgbClr val="A4A3A4"/>
@@ -5085,7 +5085,7 @@
           <p:cNvPr id="42" name="Agrupar 9">
             <a:extLst>
               <a:ext uri="{FF2B5EF4-FFF2-40B4-BE49-F238E27FC236}">
-                <a16:creationId xmlns="" xmlns:a16="http://schemas.microsoft.com/office/drawing/2014/main" id="{CED1955D-3D0B-487D-AA3A-3B4047A0210A}"/>
+                <a16:creationId xmlns:a16="http://schemas.microsoft.com/office/drawing/2014/main" xmlns="" id="{CED1955D-3D0B-487D-AA3A-3B4047A0210A}"/>
               </a:ext>
             </a:extLst>
           </p:cNvPr>
@@ -5105,7 +5105,7 @@
             <p:cNvPr id="43" name="Imagem 42" descr="Uma imagem contendo objeto&#10;&#10;Descrição gerada automaticamente">
               <a:extLst>
                 <a:ext uri="{FF2B5EF4-FFF2-40B4-BE49-F238E27FC236}">
-                  <a16:creationId xmlns="" xmlns:a16="http://schemas.microsoft.com/office/drawing/2014/main" id="{1B9BA244-B9AA-4917-B819-488CA49DB1E2}"/>
+                  <a16:creationId xmlns:a16="http://schemas.microsoft.com/office/drawing/2014/main" xmlns="" id="{1B9BA244-B9AA-4917-B819-488CA49DB1E2}"/>
                 </a:ext>
               </a:extLst>
             </p:cNvPr>
@@ -5151,7 +5151,7 @@
             <p:cNvPr id="44" name="Gráfico 8" descr="Folha">
               <a:extLst>
                 <a:ext uri="{FF2B5EF4-FFF2-40B4-BE49-F238E27FC236}">
-                  <a16:creationId xmlns="" xmlns:a16="http://schemas.microsoft.com/office/drawing/2014/main" id="{D7B239DE-0B7B-4BDF-93B8-A09B4D198DF4}"/>
+                  <a16:creationId xmlns:a16="http://schemas.microsoft.com/office/drawing/2014/main" xmlns="" id="{D7B239DE-0B7B-4BDF-93B8-A09B4D198DF4}"/>
                 </a:ext>
               </a:extLst>
             </p:cNvPr>
@@ -5167,7 +5167,7 @@
                   <a14:useLocalDpi xmlns:a14="http://schemas.microsoft.com/office/drawing/2010/main" val="0"/>
                 </a:ext>
                 <a:ext uri="{96DAC541-7B7A-43D3-8B79-37D633B846F1}">
-                  <asvg:svgBlip xmlns="" xmlns:asvg="http://schemas.microsoft.com/office/drawing/2016/SVG/main" r:embed="rId6"/>
+                  <asvg:svgBlip xmlns:asvg="http://schemas.microsoft.com/office/drawing/2016/SVG/main" xmlns="" r:embed="rId6"/>
                 </a:ext>
               </a:extLst>
             </a:blip>
@@ -5934,7 +5934,7 @@
           <p:cNvPr id="51" name="Agrupar 50">
             <a:extLst>
               <a:ext uri="{FF2B5EF4-FFF2-40B4-BE49-F238E27FC236}">
-                <a16:creationId xmlns="" xmlns:a16="http://schemas.microsoft.com/office/drawing/2014/main" id="{E11808A1-955C-4671-B8F9-A31BFC222774}"/>
+                <a16:creationId xmlns:a16="http://schemas.microsoft.com/office/drawing/2014/main" xmlns="" id="{E11808A1-955C-4671-B8F9-A31BFC222774}"/>
               </a:ext>
             </a:extLst>
           </p:cNvPr>
@@ -5954,7 +5954,7 @@
             <p:cNvPr id="52" name="Retângulo: Cantos Arredondados 51">
               <a:extLst>
                 <a:ext uri="{FF2B5EF4-FFF2-40B4-BE49-F238E27FC236}">
-                  <a16:creationId xmlns="" xmlns:a16="http://schemas.microsoft.com/office/drawing/2014/main" id="{E1981BA5-41E8-4A49-8859-78017A0C02AA}"/>
+                  <a16:creationId xmlns:a16="http://schemas.microsoft.com/office/drawing/2014/main" xmlns="" id="{E1981BA5-41E8-4A49-8859-78017A0C02AA}"/>
                 </a:ext>
               </a:extLst>
             </p:cNvPr>
@@ -6107,7 +6107,7 @@
             <p:cNvPr id="53" name="Retângulo: Cantos Arredondados 52">
               <a:extLst>
                 <a:ext uri="{FF2B5EF4-FFF2-40B4-BE49-F238E27FC236}">
-                  <a16:creationId xmlns="" xmlns:a16="http://schemas.microsoft.com/office/drawing/2014/main" id="{132FC1CA-61D9-4900-848D-2E69FA7CD7A7}"/>
+                  <a16:creationId xmlns:a16="http://schemas.microsoft.com/office/drawing/2014/main" xmlns="" id="{132FC1CA-61D9-4900-848D-2E69FA7CD7A7}"/>
                 </a:ext>
               </a:extLst>
             </p:cNvPr>
@@ -6260,7 +6260,7 @@
             <p:cNvPr id="54" name="Retângulo: Cantos Arredondados 53">
               <a:extLst>
                 <a:ext uri="{FF2B5EF4-FFF2-40B4-BE49-F238E27FC236}">
-                  <a16:creationId xmlns="" xmlns:a16="http://schemas.microsoft.com/office/drawing/2014/main" id="{C4D5C295-6F85-4F06-AD4F-7751CB901D98}"/>
+                  <a16:creationId xmlns:a16="http://schemas.microsoft.com/office/drawing/2014/main" xmlns="" id="{C4D5C295-6F85-4F06-AD4F-7751CB901D98}"/>
                 </a:ext>
               </a:extLst>
             </p:cNvPr>
@@ -6413,7 +6413,7 @@
             <p:cNvPr id="55" name="Forma Livre: Forma 54">
               <a:extLst>
                 <a:ext uri="{FF2B5EF4-FFF2-40B4-BE49-F238E27FC236}">
-                  <a16:creationId xmlns="" xmlns:a16="http://schemas.microsoft.com/office/drawing/2014/main" id="{62AD9654-DF2E-421E-A21D-3CB31EE7AEC9}"/>
+                  <a16:creationId xmlns:a16="http://schemas.microsoft.com/office/drawing/2014/main" xmlns="" id="{62AD9654-DF2E-421E-A21D-3CB31EE7AEC9}"/>
                 </a:ext>
               </a:extLst>
             </p:cNvPr>
@@ -6620,7 +6620,7 @@
           <p:cNvPr id="21" name="Agrupar 20">
             <a:extLst>
               <a:ext uri="{FF2B5EF4-FFF2-40B4-BE49-F238E27FC236}">
-                <a16:creationId xmlns="" xmlns:a16="http://schemas.microsoft.com/office/drawing/2014/main" id="{742FF697-D3D0-4C6E-A5C8-5AB51DA82FD5}"/>
+                <a16:creationId xmlns:a16="http://schemas.microsoft.com/office/drawing/2014/main" xmlns="" id="{742FF697-D3D0-4C6E-A5C8-5AB51DA82FD5}"/>
               </a:ext>
             </a:extLst>
           </p:cNvPr>
@@ -6640,7 +6640,7 @@
             <p:cNvPr id="20" name="Balão de Fala: Retângulo com Cantos Arredondados 19">
               <a:extLst>
                 <a:ext uri="{FF2B5EF4-FFF2-40B4-BE49-F238E27FC236}">
-                  <a16:creationId xmlns="" xmlns:a16="http://schemas.microsoft.com/office/drawing/2014/main" id="{AA0138DD-E1F7-4726-B5A6-47C288CE6E6A}"/>
+                  <a16:creationId xmlns:a16="http://schemas.microsoft.com/office/drawing/2014/main" xmlns="" id="{AA0138DD-E1F7-4726-B5A6-47C288CE6E6A}"/>
                 </a:ext>
               </a:extLst>
             </p:cNvPr>
@@ -6696,7 +6696,7 @@
             <p:cNvPr id="65" name="Elipse 64">
               <a:extLst>
                 <a:ext uri="{FF2B5EF4-FFF2-40B4-BE49-F238E27FC236}">
-                  <a16:creationId xmlns="" xmlns:a16="http://schemas.microsoft.com/office/drawing/2014/main" id="{2D887CE5-AF78-48D7-81B1-39041528C393}"/>
+                  <a16:creationId xmlns:a16="http://schemas.microsoft.com/office/drawing/2014/main" xmlns="" id="{2D887CE5-AF78-48D7-81B1-39041528C393}"/>
                 </a:ext>
               </a:extLst>
             </p:cNvPr>
@@ -6748,7 +6748,7 @@
             <p:cNvPr id="66" name="Elipse 65">
               <a:extLst>
                 <a:ext uri="{FF2B5EF4-FFF2-40B4-BE49-F238E27FC236}">
-                  <a16:creationId xmlns="" xmlns:a16="http://schemas.microsoft.com/office/drawing/2014/main" id="{E5D2C947-B154-4AD5-B4A9-13A15AFD7A8D}"/>
+                  <a16:creationId xmlns:a16="http://schemas.microsoft.com/office/drawing/2014/main" xmlns="" id="{E5D2C947-B154-4AD5-B4A9-13A15AFD7A8D}"/>
                 </a:ext>
               </a:extLst>
             </p:cNvPr>
@@ -6800,7 +6800,7 @@
             <p:cNvPr id="67" name="Elipse 66">
               <a:extLst>
                 <a:ext uri="{FF2B5EF4-FFF2-40B4-BE49-F238E27FC236}">
-                  <a16:creationId xmlns="" xmlns:a16="http://schemas.microsoft.com/office/drawing/2014/main" id="{5F7F820C-DF66-4663-B1E1-E200E8F489FE}"/>
+                  <a16:creationId xmlns:a16="http://schemas.microsoft.com/office/drawing/2014/main" xmlns="" id="{5F7F820C-DF66-4663-B1E1-E200E8F489FE}"/>
                 </a:ext>
               </a:extLst>
             </p:cNvPr>
@@ -6853,7 +6853,7 @@
           <p:cNvPr id="86" name="Agrupar 85">
             <a:extLst>
               <a:ext uri="{FF2B5EF4-FFF2-40B4-BE49-F238E27FC236}">
-                <a16:creationId xmlns="" xmlns:a16="http://schemas.microsoft.com/office/drawing/2014/main" id="{731157D7-3F7B-494D-A876-4E1B0923940C}"/>
+                <a16:creationId xmlns:a16="http://schemas.microsoft.com/office/drawing/2014/main" xmlns="" id="{731157D7-3F7B-494D-A876-4E1B0923940C}"/>
               </a:ext>
             </a:extLst>
           </p:cNvPr>
@@ -6873,7 +6873,7 @@
             <p:cNvPr id="83" name="Forma Livre: Forma 82">
               <a:extLst>
                 <a:ext uri="{FF2B5EF4-FFF2-40B4-BE49-F238E27FC236}">
-                  <a16:creationId xmlns="" xmlns:a16="http://schemas.microsoft.com/office/drawing/2014/main" id="{8C6FF509-5334-4779-858A-CBA417C36708}"/>
+                  <a16:creationId xmlns:a16="http://schemas.microsoft.com/office/drawing/2014/main" xmlns="" id="{8C6FF509-5334-4779-858A-CBA417C36708}"/>
                 </a:ext>
               </a:extLst>
             </p:cNvPr>
@@ -7026,7 +7026,7 @@
             <p:cNvPr id="84" name="Agrupar 83">
               <a:extLst>
                 <a:ext uri="{FF2B5EF4-FFF2-40B4-BE49-F238E27FC236}">
-                  <a16:creationId xmlns="" xmlns:a16="http://schemas.microsoft.com/office/drawing/2014/main" id="{67688334-9D02-4298-8525-206660E1862D}"/>
+                  <a16:creationId xmlns:a16="http://schemas.microsoft.com/office/drawing/2014/main" xmlns="" id="{67688334-9D02-4298-8525-206660E1862D}"/>
                 </a:ext>
               </a:extLst>
             </p:cNvPr>
@@ -7046,7 +7046,7 @@
               <p:cNvPr id="85" name="Forma Livre: Forma 84">
                 <a:extLst>
                   <a:ext uri="{FF2B5EF4-FFF2-40B4-BE49-F238E27FC236}">
-                    <a16:creationId xmlns="" xmlns:a16="http://schemas.microsoft.com/office/drawing/2014/main" id="{E857EC4A-79A6-4FBC-ADA5-4737D96C5E20}"/>
+                    <a16:creationId xmlns:a16="http://schemas.microsoft.com/office/drawing/2014/main" xmlns="" id="{E857EC4A-79A6-4FBC-ADA5-4737D96C5E20}"/>
                   </a:ext>
                 </a:extLst>
               </p:cNvPr>
@@ -7143,7 +7143,7 @@
               <p:cNvPr id="74" name="Elipse 73">
                 <a:extLst>
                   <a:ext uri="{FF2B5EF4-FFF2-40B4-BE49-F238E27FC236}">
-                    <a16:creationId xmlns="" xmlns:a16="http://schemas.microsoft.com/office/drawing/2014/main" id="{39879178-4A4B-49AA-B47C-DCEE30D0375B}"/>
+                    <a16:creationId xmlns:a16="http://schemas.microsoft.com/office/drawing/2014/main" xmlns="" id="{39879178-4A4B-49AA-B47C-DCEE30D0375B}"/>
                   </a:ext>
                 </a:extLst>
               </p:cNvPr>
@@ -7195,7 +7195,7 @@
               <p:cNvPr id="75" name="Retângulo 74">
                 <a:extLst>
                   <a:ext uri="{FF2B5EF4-FFF2-40B4-BE49-F238E27FC236}">
-                    <a16:creationId xmlns="" xmlns:a16="http://schemas.microsoft.com/office/drawing/2014/main" id="{B131F4CB-B08E-4E9F-917D-5578F7DA570E}"/>
+                    <a16:creationId xmlns:a16="http://schemas.microsoft.com/office/drawing/2014/main" xmlns="" id="{B131F4CB-B08E-4E9F-917D-5578F7DA570E}"/>
                   </a:ext>
                 </a:extLst>
               </p:cNvPr>
@@ -7286,7 +7286,7 @@
           <p:cNvPr id="3" name="Imagem 2" descr="Uma imagem contendo brinquedo, gráficos vetoriais&#10;&#10;Descrição gerada automaticamente">
             <a:extLst>
               <a:ext uri="{FF2B5EF4-FFF2-40B4-BE49-F238E27FC236}">
-                <a16:creationId xmlns="" xmlns:a16="http://schemas.microsoft.com/office/drawing/2014/main" id="{D62FA05A-5510-46A9-B25F-40C0074A1B04}"/>
+                <a16:creationId xmlns:a16="http://schemas.microsoft.com/office/drawing/2014/main" xmlns="" id="{D62FA05A-5510-46A9-B25F-40C0074A1B04}"/>
               </a:ext>
             </a:extLst>
           </p:cNvPr>
@@ -8324,12 +8324,20 @@
         </p:nvSpPr>
         <p:spPr>
           <a:xfrm>
-            <a:off x="1387475" y="2420888"/>
+            <a:off x="1387473" y="2420888"/>
             <a:ext cx="1744365" cy="323145"/>
           </a:xfrm>
           <a:prstGeom prst="rect">
             <a:avLst/>
           </a:prstGeom>
+          <a:solidFill>
+            <a:srgbClr val="FF0000"/>
+          </a:solidFill>
+          <a:ln>
+            <a:solidFill>
+              <a:srgbClr val="8AED05"/>
+            </a:solidFill>
+          </a:ln>
         </p:spPr>
         <p:style>
           <a:lnRef idx="2">
@@ -8352,7 +8360,11 @@
           <a:lstStyle/>
           <a:p>
             <a:pPr algn="ctr"/>
-            <a:endParaRPr lang="pt-BR"/>
+            <a:r>
+              <a:rPr lang="pt-BR" dirty="0" smtClean="0"/>
+              <a:t>z</a:t>
+            </a:r>
+            <a:endParaRPr lang="pt-BR" dirty="0"/>
           </a:p>
         </p:txBody>
       </p:sp>

--- a/slide/Icons.pptx
+++ b/slide/Icons.pptx
@@ -111,7 +111,7 @@
   </p:defaultTextStyle>
   <p:extLst>
     <p:ext uri="{EFAFB233-063F-42B5-8137-9DF3F51BA10A}">
-      <p15:sldGuideLst xmlns:p15="http://schemas.microsoft.com/office/powerpoint/2012/main" xmlns="">
+      <p15:sldGuideLst xmlns="" xmlns:p15="http://schemas.microsoft.com/office/powerpoint/2012/main">
         <p15:guide id="1" orient="horz" pos="2160">
           <p15:clr>
             <a:srgbClr val="A4A3A4"/>
@@ -210,7 +210,7 @@
           <a:p>
             <a:fld id="{8C69D028-04FB-4CAD-A94B-4DBC502A77F9}" type="datetimeFigureOut">
               <a:rPr lang="pt-BR" smtClean="0"/>
-              <a:t>24/04/2019</a:t>
+              <a:t>22/05/2019</a:t>
             </a:fld>
             <a:endParaRPr lang="pt-BR"/>
           </a:p>
@@ -740,7 +740,7 @@
           <a:p>
             <a:fld id="{0D12B9E4-E3E1-48A3-A42F-75EB1CD8D0EF}" type="datetimeFigureOut">
               <a:rPr lang="pt-BR" smtClean="0"/>
-              <a:t>24/04/2019</a:t>
+              <a:t>22/05/2019</a:t>
             </a:fld>
             <a:endParaRPr lang="pt-BR"/>
           </a:p>
@@ -908,7 +908,7 @@
           <a:p>
             <a:fld id="{0D12B9E4-E3E1-48A3-A42F-75EB1CD8D0EF}" type="datetimeFigureOut">
               <a:rPr lang="pt-BR" smtClean="0"/>
-              <a:t>24/04/2019</a:t>
+              <a:t>22/05/2019</a:t>
             </a:fld>
             <a:endParaRPr lang="pt-BR"/>
           </a:p>
@@ -1086,7 +1086,7 @@
           <a:p>
             <a:fld id="{0D12B9E4-E3E1-48A3-A42F-75EB1CD8D0EF}" type="datetimeFigureOut">
               <a:rPr lang="pt-BR" smtClean="0"/>
-              <a:t>24/04/2019</a:t>
+              <a:t>22/05/2019</a:t>
             </a:fld>
             <a:endParaRPr lang="pt-BR"/>
           </a:p>
@@ -1254,7 +1254,7 @@
           <a:p>
             <a:fld id="{0D12B9E4-E3E1-48A3-A42F-75EB1CD8D0EF}" type="datetimeFigureOut">
               <a:rPr lang="pt-BR" smtClean="0"/>
-              <a:t>24/04/2019</a:t>
+              <a:t>22/05/2019</a:t>
             </a:fld>
             <a:endParaRPr lang="pt-BR"/>
           </a:p>
@@ -1499,7 +1499,7 @@
           <a:p>
             <a:fld id="{0D12B9E4-E3E1-48A3-A42F-75EB1CD8D0EF}" type="datetimeFigureOut">
               <a:rPr lang="pt-BR" smtClean="0"/>
-              <a:t>24/04/2019</a:t>
+              <a:t>22/05/2019</a:t>
             </a:fld>
             <a:endParaRPr lang="pt-BR"/>
           </a:p>
@@ -1784,7 +1784,7 @@
           <a:p>
             <a:fld id="{0D12B9E4-E3E1-48A3-A42F-75EB1CD8D0EF}" type="datetimeFigureOut">
               <a:rPr lang="pt-BR" smtClean="0"/>
-              <a:t>24/04/2019</a:t>
+              <a:t>22/05/2019</a:t>
             </a:fld>
             <a:endParaRPr lang="pt-BR"/>
           </a:p>
@@ -2203,7 +2203,7 @@
           <a:p>
             <a:fld id="{0D12B9E4-E3E1-48A3-A42F-75EB1CD8D0EF}" type="datetimeFigureOut">
               <a:rPr lang="pt-BR" smtClean="0"/>
-              <a:t>24/04/2019</a:t>
+              <a:t>22/05/2019</a:t>
             </a:fld>
             <a:endParaRPr lang="pt-BR"/>
           </a:p>
@@ -2320,7 +2320,7 @@
           <a:p>
             <a:fld id="{0D12B9E4-E3E1-48A3-A42F-75EB1CD8D0EF}" type="datetimeFigureOut">
               <a:rPr lang="pt-BR" smtClean="0"/>
-              <a:t>24/04/2019</a:t>
+              <a:t>22/05/2019</a:t>
             </a:fld>
             <a:endParaRPr lang="pt-BR"/>
           </a:p>
@@ -2415,7 +2415,7 @@
           <a:p>
             <a:fld id="{0D12B9E4-E3E1-48A3-A42F-75EB1CD8D0EF}" type="datetimeFigureOut">
               <a:rPr lang="pt-BR" smtClean="0"/>
-              <a:t>24/04/2019</a:t>
+              <a:t>22/05/2019</a:t>
             </a:fld>
             <a:endParaRPr lang="pt-BR"/>
           </a:p>
@@ -2690,7 +2690,7 @@
           <a:p>
             <a:fld id="{0D12B9E4-E3E1-48A3-A42F-75EB1CD8D0EF}" type="datetimeFigureOut">
               <a:rPr lang="pt-BR" smtClean="0"/>
-              <a:t>24/04/2019</a:t>
+              <a:t>22/05/2019</a:t>
             </a:fld>
             <a:endParaRPr lang="pt-BR"/>
           </a:p>
@@ -2942,7 +2942,7 @@
           <a:p>
             <a:fld id="{0D12B9E4-E3E1-48A3-A42F-75EB1CD8D0EF}" type="datetimeFigureOut">
               <a:rPr lang="pt-BR" smtClean="0"/>
-              <a:t>24/04/2019</a:t>
+              <a:t>22/05/2019</a:t>
             </a:fld>
             <a:endParaRPr lang="pt-BR"/>
           </a:p>
@@ -3153,7 +3153,7 @@
           <a:p>
             <a:fld id="{0D12B9E4-E3E1-48A3-A42F-75EB1CD8D0EF}" type="datetimeFigureOut">
               <a:rPr lang="pt-BR" smtClean="0"/>
-              <a:t>24/04/2019</a:t>
+              <a:t>22/05/2019</a:t>
             </a:fld>
             <a:endParaRPr lang="pt-BR"/>
           </a:p>
@@ -4015,352 +4015,6 @@
           <a:chExt cx="0" cy="0"/>
         </a:xfrm>
       </p:grpSpPr>
-      <p:grpSp>
-        <p:nvGrpSpPr>
-          <p:cNvPr id="11" name="Grupo 10"/>
-          <p:cNvGrpSpPr/>
-          <p:nvPr/>
-        </p:nvGrpSpPr>
-        <p:grpSpPr>
-          <a:xfrm>
-            <a:off x="901337" y="212161"/>
-            <a:ext cx="716179" cy="823194"/>
-            <a:chOff x="3005826" y="1484784"/>
-            <a:chExt cx="3132348" cy="3600400"/>
-          </a:xfrm>
-        </p:grpSpPr>
-        <p:sp>
-          <p:nvSpPr>
-            <p:cNvPr id="8" name="Elipse 7"/>
-            <p:cNvSpPr/>
-            <p:nvPr/>
-          </p:nvSpPr>
-          <p:spPr>
-            <a:xfrm>
-              <a:off x="4031940" y="4005064"/>
-              <a:ext cx="1080120" cy="1080120"/>
-            </a:xfrm>
-            <a:prstGeom prst="ellipse">
-              <a:avLst/>
-            </a:prstGeom>
-            <a:solidFill>
-              <a:srgbClr val="FFA401"/>
-            </a:solidFill>
-            <a:ln>
-              <a:noFill/>
-            </a:ln>
-          </p:spPr>
-          <p:style>
-            <a:lnRef idx="2">
-              <a:schemeClr val="accent1">
-                <a:shade val="50000"/>
-              </a:schemeClr>
-            </a:lnRef>
-            <a:fillRef idx="1">
-              <a:schemeClr val="accent1"/>
-            </a:fillRef>
-            <a:effectRef idx="0">
-              <a:schemeClr val="accent1"/>
-            </a:effectRef>
-            <a:fontRef idx="minor">
-              <a:schemeClr val="lt1"/>
-            </a:fontRef>
-          </p:style>
-          <p:txBody>
-            <a:bodyPr rtlCol="0" anchor="ctr"/>
-            <a:lstStyle/>
-            <a:p>
-              <a:pPr algn="ctr"/>
-              <a:endParaRPr lang="pt-BR"/>
-            </a:p>
-          </p:txBody>
-        </p:sp>
-        <p:sp>
-          <p:nvSpPr>
-            <p:cNvPr id="6" name="Retângulo de cantos arredondados 5"/>
-            <p:cNvSpPr/>
-            <p:nvPr/>
-          </p:nvSpPr>
-          <p:spPr>
-            <a:xfrm>
-              <a:off x="4247964" y="1484784"/>
-              <a:ext cx="648072" cy="850595"/>
-            </a:xfrm>
-            <a:prstGeom prst="roundRect">
-              <a:avLst>
-                <a:gd name="adj" fmla="val 50000"/>
-              </a:avLst>
-            </a:prstGeom>
-            <a:solidFill>
-              <a:schemeClr val="bg1">
-                <a:lumMod val="75000"/>
-              </a:schemeClr>
-            </a:solidFill>
-            <a:ln>
-              <a:noFill/>
-            </a:ln>
-          </p:spPr>
-          <p:style>
-            <a:lnRef idx="2">
-              <a:schemeClr val="accent1">
-                <a:shade val="50000"/>
-              </a:schemeClr>
-            </a:lnRef>
-            <a:fillRef idx="1">
-              <a:schemeClr val="accent1"/>
-            </a:fillRef>
-            <a:effectRef idx="0">
-              <a:schemeClr val="accent1"/>
-            </a:effectRef>
-            <a:fontRef idx="minor">
-              <a:schemeClr val="lt1"/>
-            </a:fontRef>
-          </p:style>
-          <p:txBody>
-            <a:bodyPr rtlCol="0" anchor="ctr"/>
-            <a:lstStyle/>
-            <a:p>
-              <a:pPr algn="ctr"/>
-              <a:endParaRPr lang="pt-BR"/>
-            </a:p>
-          </p:txBody>
-        </p:sp>
-        <p:sp>
-          <p:nvSpPr>
-            <p:cNvPr id="5" name="Retângulo de cantos arredondados 4"/>
-            <p:cNvSpPr/>
-            <p:nvPr/>
-          </p:nvSpPr>
-          <p:spPr>
-            <a:xfrm>
-              <a:off x="3419872" y="1772816"/>
-              <a:ext cx="2304256" cy="2772308"/>
-            </a:xfrm>
-            <a:custGeom>
-              <a:avLst/>
-              <a:gdLst/>
-              <a:ahLst/>
-              <a:cxnLst/>
-              <a:rect l="l" t="t" r="r" b="b"/>
-              <a:pathLst>
-                <a:path w="2304256" h="2772308">
-                  <a:moveTo>
-                    <a:pt x="1152128" y="0"/>
-                  </a:moveTo>
-                  <a:cubicBezTo>
-                    <a:pt x="1788431" y="0"/>
-                    <a:pt x="2304256" y="515825"/>
-                    <a:pt x="2304256" y="1152128"/>
-                  </a:cubicBezTo>
-                  <a:lnTo>
-                    <a:pt x="2304256" y="1872208"/>
-                  </a:lnTo>
-                  <a:cubicBezTo>
-                    <a:pt x="2304256" y="2236762"/>
-                    <a:pt x="2134940" y="2561771"/>
-                    <a:pt x="1870196" y="2772308"/>
-                  </a:cubicBezTo>
-                  <a:lnTo>
-                    <a:pt x="434061" y="2772308"/>
-                  </a:lnTo>
-                  <a:cubicBezTo>
-                    <a:pt x="169317" y="2561771"/>
-                    <a:pt x="0" y="2236762"/>
-                    <a:pt x="0" y="1872208"/>
-                  </a:cubicBezTo>
-                  <a:lnTo>
-                    <a:pt x="0" y="1152128"/>
-                  </a:lnTo>
-                  <a:cubicBezTo>
-                    <a:pt x="0" y="515825"/>
-                    <a:pt x="515825" y="0"/>
-                    <a:pt x="1152128" y="0"/>
-                  </a:cubicBezTo>
-                  <a:close/>
-                </a:path>
-              </a:pathLst>
-            </a:custGeom>
-            <a:solidFill>
-              <a:srgbClr val="FFB52F"/>
-            </a:solidFill>
-            <a:ln>
-              <a:noFill/>
-            </a:ln>
-          </p:spPr>
-          <p:style>
-            <a:lnRef idx="2">
-              <a:schemeClr val="accent1">
-                <a:shade val="50000"/>
-              </a:schemeClr>
-            </a:lnRef>
-            <a:fillRef idx="1">
-              <a:schemeClr val="accent1"/>
-            </a:fillRef>
-            <a:effectRef idx="0">
-              <a:schemeClr val="accent1"/>
-            </a:effectRef>
-            <a:fontRef idx="minor">
-              <a:schemeClr val="lt1"/>
-            </a:fontRef>
-          </p:style>
-          <p:txBody>
-            <a:bodyPr rtlCol="0" anchor="ctr"/>
-            <a:lstStyle/>
-            <a:p>
-              <a:pPr algn="ctr"/>
-              <a:endParaRPr lang="pt-BR"/>
-            </a:p>
-          </p:txBody>
-        </p:sp>
-        <p:sp>
-          <p:nvSpPr>
-            <p:cNvPr id="7" name="Triângulo isósceles 6"/>
-            <p:cNvSpPr/>
-            <p:nvPr/>
-          </p:nvSpPr>
-          <p:spPr>
-            <a:xfrm>
-              <a:off x="3005826" y="1916832"/>
-              <a:ext cx="3132348" cy="2700300"/>
-            </a:xfrm>
-            <a:prstGeom prst="triangle">
-              <a:avLst/>
-            </a:prstGeom>
-            <a:solidFill>
-              <a:srgbClr val="FFB52F"/>
-            </a:solidFill>
-            <a:ln>
-              <a:noFill/>
-            </a:ln>
-          </p:spPr>
-          <p:style>
-            <a:lnRef idx="2">
-              <a:schemeClr val="accent1">
-                <a:shade val="50000"/>
-              </a:schemeClr>
-            </a:lnRef>
-            <a:fillRef idx="1">
-              <a:schemeClr val="accent1"/>
-            </a:fillRef>
-            <a:effectRef idx="0">
-              <a:schemeClr val="accent1"/>
-            </a:effectRef>
-            <a:fontRef idx="minor">
-              <a:schemeClr val="lt1"/>
-            </a:fontRef>
-          </p:style>
-          <p:txBody>
-            <a:bodyPr rtlCol="0" anchor="ctr"/>
-            <a:lstStyle/>
-            <a:p>
-              <a:pPr algn="ctr"/>
-              <a:endParaRPr lang="pt-BR"/>
-            </a:p>
-          </p:txBody>
-        </p:sp>
-        <p:sp>
-          <p:nvSpPr>
-            <p:cNvPr id="9" name="Retângulo de cantos arredondados 8"/>
-            <p:cNvSpPr/>
-            <p:nvPr/>
-          </p:nvSpPr>
-          <p:spPr>
-            <a:xfrm>
-              <a:off x="5086931" y="2553207"/>
-              <a:ext cx="358440" cy="1008112"/>
-            </a:xfrm>
-            <a:prstGeom prst="roundRect">
-              <a:avLst>
-                <a:gd name="adj" fmla="val 50000"/>
-              </a:avLst>
-            </a:prstGeom>
-            <a:solidFill>
-              <a:srgbClr val="F1EBA1"/>
-            </a:solidFill>
-            <a:ln>
-              <a:noFill/>
-            </a:ln>
-          </p:spPr>
-          <p:style>
-            <a:lnRef idx="2">
-              <a:schemeClr val="accent1">
-                <a:shade val="50000"/>
-              </a:schemeClr>
-            </a:lnRef>
-            <a:fillRef idx="1">
-              <a:schemeClr val="accent1"/>
-            </a:fillRef>
-            <a:effectRef idx="0">
-              <a:schemeClr val="accent1"/>
-            </a:effectRef>
-            <a:fontRef idx="minor">
-              <a:schemeClr val="lt1"/>
-            </a:fontRef>
-          </p:style>
-          <p:txBody>
-            <a:bodyPr rtlCol="0" anchor="ctr"/>
-            <a:lstStyle/>
-            <a:p>
-              <a:pPr algn="ctr"/>
-              <a:endParaRPr lang="pt-BR"/>
-            </a:p>
-          </p:txBody>
-        </p:sp>
-      </p:grpSp>
-      <p:sp>
-        <p:nvSpPr>
-          <p:cNvPr id="12" name="Estrela de 5 pontas 11"/>
-          <p:cNvSpPr/>
-          <p:nvPr/>
-        </p:nvSpPr>
-        <p:spPr>
-          <a:xfrm>
-            <a:off x="815948" y="1246244"/>
-            <a:ext cx="738782" cy="738782"/>
-          </a:xfrm>
-          <a:prstGeom prst="star5">
-            <a:avLst>
-              <a:gd name="adj" fmla="val 18934"/>
-              <a:gd name="hf" fmla="val 105146"/>
-              <a:gd name="vf" fmla="val 110557"/>
-            </a:avLst>
-          </a:prstGeom>
-          <a:solidFill>
-            <a:srgbClr val="F6E612"/>
-          </a:solidFill>
-          <a:ln w="28575">
-            <a:noFill/>
-          </a:ln>
-          <a:effectLst/>
-        </p:spPr>
-        <p:style>
-          <a:lnRef idx="2">
-            <a:schemeClr val="accent1">
-              <a:shade val="50000"/>
-            </a:schemeClr>
-          </a:lnRef>
-          <a:fillRef idx="1">
-            <a:schemeClr val="accent1"/>
-          </a:fillRef>
-          <a:effectRef idx="0">
-            <a:schemeClr val="accent1"/>
-          </a:effectRef>
-          <a:fontRef idx="minor">
-            <a:schemeClr val="lt1"/>
-          </a:fontRef>
-        </p:style>
-        <p:txBody>
-          <a:bodyPr rtlCol="0" anchor="ctr"/>
-          <a:lstStyle/>
-          <a:p>
-            <a:pPr algn="ctr"/>
-            <a:r>
-              <a:rPr lang="pt-BR" u="sng" dirty="0"/>
-              <a:t> </a:t>
-            </a:r>
-          </a:p>
-        </p:txBody>
-      </p:sp>
       <p:grpSp>
         <p:nvGrpSpPr>
           <p:cNvPr id="24" name="Grupo 23"/>
@@ -5085,7 +4739,7 @@
           <p:cNvPr id="42" name="Agrupar 9">
             <a:extLst>
               <a:ext uri="{FF2B5EF4-FFF2-40B4-BE49-F238E27FC236}">
-                <a16:creationId xmlns:a16="http://schemas.microsoft.com/office/drawing/2014/main" xmlns="" id="{CED1955D-3D0B-487D-AA3A-3B4047A0210A}"/>
+                <a16:creationId xmlns="" xmlns:a16="http://schemas.microsoft.com/office/drawing/2014/main" id="{CED1955D-3D0B-487D-AA3A-3B4047A0210A}"/>
               </a:ext>
             </a:extLst>
           </p:cNvPr>
@@ -5105,7 +4759,7 @@
             <p:cNvPr id="43" name="Imagem 42" descr="Uma imagem contendo objeto&#10;&#10;Descrição gerada automaticamente">
               <a:extLst>
                 <a:ext uri="{FF2B5EF4-FFF2-40B4-BE49-F238E27FC236}">
-                  <a16:creationId xmlns:a16="http://schemas.microsoft.com/office/drawing/2014/main" xmlns="" id="{1B9BA244-B9AA-4917-B819-488CA49DB1E2}"/>
+                  <a16:creationId xmlns="" xmlns:a16="http://schemas.microsoft.com/office/drawing/2014/main" id="{1B9BA244-B9AA-4917-B819-488CA49DB1E2}"/>
                 </a:ext>
               </a:extLst>
             </p:cNvPr>
@@ -5151,7 +4805,7 @@
             <p:cNvPr id="44" name="Gráfico 8" descr="Folha">
               <a:extLst>
                 <a:ext uri="{FF2B5EF4-FFF2-40B4-BE49-F238E27FC236}">
-                  <a16:creationId xmlns:a16="http://schemas.microsoft.com/office/drawing/2014/main" xmlns="" id="{D7B239DE-0B7B-4BDF-93B8-A09B4D198DF4}"/>
+                  <a16:creationId xmlns="" xmlns:a16="http://schemas.microsoft.com/office/drawing/2014/main" id="{D7B239DE-0B7B-4BDF-93B8-A09B4D198DF4}"/>
                 </a:ext>
               </a:extLst>
             </p:cNvPr>
@@ -5167,7 +4821,7 @@
                   <a14:useLocalDpi xmlns:a14="http://schemas.microsoft.com/office/drawing/2010/main" val="0"/>
                 </a:ext>
                 <a:ext uri="{96DAC541-7B7A-43D3-8B79-37D633B846F1}">
-                  <asvg:svgBlip xmlns:asvg="http://schemas.microsoft.com/office/drawing/2016/SVG/main" xmlns="" r:embed="rId6"/>
+                  <asvg:svgBlip xmlns="" xmlns:asvg="http://schemas.microsoft.com/office/drawing/2016/SVG/main" r:embed="rId6"/>
                 </a:ext>
               </a:extLst>
             </a:blip>
@@ -5209,7 +4863,7 @@
         </p:blipFill>
         <p:spPr bwMode="auto">
           <a:xfrm>
-            <a:off x="3589729" y="178337"/>
+            <a:off x="3589729" y="147306"/>
             <a:ext cx="2438400" cy="2438401"/>
           </a:xfrm>
           <a:prstGeom prst="rect">
@@ -5934,7 +5588,7 @@
           <p:cNvPr id="51" name="Agrupar 50">
             <a:extLst>
               <a:ext uri="{FF2B5EF4-FFF2-40B4-BE49-F238E27FC236}">
-                <a16:creationId xmlns:a16="http://schemas.microsoft.com/office/drawing/2014/main" xmlns="" id="{E11808A1-955C-4671-B8F9-A31BFC222774}"/>
+                <a16:creationId xmlns="" xmlns:a16="http://schemas.microsoft.com/office/drawing/2014/main" id="{E11808A1-955C-4671-B8F9-A31BFC222774}"/>
               </a:ext>
             </a:extLst>
           </p:cNvPr>
@@ -5954,7 +5608,7 @@
             <p:cNvPr id="52" name="Retângulo: Cantos Arredondados 51">
               <a:extLst>
                 <a:ext uri="{FF2B5EF4-FFF2-40B4-BE49-F238E27FC236}">
-                  <a16:creationId xmlns:a16="http://schemas.microsoft.com/office/drawing/2014/main" xmlns="" id="{E1981BA5-41E8-4A49-8859-78017A0C02AA}"/>
+                  <a16:creationId xmlns="" xmlns:a16="http://schemas.microsoft.com/office/drawing/2014/main" id="{E1981BA5-41E8-4A49-8859-78017A0C02AA}"/>
                 </a:ext>
               </a:extLst>
             </p:cNvPr>
@@ -6107,7 +5761,7 @@
             <p:cNvPr id="53" name="Retângulo: Cantos Arredondados 52">
               <a:extLst>
                 <a:ext uri="{FF2B5EF4-FFF2-40B4-BE49-F238E27FC236}">
-                  <a16:creationId xmlns:a16="http://schemas.microsoft.com/office/drawing/2014/main" xmlns="" id="{132FC1CA-61D9-4900-848D-2E69FA7CD7A7}"/>
+                  <a16:creationId xmlns="" xmlns:a16="http://schemas.microsoft.com/office/drawing/2014/main" id="{132FC1CA-61D9-4900-848D-2E69FA7CD7A7}"/>
                 </a:ext>
               </a:extLst>
             </p:cNvPr>
@@ -6260,7 +5914,7 @@
             <p:cNvPr id="54" name="Retângulo: Cantos Arredondados 53">
               <a:extLst>
                 <a:ext uri="{FF2B5EF4-FFF2-40B4-BE49-F238E27FC236}">
-                  <a16:creationId xmlns:a16="http://schemas.microsoft.com/office/drawing/2014/main" xmlns="" id="{C4D5C295-6F85-4F06-AD4F-7751CB901D98}"/>
+                  <a16:creationId xmlns="" xmlns:a16="http://schemas.microsoft.com/office/drawing/2014/main" id="{C4D5C295-6F85-4F06-AD4F-7751CB901D98}"/>
                 </a:ext>
               </a:extLst>
             </p:cNvPr>
@@ -6413,7 +6067,7 @@
             <p:cNvPr id="55" name="Forma Livre: Forma 54">
               <a:extLst>
                 <a:ext uri="{FF2B5EF4-FFF2-40B4-BE49-F238E27FC236}">
-                  <a16:creationId xmlns:a16="http://schemas.microsoft.com/office/drawing/2014/main" xmlns="" id="{62AD9654-DF2E-421E-A21D-3CB31EE7AEC9}"/>
+                  <a16:creationId xmlns="" xmlns:a16="http://schemas.microsoft.com/office/drawing/2014/main" id="{62AD9654-DF2E-421E-A21D-3CB31EE7AEC9}"/>
                 </a:ext>
               </a:extLst>
             </p:cNvPr>
@@ -6620,7 +6274,7 @@
           <p:cNvPr id="21" name="Agrupar 20">
             <a:extLst>
               <a:ext uri="{FF2B5EF4-FFF2-40B4-BE49-F238E27FC236}">
-                <a16:creationId xmlns:a16="http://schemas.microsoft.com/office/drawing/2014/main" xmlns="" id="{742FF697-D3D0-4C6E-A5C8-5AB51DA82FD5}"/>
+                <a16:creationId xmlns="" xmlns:a16="http://schemas.microsoft.com/office/drawing/2014/main" id="{742FF697-D3D0-4C6E-A5C8-5AB51DA82FD5}"/>
               </a:ext>
             </a:extLst>
           </p:cNvPr>
@@ -6640,7 +6294,7 @@
             <p:cNvPr id="20" name="Balão de Fala: Retângulo com Cantos Arredondados 19">
               <a:extLst>
                 <a:ext uri="{FF2B5EF4-FFF2-40B4-BE49-F238E27FC236}">
-                  <a16:creationId xmlns:a16="http://schemas.microsoft.com/office/drawing/2014/main" xmlns="" id="{AA0138DD-E1F7-4726-B5A6-47C288CE6E6A}"/>
+                  <a16:creationId xmlns="" xmlns:a16="http://schemas.microsoft.com/office/drawing/2014/main" id="{AA0138DD-E1F7-4726-B5A6-47C288CE6E6A}"/>
                 </a:ext>
               </a:extLst>
             </p:cNvPr>
@@ -6696,7 +6350,7 @@
             <p:cNvPr id="65" name="Elipse 64">
               <a:extLst>
                 <a:ext uri="{FF2B5EF4-FFF2-40B4-BE49-F238E27FC236}">
-                  <a16:creationId xmlns:a16="http://schemas.microsoft.com/office/drawing/2014/main" xmlns="" id="{2D887CE5-AF78-48D7-81B1-39041528C393}"/>
+                  <a16:creationId xmlns="" xmlns:a16="http://schemas.microsoft.com/office/drawing/2014/main" id="{2D887CE5-AF78-48D7-81B1-39041528C393}"/>
                 </a:ext>
               </a:extLst>
             </p:cNvPr>
@@ -6748,7 +6402,7 @@
             <p:cNvPr id="66" name="Elipse 65">
               <a:extLst>
                 <a:ext uri="{FF2B5EF4-FFF2-40B4-BE49-F238E27FC236}">
-                  <a16:creationId xmlns:a16="http://schemas.microsoft.com/office/drawing/2014/main" xmlns="" id="{E5D2C947-B154-4AD5-B4A9-13A15AFD7A8D}"/>
+                  <a16:creationId xmlns="" xmlns:a16="http://schemas.microsoft.com/office/drawing/2014/main" id="{E5D2C947-B154-4AD5-B4A9-13A15AFD7A8D}"/>
                 </a:ext>
               </a:extLst>
             </p:cNvPr>
@@ -6800,7 +6454,7 @@
             <p:cNvPr id="67" name="Elipse 66">
               <a:extLst>
                 <a:ext uri="{FF2B5EF4-FFF2-40B4-BE49-F238E27FC236}">
-                  <a16:creationId xmlns:a16="http://schemas.microsoft.com/office/drawing/2014/main" xmlns="" id="{5F7F820C-DF66-4663-B1E1-E200E8F489FE}"/>
+                  <a16:creationId xmlns="" xmlns:a16="http://schemas.microsoft.com/office/drawing/2014/main" id="{5F7F820C-DF66-4663-B1E1-E200E8F489FE}"/>
                 </a:ext>
               </a:extLst>
             </p:cNvPr>
@@ -6853,7 +6507,7 @@
           <p:cNvPr id="86" name="Agrupar 85">
             <a:extLst>
               <a:ext uri="{FF2B5EF4-FFF2-40B4-BE49-F238E27FC236}">
-                <a16:creationId xmlns:a16="http://schemas.microsoft.com/office/drawing/2014/main" xmlns="" id="{731157D7-3F7B-494D-A876-4E1B0923940C}"/>
+                <a16:creationId xmlns="" xmlns:a16="http://schemas.microsoft.com/office/drawing/2014/main" id="{731157D7-3F7B-494D-A876-4E1B0923940C}"/>
               </a:ext>
             </a:extLst>
           </p:cNvPr>
@@ -6873,7 +6527,7 @@
             <p:cNvPr id="83" name="Forma Livre: Forma 82">
               <a:extLst>
                 <a:ext uri="{FF2B5EF4-FFF2-40B4-BE49-F238E27FC236}">
-                  <a16:creationId xmlns:a16="http://schemas.microsoft.com/office/drawing/2014/main" xmlns="" id="{8C6FF509-5334-4779-858A-CBA417C36708}"/>
+                  <a16:creationId xmlns="" xmlns:a16="http://schemas.microsoft.com/office/drawing/2014/main" id="{8C6FF509-5334-4779-858A-CBA417C36708}"/>
                 </a:ext>
               </a:extLst>
             </p:cNvPr>
@@ -7026,7 +6680,7 @@
             <p:cNvPr id="84" name="Agrupar 83">
               <a:extLst>
                 <a:ext uri="{FF2B5EF4-FFF2-40B4-BE49-F238E27FC236}">
-                  <a16:creationId xmlns:a16="http://schemas.microsoft.com/office/drawing/2014/main" xmlns="" id="{67688334-9D02-4298-8525-206660E1862D}"/>
+                  <a16:creationId xmlns="" xmlns:a16="http://schemas.microsoft.com/office/drawing/2014/main" id="{67688334-9D02-4298-8525-206660E1862D}"/>
                 </a:ext>
               </a:extLst>
             </p:cNvPr>
@@ -7046,7 +6700,7 @@
               <p:cNvPr id="85" name="Forma Livre: Forma 84">
                 <a:extLst>
                   <a:ext uri="{FF2B5EF4-FFF2-40B4-BE49-F238E27FC236}">
-                    <a16:creationId xmlns:a16="http://schemas.microsoft.com/office/drawing/2014/main" xmlns="" id="{E857EC4A-79A6-4FBC-ADA5-4737D96C5E20}"/>
+                    <a16:creationId xmlns="" xmlns:a16="http://schemas.microsoft.com/office/drawing/2014/main" id="{E857EC4A-79A6-4FBC-ADA5-4737D96C5E20}"/>
                   </a:ext>
                 </a:extLst>
               </p:cNvPr>
@@ -7143,7 +6797,7 @@
               <p:cNvPr id="74" name="Elipse 73">
                 <a:extLst>
                   <a:ext uri="{FF2B5EF4-FFF2-40B4-BE49-F238E27FC236}">
-                    <a16:creationId xmlns:a16="http://schemas.microsoft.com/office/drawing/2014/main" xmlns="" id="{39879178-4A4B-49AA-B47C-DCEE30D0375B}"/>
+                    <a16:creationId xmlns="" xmlns:a16="http://schemas.microsoft.com/office/drawing/2014/main" id="{39879178-4A4B-49AA-B47C-DCEE30D0375B}"/>
                   </a:ext>
                 </a:extLst>
               </p:cNvPr>
@@ -7195,7 +6849,7 @@
               <p:cNvPr id="75" name="Retângulo 74">
                 <a:extLst>
                   <a:ext uri="{FF2B5EF4-FFF2-40B4-BE49-F238E27FC236}">
-                    <a16:creationId xmlns:a16="http://schemas.microsoft.com/office/drawing/2014/main" xmlns="" id="{B131F4CB-B08E-4E9F-917D-5578F7DA570E}"/>
+                    <a16:creationId xmlns="" xmlns:a16="http://schemas.microsoft.com/office/drawing/2014/main" id="{B131F4CB-B08E-4E9F-917D-5578F7DA570E}"/>
                   </a:ext>
                 </a:extLst>
               </p:cNvPr>
@@ -7244,6 +6898,396 @@
           </p:sp>
         </p:grpSp>
       </p:grpSp>
+      <p:sp>
+        <p:nvSpPr>
+          <p:cNvPr id="62" name="Retângulo 61"/>
+          <p:cNvSpPr/>
+          <p:nvPr/>
+        </p:nvSpPr>
+        <p:spPr>
+          <a:xfrm>
+            <a:off x="2854683" y="257459"/>
+            <a:ext cx="1447616" cy="1447616"/>
+          </a:xfrm>
+          <a:prstGeom prst="rect">
+            <a:avLst/>
+          </a:prstGeom>
+          <a:noFill/>
+          <a:ln>
+            <a:noFill/>
+          </a:ln>
+        </p:spPr>
+        <p:style>
+          <a:lnRef idx="2">
+            <a:schemeClr val="accent1">
+              <a:shade val="50000"/>
+            </a:schemeClr>
+          </a:lnRef>
+          <a:fillRef idx="1">
+            <a:schemeClr val="accent1"/>
+          </a:fillRef>
+          <a:effectRef idx="0">
+            <a:schemeClr val="accent1"/>
+          </a:effectRef>
+          <a:fontRef idx="minor">
+            <a:schemeClr val="lt1"/>
+          </a:fontRef>
+        </p:style>
+        <p:txBody>
+          <a:bodyPr rtlCol="0" anchor="ctr"/>
+          <a:lstStyle/>
+          <a:p>
+            <a:pPr algn="ctr"/>
+            <a:endParaRPr lang="pt-BR" dirty="0"/>
+          </a:p>
+        </p:txBody>
+      </p:sp>
+      <p:sp>
+        <p:nvSpPr>
+          <p:cNvPr id="12" name="Estrela de 5 pontas 11"/>
+          <p:cNvSpPr/>
+          <p:nvPr/>
+        </p:nvSpPr>
+        <p:spPr>
+          <a:xfrm>
+            <a:off x="-324544" y="1132395"/>
+            <a:ext cx="1145359" cy="1145359"/>
+          </a:xfrm>
+          <a:prstGeom prst="star5">
+            <a:avLst>
+              <a:gd name="adj" fmla="val 18934"/>
+              <a:gd name="hf" fmla="val 105146"/>
+              <a:gd name="vf" fmla="val 110557"/>
+            </a:avLst>
+          </a:prstGeom>
+          <a:solidFill>
+            <a:srgbClr val="F6E612"/>
+          </a:solidFill>
+          <a:ln w="28575">
+            <a:noFill/>
+          </a:ln>
+          <a:effectLst/>
+        </p:spPr>
+        <p:style>
+          <a:lnRef idx="2">
+            <a:schemeClr val="accent1">
+              <a:shade val="50000"/>
+            </a:schemeClr>
+          </a:lnRef>
+          <a:fillRef idx="1">
+            <a:schemeClr val="accent1"/>
+          </a:fillRef>
+          <a:effectRef idx="0">
+            <a:schemeClr val="accent1"/>
+          </a:effectRef>
+          <a:fontRef idx="minor">
+            <a:schemeClr val="lt1"/>
+          </a:fontRef>
+        </p:style>
+        <p:txBody>
+          <a:bodyPr rtlCol="0" anchor="ctr"/>
+          <a:lstStyle/>
+          <a:p>
+            <a:pPr algn="ctr"/>
+            <a:r>
+              <a:rPr lang="pt-BR" u="sng" dirty="0"/>
+              <a:t> </a:t>
+            </a:r>
+          </a:p>
+        </p:txBody>
+      </p:sp>
+      <p:grpSp>
+        <p:nvGrpSpPr>
+          <p:cNvPr id="11" name="Grupo 10"/>
+          <p:cNvGrpSpPr/>
+          <p:nvPr/>
+        </p:nvGrpSpPr>
+        <p:grpSpPr>
+          <a:xfrm>
+            <a:off x="1045177" y="257459"/>
+            <a:ext cx="1001883" cy="1151589"/>
+            <a:chOff x="3005826" y="1484784"/>
+            <a:chExt cx="3132348" cy="3600400"/>
+          </a:xfrm>
+        </p:grpSpPr>
+        <p:sp>
+          <p:nvSpPr>
+            <p:cNvPr id="8" name="Elipse 7"/>
+            <p:cNvSpPr/>
+            <p:nvPr/>
+          </p:nvSpPr>
+          <p:spPr>
+            <a:xfrm>
+              <a:off x="4031940" y="4005064"/>
+              <a:ext cx="1080120" cy="1080120"/>
+            </a:xfrm>
+            <a:prstGeom prst="ellipse">
+              <a:avLst/>
+            </a:prstGeom>
+            <a:solidFill>
+              <a:srgbClr val="FFA401"/>
+            </a:solidFill>
+            <a:ln>
+              <a:noFill/>
+            </a:ln>
+          </p:spPr>
+          <p:style>
+            <a:lnRef idx="2">
+              <a:schemeClr val="accent1">
+                <a:shade val="50000"/>
+              </a:schemeClr>
+            </a:lnRef>
+            <a:fillRef idx="1">
+              <a:schemeClr val="accent1"/>
+            </a:fillRef>
+            <a:effectRef idx="0">
+              <a:schemeClr val="accent1"/>
+            </a:effectRef>
+            <a:fontRef idx="minor">
+              <a:schemeClr val="lt1"/>
+            </a:fontRef>
+          </p:style>
+          <p:txBody>
+            <a:bodyPr rtlCol="0" anchor="ctr"/>
+            <a:lstStyle/>
+            <a:p>
+              <a:pPr algn="ctr"/>
+              <a:endParaRPr lang="pt-BR"/>
+            </a:p>
+          </p:txBody>
+        </p:sp>
+        <p:sp>
+          <p:nvSpPr>
+            <p:cNvPr id="6" name="Retângulo de cantos arredondados 5"/>
+            <p:cNvSpPr/>
+            <p:nvPr/>
+          </p:nvSpPr>
+          <p:spPr>
+            <a:xfrm>
+              <a:off x="4247964" y="1484784"/>
+              <a:ext cx="648072" cy="850595"/>
+            </a:xfrm>
+            <a:prstGeom prst="roundRect">
+              <a:avLst>
+                <a:gd name="adj" fmla="val 50000"/>
+              </a:avLst>
+            </a:prstGeom>
+            <a:solidFill>
+              <a:schemeClr val="bg1">
+                <a:lumMod val="75000"/>
+              </a:schemeClr>
+            </a:solidFill>
+            <a:ln>
+              <a:noFill/>
+            </a:ln>
+          </p:spPr>
+          <p:style>
+            <a:lnRef idx="2">
+              <a:schemeClr val="accent1">
+                <a:shade val="50000"/>
+              </a:schemeClr>
+            </a:lnRef>
+            <a:fillRef idx="1">
+              <a:schemeClr val="accent1"/>
+            </a:fillRef>
+            <a:effectRef idx="0">
+              <a:schemeClr val="accent1"/>
+            </a:effectRef>
+            <a:fontRef idx="minor">
+              <a:schemeClr val="lt1"/>
+            </a:fontRef>
+          </p:style>
+          <p:txBody>
+            <a:bodyPr rtlCol="0" anchor="ctr"/>
+            <a:lstStyle/>
+            <a:p>
+              <a:pPr algn="ctr"/>
+              <a:endParaRPr lang="pt-BR"/>
+            </a:p>
+          </p:txBody>
+        </p:sp>
+        <p:sp>
+          <p:nvSpPr>
+            <p:cNvPr id="5" name="Retângulo de cantos arredondados 4"/>
+            <p:cNvSpPr/>
+            <p:nvPr/>
+          </p:nvSpPr>
+          <p:spPr>
+            <a:xfrm>
+              <a:off x="3419872" y="1772816"/>
+              <a:ext cx="2304255" cy="2772309"/>
+            </a:xfrm>
+            <a:custGeom>
+              <a:avLst/>
+              <a:gdLst/>
+              <a:ahLst/>
+              <a:cxnLst/>
+              <a:rect l="l" t="t" r="r" b="b"/>
+              <a:pathLst>
+                <a:path w="2304256" h="2772308">
+                  <a:moveTo>
+                    <a:pt x="1152128" y="0"/>
+                  </a:moveTo>
+                  <a:cubicBezTo>
+                    <a:pt x="1788431" y="0"/>
+                    <a:pt x="2304256" y="515825"/>
+                    <a:pt x="2304256" y="1152128"/>
+                  </a:cubicBezTo>
+                  <a:lnTo>
+                    <a:pt x="2304256" y="1872208"/>
+                  </a:lnTo>
+                  <a:cubicBezTo>
+                    <a:pt x="2304256" y="2236762"/>
+                    <a:pt x="2134940" y="2561771"/>
+                    <a:pt x="1870196" y="2772308"/>
+                  </a:cubicBezTo>
+                  <a:lnTo>
+                    <a:pt x="434061" y="2772308"/>
+                  </a:lnTo>
+                  <a:cubicBezTo>
+                    <a:pt x="169317" y="2561771"/>
+                    <a:pt x="0" y="2236762"/>
+                    <a:pt x="0" y="1872208"/>
+                  </a:cubicBezTo>
+                  <a:lnTo>
+                    <a:pt x="0" y="1152128"/>
+                  </a:lnTo>
+                  <a:cubicBezTo>
+                    <a:pt x="0" y="515825"/>
+                    <a:pt x="515825" y="0"/>
+                    <a:pt x="1152128" y="0"/>
+                  </a:cubicBezTo>
+                  <a:close/>
+                </a:path>
+              </a:pathLst>
+            </a:custGeom>
+            <a:solidFill>
+              <a:srgbClr val="FFB52F"/>
+            </a:solidFill>
+            <a:ln>
+              <a:noFill/>
+            </a:ln>
+          </p:spPr>
+          <p:style>
+            <a:lnRef idx="2">
+              <a:schemeClr val="accent1">
+                <a:shade val="50000"/>
+              </a:schemeClr>
+            </a:lnRef>
+            <a:fillRef idx="1">
+              <a:schemeClr val="accent1"/>
+            </a:fillRef>
+            <a:effectRef idx="0">
+              <a:schemeClr val="accent1"/>
+            </a:effectRef>
+            <a:fontRef idx="minor">
+              <a:schemeClr val="lt1"/>
+            </a:fontRef>
+          </p:style>
+          <p:txBody>
+            <a:bodyPr rtlCol="0" anchor="ctr"/>
+            <a:lstStyle/>
+            <a:p>
+              <a:pPr algn="ctr"/>
+              <a:endParaRPr lang="pt-BR"/>
+            </a:p>
+          </p:txBody>
+        </p:sp>
+        <p:sp>
+          <p:nvSpPr>
+            <p:cNvPr id="7" name="Triângulo isósceles 6"/>
+            <p:cNvSpPr/>
+            <p:nvPr/>
+          </p:nvSpPr>
+          <p:spPr>
+            <a:xfrm>
+              <a:off x="3005826" y="1916832"/>
+              <a:ext cx="3132348" cy="2700300"/>
+            </a:xfrm>
+            <a:prstGeom prst="triangle">
+              <a:avLst/>
+            </a:prstGeom>
+            <a:solidFill>
+              <a:srgbClr val="FFB52F"/>
+            </a:solidFill>
+            <a:ln>
+              <a:noFill/>
+            </a:ln>
+          </p:spPr>
+          <p:style>
+            <a:lnRef idx="2">
+              <a:schemeClr val="accent1">
+                <a:shade val="50000"/>
+              </a:schemeClr>
+            </a:lnRef>
+            <a:fillRef idx="1">
+              <a:schemeClr val="accent1"/>
+            </a:fillRef>
+            <a:effectRef idx="0">
+              <a:schemeClr val="accent1"/>
+            </a:effectRef>
+            <a:fontRef idx="minor">
+              <a:schemeClr val="lt1"/>
+            </a:fontRef>
+          </p:style>
+          <p:txBody>
+            <a:bodyPr rtlCol="0" anchor="ctr"/>
+            <a:lstStyle/>
+            <a:p>
+              <a:pPr algn="ctr"/>
+              <a:endParaRPr lang="pt-BR"/>
+            </a:p>
+          </p:txBody>
+        </p:sp>
+        <p:sp>
+          <p:nvSpPr>
+            <p:cNvPr id="9" name="Retângulo de cantos arredondados 8"/>
+            <p:cNvSpPr/>
+            <p:nvPr/>
+          </p:nvSpPr>
+          <p:spPr>
+            <a:xfrm>
+              <a:off x="5086931" y="2553207"/>
+              <a:ext cx="358440" cy="1008112"/>
+            </a:xfrm>
+            <a:prstGeom prst="roundRect">
+              <a:avLst>
+                <a:gd name="adj" fmla="val 50000"/>
+              </a:avLst>
+            </a:prstGeom>
+            <a:solidFill>
+              <a:srgbClr val="F1EBA1"/>
+            </a:solidFill>
+            <a:ln>
+              <a:noFill/>
+            </a:ln>
+          </p:spPr>
+          <p:style>
+            <a:lnRef idx="2">
+              <a:schemeClr val="accent1">
+                <a:shade val="50000"/>
+              </a:schemeClr>
+            </a:lnRef>
+            <a:fillRef idx="1">
+              <a:schemeClr val="accent1"/>
+            </a:fillRef>
+            <a:effectRef idx="0">
+              <a:schemeClr val="accent1"/>
+            </a:effectRef>
+            <a:fontRef idx="minor">
+              <a:schemeClr val="lt1"/>
+            </a:fontRef>
+          </p:style>
+          <p:txBody>
+            <a:bodyPr rtlCol="0" anchor="ctr"/>
+            <a:lstStyle/>
+            <a:p>
+              <a:pPr algn="ctr"/>
+              <a:endParaRPr lang="pt-BR"/>
+            </a:p>
+          </p:txBody>
+        </p:sp>
+      </p:grpSp>
     </p:spTree>
     <p:extLst>
       <p:ext uri="{BB962C8B-B14F-4D97-AF65-F5344CB8AC3E}">
@@ -7286,7 +7330,7 @@
           <p:cNvPr id="3" name="Imagem 2" descr="Uma imagem contendo brinquedo, gráficos vetoriais&#10;&#10;Descrição gerada automaticamente">
             <a:extLst>
               <a:ext uri="{FF2B5EF4-FFF2-40B4-BE49-F238E27FC236}">
-                <a16:creationId xmlns:a16="http://schemas.microsoft.com/office/drawing/2014/main" xmlns="" id="{D62FA05A-5510-46A9-B25F-40C0074A1B04}"/>
+                <a16:creationId xmlns="" xmlns:a16="http://schemas.microsoft.com/office/drawing/2014/main" id="{D62FA05A-5510-46A9-B25F-40C0074A1B04}"/>
               </a:ext>
             </a:extLst>
           </p:cNvPr>

--- a/slide/Icons.pptx
+++ b/slide/Icons.pptx
@@ -111,7 +111,7 @@
   </p:defaultTextStyle>
   <p:extLst>
     <p:ext uri="{EFAFB233-063F-42B5-8137-9DF3F51BA10A}">
-      <p15:sldGuideLst xmlns="" xmlns:p15="http://schemas.microsoft.com/office/powerpoint/2012/main">
+      <p15:sldGuideLst xmlns:p15="http://schemas.microsoft.com/office/powerpoint/2012/main" xmlns="">
         <p15:guide id="1" orient="horz" pos="2160">
           <p15:clr>
             <a:srgbClr val="A4A3A4"/>
@@ -210,7 +210,7 @@
           <a:p>
             <a:fld id="{8C69D028-04FB-4CAD-A94B-4DBC502A77F9}" type="datetimeFigureOut">
               <a:rPr lang="pt-BR" smtClean="0"/>
-              <a:t>22/05/2019</a:t>
+              <a:t>24/05/2019</a:t>
             </a:fld>
             <a:endParaRPr lang="pt-BR"/>
           </a:p>
@@ -740,7 +740,7 @@
           <a:p>
             <a:fld id="{0D12B9E4-E3E1-48A3-A42F-75EB1CD8D0EF}" type="datetimeFigureOut">
               <a:rPr lang="pt-BR" smtClean="0"/>
-              <a:t>22/05/2019</a:t>
+              <a:t>24/05/2019</a:t>
             </a:fld>
             <a:endParaRPr lang="pt-BR"/>
           </a:p>
@@ -908,7 +908,7 @@
           <a:p>
             <a:fld id="{0D12B9E4-E3E1-48A3-A42F-75EB1CD8D0EF}" type="datetimeFigureOut">
               <a:rPr lang="pt-BR" smtClean="0"/>
-              <a:t>22/05/2019</a:t>
+              <a:t>24/05/2019</a:t>
             </a:fld>
             <a:endParaRPr lang="pt-BR"/>
           </a:p>
@@ -1086,7 +1086,7 @@
           <a:p>
             <a:fld id="{0D12B9E4-E3E1-48A3-A42F-75EB1CD8D0EF}" type="datetimeFigureOut">
               <a:rPr lang="pt-BR" smtClean="0"/>
-              <a:t>22/05/2019</a:t>
+              <a:t>24/05/2019</a:t>
             </a:fld>
             <a:endParaRPr lang="pt-BR"/>
           </a:p>
@@ -1254,7 +1254,7 @@
           <a:p>
             <a:fld id="{0D12B9E4-E3E1-48A3-A42F-75EB1CD8D0EF}" type="datetimeFigureOut">
               <a:rPr lang="pt-BR" smtClean="0"/>
-              <a:t>22/05/2019</a:t>
+              <a:t>24/05/2019</a:t>
             </a:fld>
             <a:endParaRPr lang="pt-BR"/>
           </a:p>
@@ -1499,7 +1499,7 @@
           <a:p>
             <a:fld id="{0D12B9E4-E3E1-48A3-A42F-75EB1CD8D0EF}" type="datetimeFigureOut">
               <a:rPr lang="pt-BR" smtClean="0"/>
-              <a:t>22/05/2019</a:t>
+              <a:t>24/05/2019</a:t>
             </a:fld>
             <a:endParaRPr lang="pt-BR"/>
           </a:p>
@@ -1784,7 +1784,7 @@
           <a:p>
             <a:fld id="{0D12B9E4-E3E1-48A3-A42F-75EB1CD8D0EF}" type="datetimeFigureOut">
               <a:rPr lang="pt-BR" smtClean="0"/>
-              <a:t>22/05/2019</a:t>
+              <a:t>24/05/2019</a:t>
             </a:fld>
             <a:endParaRPr lang="pt-BR"/>
           </a:p>
@@ -2203,7 +2203,7 @@
           <a:p>
             <a:fld id="{0D12B9E4-E3E1-48A3-A42F-75EB1CD8D0EF}" type="datetimeFigureOut">
               <a:rPr lang="pt-BR" smtClean="0"/>
-              <a:t>22/05/2019</a:t>
+              <a:t>24/05/2019</a:t>
             </a:fld>
             <a:endParaRPr lang="pt-BR"/>
           </a:p>
@@ -2320,7 +2320,7 @@
           <a:p>
             <a:fld id="{0D12B9E4-E3E1-48A3-A42F-75EB1CD8D0EF}" type="datetimeFigureOut">
               <a:rPr lang="pt-BR" smtClean="0"/>
-              <a:t>22/05/2019</a:t>
+              <a:t>24/05/2019</a:t>
             </a:fld>
             <a:endParaRPr lang="pt-BR"/>
           </a:p>
@@ -2415,7 +2415,7 @@
           <a:p>
             <a:fld id="{0D12B9E4-E3E1-48A3-A42F-75EB1CD8D0EF}" type="datetimeFigureOut">
               <a:rPr lang="pt-BR" smtClean="0"/>
-              <a:t>22/05/2019</a:t>
+              <a:t>24/05/2019</a:t>
             </a:fld>
             <a:endParaRPr lang="pt-BR"/>
           </a:p>
@@ -2690,7 +2690,7 @@
           <a:p>
             <a:fld id="{0D12B9E4-E3E1-48A3-A42F-75EB1CD8D0EF}" type="datetimeFigureOut">
               <a:rPr lang="pt-BR" smtClean="0"/>
-              <a:t>22/05/2019</a:t>
+              <a:t>24/05/2019</a:t>
             </a:fld>
             <a:endParaRPr lang="pt-BR"/>
           </a:p>
@@ -2942,7 +2942,7 @@
           <a:p>
             <a:fld id="{0D12B9E4-E3E1-48A3-A42F-75EB1CD8D0EF}" type="datetimeFigureOut">
               <a:rPr lang="pt-BR" smtClean="0"/>
-              <a:t>22/05/2019</a:t>
+              <a:t>24/05/2019</a:t>
             </a:fld>
             <a:endParaRPr lang="pt-BR"/>
           </a:p>
@@ -3153,7 +3153,7 @@
           <a:p>
             <a:fld id="{0D12B9E4-E3E1-48A3-A42F-75EB1CD8D0EF}" type="datetimeFigureOut">
               <a:rPr lang="pt-BR" smtClean="0"/>
-              <a:t>22/05/2019</a:t>
+              <a:t>24/05/2019</a:t>
             </a:fld>
             <a:endParaRPr lang="pt-BR"/>
           </a:p>
@@ -4739,7 +4739,7 @@
           <p:cNvPr id="42" name="Agrupar 9">
             <a:extLst>
               <a:ext uri="{FF2B5EF4-FFF2-40B4-BE49-F238E27FC236}">
-                <a16:creationId xmlns="" xmlns:a16="http://schemas.microsoft.com/office/drawing/2014/main" id="{CED1955D-3D0B-487D-AA3A-3B4047A0210A}"/>
+                <a16:creationId xmlns:a16="http://schemas.microsoft.com/office/drawing/2014/main" xmlns="" id="{CED1955D-3D0B-487D-AA3A-3B4047A0210A}"/>
               </a:ext>
             </a:extLst>
           </p:cNvPr>
@@ -4759,7 +4759,7 @@
             <p:cNvPr id="43" name="Imagem 42" descr="Uma imagem contendo objeto&#10;&#10;Descrição gerada automaticamente">
               <a:extLst>
                 <a:ext uri="{FF2B5EF4-FFF2-40B4-BE49-F238E27FC236}">
-                  <a16:creationId xmlns="" xmlns:a16="http://schemas.microsoft.com/office/drawing/2014/main" id="{1B9BA244-B9AA-4917-B819-488CA49DB1E2}"/>
+                  <a16:creationId xmlns:a16="http://schemas.microsoft.com/office/drawing/2014/main" xmlns="" id="{1B9BA244-B9AA-4917-B819-488CA49DB1E2}"/>
                 </a:ext>
               </a:extLst>
             </p:cNvPr>
@@ -4805,7 +4805,7 @@
             <p:cNvPr id="44" name="Gráfico 8" descr="Folha">
               <a:extLst>
                 <a:ext uri="{FF2B5EF4-FFF2-40B4-BE49-F238E27FC236}">
-                  <a16:creationId xmlns="" xmlns:a16="http://schemas.microsoft.com/office/drawing/2014/main" id="{D7B239DE-0B7B-4BDF-93B8-A09B4D198DF4}"/>
+                  <a16:creationId xmlns:a16="http://schemas.microsoft.com/office/drawing/2014/main" xmlns="" id="{D7B239DE-0B7B-4BDF-93B8-A09B4D198DF4}"/>
                 </a:ext>
               </a:extLst>
             </p:cNvPr>
@@ -4821,7 +4821,7 @@
                   <a14:useLocalDpi xmlns:a14="http://schemas.microsoft.com/office/drawing/2010/main" val="0"/>
                 </a:ext>
                 <a:ext uri="{96DAC541-7B7A-43D3-8B79-37D633B846F1}">
-                  <asvg:svgBlip xmlns="" xmlns:asvg="http://schemas.microsoft.com/office/drawing/2016/SVG/main" r:embed="rId6"/>
+                  <asvg:svgBlip xmlns:asvg="http://schemas.microsoft.com/office/drawing/2016/SVG/main" xmlns="" r:embed="rId6"/>
                 </a:ext>
               </a:extLst>
             </a:blip>
@@ -5588,7 +5588,7 @@
           <p:cNvPr id="51" name="Agrupar 50">
             <a:extLst>
               <a:ext uri="{FF2B5EF4-FFF2-40B4-BE49-F238E27FC236}">
-                <a16:creationId xmlns="" xmlns:a16="http://schemas.microsoft.com/office/drawing/2014/main" id="{E11808A1-955C-4671-B8F9-A31BFC222774}"/>
+                <a16:creationId xmlns:a16="http://schemas.microsoft.com/office/drawing/2014/main" xmlns="" id="{E11808A1-955C-4671-B8F9-A31BFC222774}"/>
               </a:ext>
             </a:extLst>
           </p:cNvPr>
@@ -5608,7 +5608,7 @@
             <p:cNvPr id="52" name="Retângulo: Cantos Arredondados 51">
               <a:extLst>
                 <a:ext uri="{FF2B5EF4-FFF2-40B4-BE49-F238E27FC236}">
-                  <a16:creationId xmlns="" xmlns:a16="http://schemas.microsoft.com/office/drawing/2014/main" id="{E1981BA5-41E8-4A49-8859-78017A0C02AA}"/>
+                  <a16:creationId xmlns:a16="http://schemas.microsoft.com/office/drawing/2014/main" xmlns="" id="{E1981BA5-41E8-4A49-8859-78017A0C02AA}"/>
                 </a:ext>
               </a:extLst>
             </p:cNvPr>
@@ -5761,7 +5761,7 @@
             <p:cNvPr id="53" name="Retângulo: Cantos Arredondados 52">
               <a:extLst>
                 <a:ext uri="{FF2B5EF4-FFF2-40B4-BE49-F238E27FC236}">
-                  <a16:creationId xmlns="" xmlns:a16="http://schemas.microsoft.com/office/drawing/2014/main" id="{132FC1CA-61D9-4900-848D-2E69FA7CD7A7}"/>
+                  <a16:creationId xmlns:a16="http://schemas.microsoft.com/office/drawing/2014/main" xmlns="" id="{132FC1CA-61D9-4900-848D-2E69FA7CD7A7}"/>
                 </a:ext>
               </a:extLst>
             </p:cNvPr>
@@ -5914,7 +5914,7 @@
             <p:cNvPr id="54" name="Retângulo: Cantos Arredondados 53">
               <a:extLst>
                 <a:ext uri="{FF2B5EF4-FFF2-40B4-BE49-F238E27FC236}">
-                  <a16:creationId xmlns="" xmlns:a16="http://schemas.microsoft.com/office/drawing/2014/main" id="{C4D5C295-6F85-4F06-AD4F-7751CB901D98}"/>
+                  <a16:creationId xmlns:a16="http://schemas.microsoft.com/office/drawing/2014/main" xmlns="" id="{C4D5C295-6F85-4F06-AD4F-7751CB901D98}"/>
                 </a:ext>
               </a:extLst>
             </p:cNvPr>
@@ -6067,7 +6067,7 @@
             <p:cNvPr id="55" name="Forma Livre: Forma 54">
               <a:extLst>
                 <a:ext uri="{FF2B5EF4-FFF2-40B4-BE49-F238E27FC236}">
-                  <a16:creationId xmlns="" xmlns:a16="http://schemas.microsoft.com/office/drawing/2014/main" id="{62AD9654-DF2E-421E-A21D-3CB31EE7AEC9}"/>
+                  <a16:creationId xmlns:a16="http://schemas.microsoft.com/office/drawing/2014/main" xmlns="" id="{62AD9654-DF2E-421E-A21D-3CB31EE7AEC9}"/>
                 </a:ext>
               </a:extLst>
             </p:cNvPr>
@@ -6274,7 +6274,7 @@
           <p:cNvPr id="21" name="Agrupar 20">
             <a:extLst>
               <a:ext uri="{FF2B5EF4-FFF2-40B4-BE49-F238E27FC236}">
-                <a16:creationId xmlns="" xmlns:a16="http://schemas.microsoft.com/office/drawing/2014/main" id="{742FF697-D3D0-4C6E-A5C8-5AB51DA82FD5}"/>
+                <a16:creationId xmlns:a16="http://schemas.microsoft.com/office/drawing/2014/main" xmlns="" id="{742FF697-D3D0-4C6E-A5C8-5AB51DA82FD5}"/>
               </a:ext>
             </a:extLst>
           </p:cNvPr>
@@ -6294,7 +6294,7 @@
             <p:cNvPr id="20" name="Balão de Fala: Retângulo com Cantos Arredondados 19">
               <a:extLst>
                 <a:ext uri="{FF2B5EF4-FFF2-40B4-BE49-F238E27FC236}">
-                  <a16:creationId xmlns="" xmlns:a16="http://schemas.microsoft.com/office/drawing/2014/main" id="{AA0138DD-E1F7-4726-B5A6-47C288CE6E6A}"/>
+                  <a16:creationId xmlns:a16="http://schemas.microsoft.com/office/drawing/2014/main" xmlns="" id="{AA0138DD-E1F7-4726-B5A6-47C288CE6E6A}"/>
                 </a:ext>
               </a:extLst>
             </p:cNvPr>
@@ -6350,7 +6350,7 @@
             <p:cNvPr id="65" name="Elipse 64">
               <a:extLst>
                 <a:ext uri="{FF2B5EF4-FFF2-40B4-BE49-F238E27FC236}">
-                  <a16:creationId xmlns="" xmlns:a16="http://schemas.microsoft.com/office/drawing/2014/main" id="{2D887CE5-AF78-48D7-81B1-39041528C393}"/>
+                  <a16:creationId xmlns:a16="http://schemas.microsoft.com/office/drawing/2014/main" xmlns="" id="{2D887CE5-AF78-48D7-81B1-39041528C393}"/>
                 </a:ext>
               </a:extLst>
             </p:cNvPr>
@@ -6402,7 +6402,7 @@
             <p:cNvPr id="66" name="Elipse 65">
               <a:extLst>
                 <a:ext uri="{FF2B5EF4-FFF2-40B4-BE49-F238E27FC236}">
-                  <a16:creationId xmlns="" xmlns:a16="http://schemas.microsoft.com/office/drawing/2014/main" id="{E5D2C947-B154-4AD5-B4A9-13A15AFD7A8D}"/>
+                  <a16:creationId xmlns:a16="http://schemas.microsoft.com/office/drawing/2014/main" xmlns="" id="{E5D2C947-B154-4AD5-B4A9-13A15AFD7A8D}"/>
                 </a:ext>
               </a:extLst>
             </p:cNvPr>
@@ -6454,7 +6454,7 @@
             <p:cNvPr id="67" name="Elipse 66">
               <a:extLst>
                 <a:ext uri="{FF2B5EF4-FFF2-40B4-BE49-F238E27FC236}">
-                  <a16:creationId xmlns="" xmlns:a16="http://schemas.microsoft.com/office/drawing/2014/main" id="{5F7F820C-DF66-4663-B1E1-E200E8F489FE}"/>
+                  <a16:creationId xmlns:a16="http://schemas.microsoft.com/office/drawing/2014/main" xmlns="" id="{5F7F820C-DF66-4663-B1E1-E200E8F489FE}"/>
                 </a:ext>
               </a:extLst>
             </p:cNvPr>
@@ -6507,7 +6507,7 @@
           <p:cNvPr id="86" name="Agrupar 85">
             <a:extLst>
               <a:ext uri="{FF2B5EF4-FFF2-40B4-BE49-F238E27FC236}">
-                <a16:creationId xmlns="" xmlns:a16="http://schemas.microsoft.com/office/drawing/2014/main" id="{731157D7-3F7B-494D-A876-4E1B0923940C}"/>
+                <a16:creationId xmlns:a16="http://schemas.microsoft.com/office/drawing/2014/main" xmlns="" id="{731157D7-3F7B-494D-A876-4E1B0923940C}"/>
               </a:ext>
             </a:extLst>
           </p:cNvPr>
@@ -6527,7 +6527,7 @@
             <p:cNvPr id="83" name="Forma Livre: Forma 82">
               <a:extLst>
                 <a:ext uri="{FF2B5EF4-FFF2-40B4-BE49-F238E27FC236}">
-                  <a16:creationId xmlns="" xmlns:a16="http://schemas.microsoft.com/office/drawing/2014/main" id="{8C6FF509-5334-4779-858A-CBA417C36708}"/>
+                  <a16:creationId xmlns:a16="http://schemas.microsoft.com/office/drawing/2014/main" xmlns="" id="{8C6FF509-5334-4779-858A-CBA417C36708}"/>
                 </a:ext>
               </a:extLst>
             </p:cNvPr>
@@ -6680,7 +6680,7 @@
             <p:cNvPr id="84" name="Agrupar 83">
               <a:extLst>
                 <a:ext uri="{FF2B5EF4-FFF2-40B4-BE49-F238E27FC236}">
-                  <a16:creationId xmlns="" xmlns:a16="http://schemas.microsoft.com/office/drawing/2014/main" id="{67688334-9D02-4298-8525-206660E1862D}"/>
+                  <a16:creationId xmlns:a16="http://schemas.microsoft.com/office/drawing/2014/main" xmlns="" id="{67688334-9D02-4298-8525-206660E1862D}"/>
                 </a:ext>
               </a:extLst>
             </p:cNvPr>
@@ -6700,7 +6700,7 @@
               <p:cNvPr id="85" name="Forma Livre: Forma 84">
                 <a:extLst>
                   <a:ext uri="{FF2B5EF4-FFF2-40B4-BE49-F238E27FC236}">
-                    <a16:creationId xmlns="" xmlns:a16="http://schemas.microsoft.com/office/drawing/2014/main" id="{E857EC4A-79A6-4FBC-ADA5-4737D96C5E20}"/>
+                    <a16:creationId xmlns:a16="http://schemas.microsoft.com/office/drawing/2014/main" xmlns="" id="{E857EC4A-79A6-4FBC-ADA5-4737D96C5E20}"/>
                   </a:ext>
                 </a:extLst>
               </p:cNvPr>
@@ -6797,7 +6797,7 @@
               <p:cNvPr id="74" name="Elipse 73">
                 <a:extLst>
                   <a:ext uri="{FF2B5EF4-FFF2-40B4-BE49-F238E27FC236}">
-                    <a16:creationId xmlns="" xmlns:a16="http://schemas.microsoft.com/office/drawing/2014/main" id="{39879178-4A4B-49AA-B47C-DCEE30D0375B}"/>
+                    <a16:creationId xmlns:a16="http://schemas.microsoft.com/office/drawing/2014/main" xmlns="" id="{39879178-4A4B-49AA-B47C-DCEE30D0375B}"/>
                   </a:ext>
                 </a:extLst>
               </p:cNvPr>
@@ -6849,7 +6849,7 @@
               <p:cNvPr id="75" name="Retângulo 74">
                 <a:extLst>
                   <a:ext uri="{FF2B5EF4-FFF2-40B4-BE49-F238E27FC236}">
-                    <a16:creationId xmlns="" xmlns:a16="http://schemas.microsoft.com/office/drawing/2014/main" id="{B131F4CB-B08E-4E9F-917D-5578F7DA570E}"/>
+                    <a16:creationId xmlns:a16="http://schemas.microsoft.com/office/drawing/2014/main" xmlns="" id="{B131F4CB-B08E-4E9F-917D-5578F7DA570E}"/>
                   </a:ext>
                 </a:extLst>
               </p:cNvPr>
@@ -7288,6 +7288,475 @@
           </p:txBody>
         </p:sp>
       </p:grpSp>
+      <p:grpSp>
+        <p:nvGrpSpPr>
+          <p:cNvPr id="63" name="Grupo 62"/>
+          <p:cNvGrpSpPr/>
+          <p:nvPr/>
+        </p:nvGrpSpPr>
+        <p:grpSpPr>
+          <a:xfrm>
+            <a:off x="-375999" y="1159908"/>
+            <a:ext cx="1181469" cy="1150316"/>
+            <a:chOff x="3936991" y="1712059"/>
+            <a:chExt cx="4943667" cy="4813313"/>
+          </a:xfrm>
+        </p:grpSpPr>
+        <p:sp>
+          <p:nvSpPr>
+            <p:cNvPr id="64" name="Retângulo de cantos arredondados 23"/>
+            <p:cNvSpPr/>
+            <p:nvPr/>
+          </p:nvSpPr>
+          <p:spPr>
+            <a:xfrm rot="509707">
+              <a:off x="4019820" y="1712059"/>
+              <a:ext cx="4860838" cy="4813313"/>
+            </a:xfrm>
+            <a:custGeom>
+              <a:avLst/>
+              <a:gdLst/>
+              <a:ahLst/>
+              <a:cxnLst/>
+              <a:rect l="l" t="t" r="r" b="b"/>
+              <a:pathLst>
+                <a:path w="4860838" h="4813313">
+                  <a:moveTo>
+                    <a:pt x="2150484" y="8870"/>
+                  </a:moveTo>
+                  <a:cubicBezTo>
+                    <a:pt x="2163789" y="5911"/>
+                    <a:pt x="2177393" y="4092"/>
+                    <a:pt x="2191164" y="3884"/>
+                  </a:cubicBezTo>
+                  <a:cubicBezTo>
+                    <a:pt x="2195645" y="1593"/>
+                    <a:pt x="2200367" y="1082"/>
+                    <a:pt x="2205094" y="714"/>
+                  </a:cubicBezTo>
+                  <a:cubicBezTo>
+                    <a:pt x="2280689" y="-5172"/>
+                    <a:pt x="2357762" y="25375"/>
+                    <a:pt x="2408511" y="89186"/>
+                  </a:cubicBezTo>
+                  <a:lnTo>
+                    <a:pt x="3187785" y="1069040"/>
+                  </a:lnTo>
+                  <a:cubicBezTo>
+                    <a:pt x="3675649" y="1124667"/>
+                    <a:pt x="4163512" y="1180295"/>
+                    <a:pt x="4651375" y="1235922"/>
+                  </a:cubicBezTo>
+                  <a:cubicBezTo>
+                    <a:pt x="4780985" y="1250701"/>
+                    <a:pt x="4874073" y="1367749"/>
+                    <a:pt x="4859296" y="1497358"/>
+                  </a:cubicBezTo>
+                  <a:lnTo>
+                    <a:pt x="4859295" y="1497357"/>
+                  </a:lnTo>
+                  <a:cubicBezTo>
+                    <a:pt x="4853544" y="1547787"/>
+                    <a:pt x="4832310" y="1592688"/>
+                    <a:pt x="4797663" y="1624983"/>
+                  </a:cubicBezTo>
+                  <a:lnTo>
+                    <a:pt x="3997708" y="2705867"/>
+                  </a:lnTo>
+                  <a:lnTo>
+                    <a:pt x="4414892" y="4071244"/>
+                  </a:lnTo>
+                  <a:cubicBezTo>
+                    <a:pt x="4435498" y="4138686"/>
+                    <a:pt x="4424439" y="4208255"/>
+                    <a:pt x="4388190" y="4262717"/>
+                  </a:cubicBezTo>
+                  <a:cubicBezTo>
+                    <a:pt x="4388027" y="4264525"/>
+                    <a:pt x="4387401" y="4266167"/>
+                    <a:pt x="4386755" y="4267807"/>
+                  </a:cubicBezTo>
+                  <a:lnTo>
+                    <a:pt x="4386757" y="4267806"/>
+                  </a:lnTo>
+                  <a:cubicBezTo>
+                    <a:pt x="4338936" y="4389174"/>
+                    <a:pt x="4201783" y="4448796"/>
+                    <a:pt x="4080415" y="4400976"/>
+                  </a:cubicBezTo>
+                  <a:cubicBezTo>
+                    <a:pt x="3642868" y="4228579"/>
+                    <a:pt x="3205322" y="4056182"/>
+                    <a:pt x="2767776" y="3883785"/>
+                  </a:cubicBezTo>
+                  <a:cubicBezTo>
+                    <a:pt x="2399701" y="4176513"/>
+                    <a:pt x="2031627" y="4469240"/>
+                    <a:pt x="1663553" y="4761969"/>
+                  </a:cubicBezTo>
+                  <a:cubicBezTo>
+                    <a:pt x="1561456" y="4843167"/>
+                    <a:pt x="1412867" y="4826224"/>
+                    <a:pt x="1331669" y="4724127"/>
+                  </a:cubicBezTo>
+                  <a:lnTo>
+                    <a:pt x="1331670" y="4724127"/>
+                  </a:lnTo>
+                  <a:cubicBezTo>
+                    <a:pt x="1287824" y="4668995"/>
+                    <a:pt x="1272595" y="4600307"/>
+                    <a:pt x="1284867" y="4536157"/>
+                  </a:cubicBezTo>
+                  <a:lnTo>
+                    <a:pt x="1284867" y="3234819"/>
+                  </a:lnTo>
+                  <a:lnTo>
+                    <a:pt x="101708" y="2359171"/>
+                  </a:lnTo>
+                  <a:cubicBezTo>
+                    <a:pt x="59939" y="2328258"/>
+                    <a:pt x="31302" y="2286188"/>
+                    <a:pt x="17500" y="2239930"/>
+                  </a:cubicBezTo>
+                  <a:cubicBezTo>
+                    <a:pt x="-30800" y="2121839"/>
+                    <a:pt x="24166" y="1986323"/>
+                    <a:pt x="141872" y="1935155"/>
+                  </a:cubicBezTo>
+                  <a:cubicBezTo>
+                    <a:pt x="599490" y="1736223"/>
+                    <a:pt x="1057107" y="1537291"/>
+                    <a:pt x="1514725" y="1338360"/>
+                  </a:cubicBezTo>
+                  <a:cubicBezTo>
+                    <a:pt x="1670416" y="943213"/>
+                    <a:pt x="1826106" y="548067"/>
+                    <a:pt x="1981798" y="152920"/>
+                  </a:cubicBezTo>
+                  <a:cubicBezTo>
+                    <a:pt x="2011685" y="77065"/>
+                    <a:pt x="2076468" y="25330"/>
+                    <a:pt x="2150484" y="8870"/>
+                  </a:cubicBezTo>
+                  <a:close/>
+                </a:path>
+              </a:pathLst>
+            </a:custGeom>
+            <a:solidFill>
+              <a:srgbClr val="FFCF05"/>
+            </a:solidFill>
+            <a:ln>
+              <a:noFill/>
+            </a:ln>
+          </p:spPr>
+          <p:style>
+            <a:lnRef idx="2">
+              <a:schemeClr val="accent1">
+                <a:shade val="50000"/>
+              </a:schemeClr>
+            </a:lnRef>
+            <a:fillRef idx="1">
+              <a:schemeClr val="accent1"/>
+            </a:fillRef>
+            <a:effectRef idx="0">
+              <a:schemeClr val="accent1"/>
+            </a:effectRef>
+            <a:fontRef idx="minor">
+              <a:schemeClr val="lt1"/>
+            </a:fontRef>
+          </p:style>
+          <p:txBody>
+            <a:bodyPr rtlCol="0" anchor="ctr"/>
+            <a:lstStyle/>
+            <a:p>
+              <a:pPr algn="ctr"/>
+              <a:endParaRPr lang="pt-BR"/>
+            </a:p>
+          </p:txBody>
+        </p:sp>
+        <p:grpSp>
+          <p:nvGrpSpPr>
+            <p:cNvPr id="68" name="Grupo 67"/>
+            <p:cNvGrpSpPr/>
+            <p:nvPr/>
+          </p:nvGrpSpPr>
+          <p:grpSpPr>
+            <a:xfrm>
+              <a:off x="3936991" y="2458986"/>
+              <a:ext cx="3907872" cy="3989457"/>
+              <a:chOff x="3936991" y="2458986"/>
+              <a:chExt cx="3907872" cy="3989457"/>
+            </a:xfrm>
+          </p:grpSpPr>
+          <p:sp>
+            <p:nvSpPr>
+              <p:cNvPr id="69" name="Retângulo de cantos arredondados 23"/>
+              <p:cNvSpPr/>
+              <p:nvPr/>
+            </p:nvSpPr>
+            <p:spPr>
+              <a:xfrm rot="509707">
+                <a:off x="3964345" y="2458986"/>
+                <a:ext cx="3880518" cy="3989457"/>
+              </a:xfrm>
+              <a:custGeom>
+                <a:avLst/>
+                <a:gdLst/>
+                <a:ahLst/>
+                <a:cxnLst/>
+                <a:rect l="l" t="t" r="r" b="b"/>
+                <a:pathLst>
+                  <a:path w="3880518" h="3989457">
+                    <a:moveTo>
+                      <a:pt x="1717444" y="0"/>
+                    </a:moveTo>
+                    <a:cubicBezTo>
+                      <a:pt x="2796541" y="192814"/>
+                      <a:pt x="3680406" y="1054374"/>
+                      <a:pt x="3851342" y="2198803"/>
+                    </a:cubicBezTo>
+                    <a:cubicBezTo>
+                      <a:pt x="3915968" y="2631482"/>
+                      <a:pt x="3871322" y="3055270"/>
+                      <a:pt x="3736366" y="3441562"/>
+                    </a:cubicBezTo>
+                    <a:cubicBezTo>
+                      <a:pt x="3413502" y="3314351"/>
+                      <a:pt x="3090639" y="3187140"/>
+                      <a:pt x="2767776" y="3059929"/>
+                    </a:cubicBezTo>
+                    <a:cubicBezTo>
+                      <a:pt x="2399701" y="3352657"/>
+                      <a:pt x="2031627" y="3645384"/>
+                      <a:pt x="1663553" y="3938113"/>
+                    </a:cubicBezTo>
+                    <a:cubicBezTo>
+                      <a:pt x="1561456" y="4019311"/>
+                      <a:pt x="1412867" y="4002368"/>
+                      <a:pt x="1331669" y="3900271"/>
+                    </a:cubicBezTo>
+                    <a:lnTo>
+                      <a:pt x="1331670" y="3900271"/>
+                    </a:lnTo>
+                    <a:cubicBezTo>
+                      <a:pt x="1287824" y="3845139"/>
+                      <a:pt x="1272595" y="3776451"/>
+                      <a:pt x="1284867" y="3712301"/>
+                    </a:cubicBezTo>
+                    <a:lnTo>
+                      <a:pt x="1284867" y="2410963"/>
+                    </a:lnTo>
+                    <a:lnTo>
+                      <a:pt x="101708" y="1535315"/>
+                    </a:lnTo>
+                    <a:cubicBezTo>
+                      <a:pt x="59939" y="1504402"/>
+                      <a:pt x="31302" y="1462332"/>
+                      <a:pt x="17500" y="1416074"/>
+                    </a:cubicBezTo>
+                    <a:cubicBezTo>
+                      <a:pt x="-30800" y="1297983"/>
+                      <a:pt x="24166" y="1162467"/>
+                      <a:pt x="141872" y="1111299"/>
+                    </a:cubicBezTo>
+                    <a:cubicBezTo>
+                      <a:pt x="599490" y="912367"/>
+                      <a:pt x="1057107" y="713435"/>
+                      <a:pt x="1514725" y="514504"/>
+                    </a:cubicBezTo>
+                    <a:close/>
+                  </a:path>
+                </a:pathLst>
+              </a:custGeom>
+              <a:solidFill>
+                <a:srgbClr val="FFD92E"/>
+              </a:solidFill>
+              <a:ln>
+                <a:noFill/>
+              </a:ln>
+            </p:spPr>
+            <p:style>
+              <a:lnRef idx="2">
+                <a:schemeClr val="accent1">
+                  <a:shade val="50000"/>
+                </a:schemeClr>
+              </a:lnRef>
+              <a:fillRef idx="1">
+                <a:schemeClr val="accent1"/>
+              </a:fillRef>
+              <a:effectRef idx="0">
+                <a:schemeClr val="accent1"/>
+              </a:effectRef>
+              <a:fontRef idx="minor">
+                <a:schemeClr val="lt1"/>
+              </a:fontRef>
+            </p:style>
+            <p:txBody>
+              <a:bodyPr rtlCol="0" anchor="ctr"/>
+              <a:lstStyle/>
+              <a:p>
+                <a:pPr algn="ctr"/>
+                <a:endParaRPr lang="pt-BR"/>
+              </a:p>
+            </p:txBody>
+          </p:sp>
+          <p:sp>
+            <p:nvSpPr>
+              <p:cNvPr id="70" name="Retângulo de cantos arredondados 23"/>
+              <p:cNvSpPr/>
+              <p:nvPr/>
+            </p:nvSpPr>
+            <p:spPr>
+              <a:xfrm rot="509707">
+                <a:off x="3936991" y="2828772"/>
+                <a:ext cx="2666707" cy="3528969"/>
+              </a:xfrm>
+              <a:custGeom>
+                <a:avLst/>
+                <a:gdLst/>
+                <a:ahLst/>
+                <a:cxnLst/>
+                <a:rect l="l" t="t" r="r" b="b"/>
+                <a:pathLst>
+                  <a:path w="2666707" h="3528969">
+                    <a:moveTo>
+                      <a:pt x="1536007" y="0"/>
+                    </a:moveTo>
+                    <a:cubicBezTo>
+                      <a:pt x="2110968" y="411085"/>
+                      <a:pt x="2524177" y="1046100"/>
+                      <a:pt x="2636837" y="1800362"/>
+                    </a:cubicBezTo>
+                    <a:cubicBezTo>
+                      <a:pt x="2683952" y="2115804"/>
+                      <a:pt x="2674701" y="2426660"/>
+                      <a:pt x="2613544" y="2722101"/>
+                    </a:cubicBezTo>
+                    <a:cubicBezTo>
+                      <a:pt x="2296880" y="2973943"/>
+                      <a:pt x="1980217" y="3225783"/>
+                      <a:pt x="1663553" y="3477625"/>
+                    </a:cubicBezTo>
+                    <a:cubicBezTo>
+                      <a:pt x="1561456" y="3558823"/>
+                      <a:pt x="1412867" y="3541880"/>
+                      <a:pt x="1331669" y="3439783"/>
+                    </a:cubicBezTo>
+                    <a:lnTo>
+                      <a:pt x="1331670" y="3439783"/>
+                    </a:lnTo>
+                    <a:cubicBezTo>
+                      <a:pt x="1287824" y="3384651"/>
+                      <a:pt x="1272595" y="3315963"/>
+                      <a:pt x="1284867" y="3251813"/>
+                    </a:cubicBezTo>
+                    <a:lnTo>
+                      <a:pt x="1284867" y="1950475"/>
+                    </a:lnTo>
+                    <a:lnTo>
+                      <a:pt x="101708" y="1074827"/>
+                    </a:lnTo>
+                    <a:cubicBezTo>
+                      <a:pt x="59939" y="1043914"/>
+                      <a:pt x="31302" y="1001844"/>
+                      <a:pt x="17500" y="955586"/>
+                    </a:cubicBezTo>
+                    <a:cubicBezTo>
+                      <a:pt x="-30800" y="837495"/>
+                      <a:pt x="24166" y="701979"/>
+                      <a:pt x="141872" y="650811"/>
+                    </a:cubicBezTo>
+                    <a:cubicBezTo>
+                      <a:pt x="599490" y="451879"/>
+                      <a:pt x="1057107" y="252947"/>
+                      <a:pt x="1514725" y="54016"/>
+                    </a:cubicBezTo>
+                    <a:close/>
+                  </a:path>
+                </a:pathLst>
+              </a:custGeom>
+              <a:solidFill>
+                <a:srgbClr val="FFCF05"/>
+              </a:solidFill>
+              <a:ln>
+                <a:noFill/>
+              </a:ln>
+            </p:spPr>
+            <p:style>
+              <a:lnRef idx="2">
+                <a:schemeClr val="accent1">
+                  <a:shade val="50000"/>
+                </a:schemeClr>
+              </a:lnRef>
+              <a:fillRef idx="1">
+                <a:schemeClr val="accent1"/>
+              </a:fillRef>
+              <a:effectRef idx="0">
+                <a:schemeClr val="accent1"/>
+              </a:effectRef>
+              <a:fontRef idx="minor">
+                <a:schemeClr val="lt1"/>
+              </a:fontRef>
+            </p:style>
+            <p:txBody>
+              <a:bodyPr rtlCol="0" anchor="ctr"/>
+              <a:lstStyle/>
+              <a:p>
+                <a:pPr algn="ctr"/>
+                <a:endParaRPr lang="pt-BR"/>
+              </a:p>
+            </p:txBody>
+          </p:sp>
+          <p:sp>
+            <p:nvSpPr>
+              <p:cNvPr id="71" name="Estrela de 4 pontas 70"/>
+              <p:cNvSpPr/>
+              <p:nvPr/>
+            </p:nvSpPr>
+            <p:spPr>
+              <a:xfrm>
+                <a:off x="7023100" y="3286865"/>
+                <a:ext cx="812800" cy="812800"/>
+              </a:xfrm>
+              <a:prstGeom prst="star4">
+                <a:avLst>
+                  <a:gd name="adj" fmla="val 28289"/>
+                </a:avLst>
+              </a:prstGeom>
+              <a:solidFill>
+                <a:schemeClr val="bg1"/>
+              </a:solidFill>
+              <a:ln>
+                <a:noFill/>
+              </a:ln>
+            </p:spPr>
+            <p:style>
+              <a:lnRef idx="2">
+                <a:schemeClr val="accent1">
+                  <a:shade val="50000"/>
+                </a:schemeClr>
+              </a:lnRef>
+              <a:fillRef idx="1">
+                <a:schemeClr val="accent1"/>
+              </a:fillRef>
+              <a:effectRef idx="0">
+                <a:schemeClr val="accent1"/>
+              </a:effectRef>
+              <a:fontRef idx="minor">
+                <a:schemeClr val="lt1"/>
+              </a:fontRef>
+            </p:style>
+            <p:txBody>
+              <a:bodyPr rtlCol="0" anchor="ctr"/>
+              <a:lstStyle/>
+              <a:p>
+                <a:pPr algn="ctr"/>
+                <a:endParaRPr lang="pt-BR"/>
+              </a:p>
+            </p:txBody>
+          </p:sp>
+        </p:grpSp>
+      </p:grpSp>
     </p:spTree>
     <p:extLst>
       <p:ext uri="{BB962C8B-B14F-4D97-AF65-F5344CB8AC3E}">
@@ -7330,7 +7799,7 @@
           <p:cNvPr id="3" name="Imagem 2" descr="Uma imagem contendo brinquedo, gráficos vetoriais&#10;&#10;Descrição gerada automaticamente">
             <a:extLst>
               <a:ext uri="{FF2B5EF4-FFF2-40B4-BE49-F238E27FC236}">
-                <a16:creationId xmlns="" xmlns:a16="http://schemas.microsoft.com/office/drawing/2014/main" id="{D62FA05A-5510-46A9-B25F-40C0074A1B04}"/>
+                <a16:creationId xmlns:a16="http://schemas.microsoft.com/office/drawing/2014/main" xmlns="" id="{D62FA05A-5510-46A9-B25F-40C0074A1B04}"/>
               </a:ext>
             </a:extLst>
           </p:cNvPr>
